--- a/WireMock_DFSSubhajitSaha.pptx
+++ b/WireMock_DFSSubhajitSaha.pptx
@@ -4,9 +4,15 @@
   <p:sldMasterIdLst>
     <p:sldMasterId id="2147483672" r:id="rId1"/>
   </p:sldMasterIdLst>
+  <p:notesMasterIdLst>
+    <p:notesMasterId r:id="rId7"/>
+  </p:notesMasterIdLst>
   <p:sldIdLst>
     <p:sldId id="256" r:id="rId2"/>
-    <p:sldId id="257" r:id="rId3"/>
+    <p:sldId id="258" r:id="rId3"/>
+    <p:sldId id="257" r:id="rId4"/>
+    <p:sldId id="259" r:id="rId5"/>
+    <p:sldId id="260" r:id="rId6"/>
   </p:sldIdLst>
   <p:sldSz cx="12192000" cy="6858000"/>
   <p:notesSz cx="6858000" cy="9144000"/>
@@ -105,7 +111,362 @@
       </a:defRPr>
     </a:lvl9pPr>
   </p:defaultTextStyle>
+  <p:extLst>
+    <p:ext uri="{EFAFB233-063F-42B5-8137-9DF3F51BA10A}">
+      <p15:sldGuideLst xmlns:p15="http://schemas.microsoft.com/office/powerpoint/2012/main"/>
+    </p:ext>
+  </p:extLst>
 </p:presentation>
+</file>
+
+<file path=ppt/notesMasters/notesMaster1.xml><?xml version="1.0" encoding="utf-8"?>
+<p:notesMaster xmlns:a="http://schemas.openxmlformats.org/drawingml/2006/main" xmlns:r="http://schemas.openxmlformats.org/officeDocument/2006/relationships" xmlns:p="http://schemas.openxmlformats.org/presentationml/2006/main">
+  <p:cSld>
+    <p:bg>
+      <p:bgRef idx="1001">
+        <a:schemeClr val="bg1"/>
+      </p:bgRef>
+    </p:bg>
+    <p:spTree>
+      <p:nvGrpSpPr>
+        <p:cNvPr id="1" name=""/>
+        <p:cNvGrpSpPr/>
+        <p:nvPr/>
+      </p:nvGrpSpPr>
+      <p:grpSpPr>
+        <a:xfrm>
+          <a:off x="0" y="0"/>
+          <a:ext cx="0" cy="0"/>
+          <a:chOff x="0" y="0"/>
+          <a:chExt cx="0" cy="0"/>
+        </a:xfrm>
+      </p:grpSpPr>
+      <p:sp>
+        <p:nvSpPr>
+          <p:cNvPr id="2" name="Header Placeholder 1"/>
+          <p:cNvSpPr>
+            <a:spLocks noGrp="1"/>
+          </p:cNvSpPr>
+          <p:nvPr>
+            <p:ph type="hdr" sz="quarter"/>
+          </p:nvPr>
+        </p:nvSpPr>
+        <p:spPr>
+          <a:xfrm>
+            <a:off x="0" y="0"/>
+            <a:ext cx="2971800" cy="458788"/>
+          </a:xfrm>
+          <a:prstGeom prst="rect">
+            <a:avLst/>
+          </a:prstGeom>
+        </p:spPr>
+        <p:txBody>
+          <a:bodyPr vert="horz" lIns="91440" tIns="45720" rIns="91440" bIns="45720" rtlCol="0"/>
+          <a:lstStyle>
+            <a:lvl1pPr algn="l">
+              <a:defRPr sz="1200"/>
+            </a:lvl1pPr>
+          </a:lstStyle>
+          <a:p>
+            <a:endParaRPr lang="en-IN"/>
+          </a:p>
+        </p:txBody>
+      </p:sp>
+      <p:sp>
+        <p:nvSpPr>
+          <p:cNvPr id="3" name="Date Placeholder 2"/>
+          <p:cNvSpPr>
+            <a:spLocks noGrp="1"/>
+          </p:cNvSpPr>
+          <p:nvPr>
+            <p:ph type="dt" idx="1"/>
+          </p:nvPr>
+        </p:nvSpPr>
+        <p:spPr>
+          <a:xfrm>
+            <a:off x="3884613" y="0"/>
+            <a:ext cx="2971800" cy="458788"/>
+          </a:xfrm>
+          <a:prstGeom prst="rect">
+            <a:avLst/>
+          </a:prstGeom>
+        </p:spPr>
+        <p:txBody>
+          <a:bodyPr vert="horz" lIns="91440" tIns="45720" rIns="91440" bIns="45720" rtlCol="0"/>
+          <a:lstStyle>
+            <a:lvl1pPr algn="r">
+              <a:defRPr sz="1200"/>
+            </a:lvl1pPr>
+          </a:lstStyle>
+          <a:p>
+            <a:fld id="{ECDD4449-031F-4E17-88B9-DAAF2A8954E4}" type="datetimeFigureOut">
+              <a:rPr lang="en-IN" smtClean="0"/>
+              <a:t>23-05-2023</a:t>
+            </a:fld>
+            <a:endParaRPr lang="en-IN"/>
+          </a:p>
+        </p:txBody>
+      </p:sp>
+      <p:sp>
+        <p:nvSpPr>
+          <p:cNvPr id="4" name="Slide Image Placeholder 3"/>
+          <p:cNvSpPr>
+            <a:spLocks noGrp="1" noRot="1" noChangeAspect="1"/>
+          </p:cNvSpPr>
+          <p:nvPr>
+            <p:ph type="sldImg" idx="2"/>
+          </p:nvPr>
+        </p:nvSpPr>
+        <p:spPr>
+          <a:xfrm>
+            <a:off x="685800" y="1143000"/>
+            <a:ext cx="5486400" cy="3086100"/>
+          </a:xfrm>
+          <a:prstGeom prst="rect">
+            <a:avLst/>
+          </a:prstGeom>
+          <a:noFill/>
+          <a:ln w="12700">
+            <a:solidFill>
+              <a:prstClr val="black"/>
+            </a:solidFill>
+          </a:ln>
+        </p:spPr>
+        <p:txBody>
+          <a:bodyPr vert="horz" lIns="91440" tIns="45720" rIns="91440" bIns="45720" rtlCol="0" anchor="ctr"/>
+          <a:lstStyle/>
+          <a:p>
+            <a:endParaRPr lang="en-IN"/>
+          </a:p>
+        </p:txBody>
+      </p:sp>
+      <p:sp>
+        <p:nvSpPr>
+          <p:cNvPr id="5" name="Notes Placeholder 4"/>
+          <p:cNvSpPr>
+            <a:spLocks noGrp="1"/>
+          </p:cNvSpPr>
+          <p:nvPr>
+            <p:ph type="body" sz="quarter" idx="3"/>
+          </p:nvPr>
+        </p:nvSpPr>
+        <p:spPr>
+          <a:xfrm>
+            <a:off x="685800" y="4400550"/>
+            <a:ext cx="5486400" cy="3600450"/>
+          </a:xfrm>
+          <a:prstGeom prst="rect">
+            <a:avLst/>
+          </a:prstGeom>
+        </p:spPr>
+        <p:txBody>
+          <a:bodyPr vert="horz" lIns="91440" tIns="45720" rIns="91440" bIns="45720" rtlCol="0"/>
+          <a:lstStyle/>
+          <a:p>
+            <a:pPr lvl="0"/>
+            <a:r>
+              <a:rPr lang="en-US"/>
+              <a:t>Click to edit Master text styles</a:t>
+            </a:r>
+          </a:p>
+          <a:p>
+            <a:pPr lvl="1"/>
+            <a:r>
+              <a:rPr lang="en-US"/>
+              <a:t>Second level</a:t>
+            </a:r>
+          </a:p>
+          <a:p>
+            <a:pPr lvl="2"/>
+            <a:r>
+              <a:rPr lang="en-US"/>
+              <a:t>Third level</a:t>
+            </a:r>
+          </a:p>
+          <a:p>
+            <a:pPr lvl="3"/>
+            <a:r>
+              <a:rPr lang="en-US"/>
+              <a:t>Fourth level</a:t>
+            </a:r>
+          </a:p>
+          <a:p>
+            <a:pPr lvl="4"/>
+            <a:r>
+              <a:rPr lang="en-US"/>
+              <a:t>Fifth level</a:t>
+            </a:r>
+            <a:endParaRPr lang="en-IN"/>
+          </a:p>
+        </p:txBody>
+      </p:sp>
+      <p:sp>
+        <p:nvSpPr>
+          <p:cNvPr id="6" name="Footer Placeholder 5"/>
+          <p:cNvSpPr>
+            <a:spLocks noGrp="1"/>
+          </p:cNvSpPr>
+          <p:nvPr>
+            <p:ph type="ftr" sz="quarter" idx="4"/>
+          </p:nvPr>
+        </p:nvSpPr>
+        <p:spPr>
+          <a:xfrm>
+            <a:off x="0" y="8685213"/>
+            <a:ext cx="2971800" cy="458787"/>
+          </a:xfrm>
+          <a:prstGeom prst="rect">
+            <a:avLst/>
+          </a:prstGeom>
+        </p:spPr>
+        <p:txBody>
+          <a:bodyPr vert="horz" lIns="91440" tIns="45720" rIns="91440" bIns="45720" rtlCol="0" anchor="b"/>
+          <a:lstStyle>
+            <a:lvl1pPr algn="l">
+              <a:defRPr sz="1200"/>
+            </a:lvl1pPr>
+          </a:lstStyle>
+          <a:p>
+            <a:endParaRPr lang="en-IN"/>
+          </a:p>
+        </p:txBody>
+      </p:sp>
+      <p:sp>
+        <p:nvSpPr>
+          <p:cNvPr id="7" name="Slide Number Placeholder 6"/>
+          <p:cNvSpPr>
+            <a:spLocks noGrp="1"/>
+          </p:cNvSpPr>
+          <p:nvPr>
+            <p:ph type="sldNum" sz="quarter" idx="5"/>
+          </p:nvPr>
+        </p:nvSpPr>
+        <p:spPr>
+          <a:xfrm>
+            <a:off x="3884613" y="8685213"/>
+            <a:ext cx="2971800" cy="458787"/>
+          </a:xfrm>
+          <a:prstGeom prst="rect">
+            <a:avLst/>
+          </a:prstGeom>
+        </p:spPr>
+        <p:txBody>
+          <a:bodyPr vert="horz" lIns="91440" tIns="45720" rIns="91440" bIns="45720" rtlCol="0" anchor="b"/>
+          <a:lstStyle>
+            <a:lvl1pPr algn="r">
+              <a:defRPr sz="1200"/>
+            </a:lvl1pPr>
+          </a:lstStyle>
+          <a:p>
+            <a:fld id="{9AEC56FA-05D2-4277-A410-72191FA81338}" type="slidenum">
+              <a:rPr lang="en-IN" smtClean="0"/>
+              <a:t>‹#›</a:t>
+            </a:fld>
+            <a:endParaRPr lang="en-IN"/>
+          </a:p>
+        </p:txBody>
+      </p:sp>
+    </p:spTree>
+    <p:extLst>
+      <p:ext uri="{BB962C8B-B14F-4D97-AF65-F5344CB8AC3E}">
+        <p14:creationId xmlns:p14="http://schemas.microsoft.com/office/powerpoint/2010/main" val="4010662004"/>
+      </p:ext>
+    </p:extLst>
+  </p:cSld>
+  <p:clrMap bg1="lt1" tx1="dk1" bg2="lt2" tx2="dk2" accent1="accent1" accent2="accent2" accent3="accent3" accent4="accent4" accent5="accent5" accent6="accent6" hlink="hlink" folHlink="folHlink"/>
+  <p:notesStyle>
+    <a:lvl1pPr marL="0" algn="l" defTabSz="914400" rtl="0" eaLnBrk="1" latinLnBrk="0" hangingPunct="1">
+      <a:defRPr sz="1200" kern="1200">
+        <a:solidFill>
+          <a:schemeClr val="tx1"/>
+        </a:solidFill>
+        <a:latin typeface="+mn-lt"/>
+        <a:ea typeface="+mn-ea"/>
+        <a:cs typeface="+mn-cs"/>
+      </a:defRPr>
+    </a:lvl1pPr>
+    <a:lvl2pPr marL="457200" algn="l" defTabSz="914400" rtl="0" eaLnBrk="1" latinLnBrk="0" hangingPunct="1">
+      <a:defRPr sz="1200" kern="1200">
+        <a:solidFill>
+          <a:schemeClr val="tx1"/>
+        </a:solidFill>
+        <a:latin typeface="+mn-lt"/>
+        <a:ea typeface="+mn-ea"/>
+        <a:cs typeface="+mn-cs"/>
+      </a:defRPr>
+    </a:lvl2pPr>
+    <a:lvl3pPr marL="914400" algn="l" defTabSz="914400" rtl="0" eaLnBrk="1" latinLnBrk="0" hangingPunct="1">
+      <a:defRPr sz="1200" kern="1200">
+        <a:solidFill>
+          <a:schemeClr val="tx1"/>
+        </a:solidFill>
+        <a:latin typeface="+mn-lt"/>
+        <a:ea typeface="+mn-ea"/>
+        <a:cs typeface="+mn-cs"/>
+      </a:defRPr>
+    </a:lvl3pPr>
+    <a:lvl4pPr marL="1371600" algn="l" defTabSz="914400" rtl="0" eaLnBrk="1" latinLnBrk="0" hangingPunct="1">
+      <a:defRPr sz="1200" kern="1200">
+        <a:solidFill>
+          <a:schemeClr val="tx1"/>
+        </a:solidFill>
+        <a:latin typeface="+mn-lt"/>
+        <a:ea typeface="+mn-ea"/>
+        <a:cs typeface="+mn-cs"/>
+      </a:defRPr>
+    </a:lvl4pPr>
+    <a:lvl5pPr marL="1828800" algn="l" defTabSz="914400" rtl="0" eaLnBrk="1" latinLnBrk="0" hangingPunct="1">
+      <a:defRPr sz="1200" kern="1200">
+        <a:solidFill>
+          <a:schemeClr val="tx1"/>
+        </a:solidFill>
+        <a:latin typeface="+mn-lt"/>
+        <a:ea typeface="+mn-ea"/>
+        <a:cs typeface="+mn-cs"/>
+      </a:defRPr>
+    </a:lvl5pPr>
+    <a:lvl6pPr marL="2286000" algn="l" defTabSz="914400" rtl="0" eaLnBrk="1" latinLnBrk="0" hangingPunct="1">
+      <a:defRPr sz="1200" kern="1200">
+        <a:solidFill>
+          <a:schemeClr val="tx1"/>
+        </a:solidFill>
+        <a:latin typeface="+mn-lt"/>
+        <a:ea typeface="+mn-ea"/>
+        <a:cs typeface="+mn-cs"/>
+      </a:defRPr>
+    </a:lvl6pPr>
+    <a:lvl7pPr marL="2743200" algn="l" defTabSz="914400" rtl="0" eaLnBrk="1" latinLnBrk="0" hangingPunct="1">
+      <a:defRPr sz="1200" kern="1200">
+        <a:solidFill>
+          <a:schemeClr val="tx1"/>
+        </a:solidFill>
+        <a:latin typeface="+mn-lt"/>
+        <a:ea typeface="+mn-ea"/>
+        <a:cs typeface="+mn-cs"/>
+      </a:defRPr>
+    </a:lvl7pPr>
+    <a:lvl8pPr marL="3200400" algn="l" defTabSz="914400" rtl="0" eaLnBrk="1" latinLnBrk="0" hangingPunct="1">
+      <a:defRPr sz="1200" kern="1200">
+        <a:solidFill>
+          <a:schemeClr val="tx1"/>
+        </a:solidFill>
+        <a:latin typeface="+mn-lt"/>
+        <a:ea typeface="+mn-ea"/>
+        <a:cs typeface="+mn-cs"/>
+      </a:defRPr>
+    </a:lvl8pPr>
+    <a:lvl9pPr marL="3657600" algn="l" defTabSz="914400" rtl="0" eaLnBrk="1" latinLnBrk="0" hangingPunct="1">
+      <a:defRPr sz="1200" kern="1200">
+        <a:solidFill>
+          <a:schemeClr val="tx1"/>
+        </a:solidFill>
+        <a:latin typeface="+mn-lt"/>
+        <a:ea typeface="+mn-ea"/>
+        <a:cs typeface="+mn-cs"/>
+      </a:defRPr>
+    </a:lvl9pPr>
+  </p:notesStyle>
+</p:notesMaster>
 </file>
 
 <file path=ppt/slideLayouts/slideLayout1.xml><?xml version="1.0" encoding="utf-8"?>
@@ -6168,12 +6529,14 @@
         </p:nvSpPr>
         <p:spPr>
           <a:xfrm>
-            <a:off x="3922542" y="4628271"/>
-            <a:ext cx="4346917" cy="1069144"/>
+            <a:off x="3463076" y="4583882"/>
+            <a:ext cx="5265846" cy="1728141"/>
           </a:xfrm>
         </p:spPr>
         <p:txBody>
-          <a:bodyPr/>
+          <a:bodyPr>
+            <a:normAutofit/>
+          </a:bodyPr>
           <a:lstStyle/>
           <a:p>
             <a:pPr algn="ctr"/>
@@ -6194,6 +6557,68 @@
                 </a:solidFill>
               </a:rPr>
               <a:t>Subhajit Saha</a:t>
+            </a:r>
+            <a:br>
+              <a:rPr lang="en-US" sz="2800" b="1" dirty="0">
+                <a:solidFill>
+                  <a:schemeClr val="bg2">
+                    <a:lumMod val="20000"/>
+                    <a:lumOff val="80000"/>
+                  </a:schemeClr>
+                </a:solidFill>
+              </a:rPr>
+            </a:br>
+            <a:r>
+              <a:rPr lang="en-US" dirty="0">
+                <a:solidFill>
+                  <a:schemeClr val="bg2">
+                    <a:lumMod val="20000"/>
+                    <a:lumOff val="80000"/>
+                  </a:schemeClr>
+                </a:solidFill>
+              </a:rPr>
+              <a:t>software engineer, Capgemini</a:t>
+            </a:r>
+            <a:endParaRPr lang="en-US" sz="2800" dirty="0">
+              <a:solidFill>
+                <a:schemeClr val="bg2">
+                  <a:lumMod val="20000"/>
+                  <a:lumOff val="80000"/>
+                </a:schemeClr>
+              </a:solidFill>
+            </a:endParaRPr>
+          </a:p>
+        </p:txBody>
+      </p:sp>
+      <p:sp>
+        <p:nvSpPr>
+          <p:cNvPr id="3" name="Date Placeholder 2">
+            <a:extLst>
+              <a:ext uri="{FF2B5EF4-FFF2-40B4-BE49-F238E27FC236}">
+                <a16:creationId xmlns:a16="http://schemas.microsoft.com/office/drawing/2014/main" id="{83F7FE21-158B-4110-2C89-25D6AFC555E5}"/>
+              </a:ext>
+            </a:extLst>
+          </p:cNvPr>
+          <p:cNvSpPr>
+            <a:spLocks noGrp="1"/>
+          </p:cNvSpPr>
+          <p:nvPr>
+            <p:ph type="dt" sz="half" idx="10"/>
+          </p:nvPr>
+        </p:nvSpPr>
+        <p:spPr>
+          <a:xfrm>
+            <a:off x="11201401" y="219354"/>
+            <a:ext cx="990599" cy="304799"/>
+          </a:xfrm>
+        </p:spPr>
+        <p:txBody>
+          <a:bodyPr/>
+          <a:lstStyle/>
+          <a:p>
+            <a:r>
+              <a:rPr lang="en-US" dirty="0"/>
+              <a:t>5/24/2023</a:t>
             </a:r>
           </a:p>
         </p:txBody>
@@ -6212,6 +6637,116 @@
 </file>
 
 <file path=ppt/slides/slide2.xml><?xml version="1.0" encoding="utf-8"?>
+<p:sld xmlns:a="http://schemas.openxmlformats.org/drawingml/2006/main" xmlns:r="http://schemas.openxmlformats.org/officeDocument/2006/relationships" xmlns:p="http://schemas.openxmlformats.org/presentationml/2006/main">
+  <p:cSld>
+    <p:spTree>
+      <p:nvGrpSpPr>
+        <p:cNvPr id="1" name=""/>
+        <p:cNvGrpSpPr/>
+        <p:nvPr/>
+      </p:nvGrpSpPr>
+      <p:grpSpPr>
+        <a:xfrm>
+          <a:off x="0" y="0"/>
+          <a:ext cx="0" cy="0"/>
+          <a:chOff x="0" y="0"/>
+          <a:chExt cx="0" cy="0"/>
+        </a:xfrm>
+      </p:grpSpPr>
+      <p:sp>
+        <p:nvSpPr>
+          <p:cNvPr id="2" name="Title 1">
+            <a:extLst>
+              <a:ext uri="{FF2B5EF4-FFF2-40B4-BE49-F238E27FC236}">
+                <a16:creationId xmlns:a16="http://schemas.microsoft.com/office/drawing/2014/main" id="{00D5DE85-786B-49CC-FF5F-D1F94F872FE2}"/>
+              </a:ext>
+            </a:extLst>
+          </p:cNvPr>
+          <p:cNvSpPr>
+            <a:spLocks noGrp="1"/>
+          </p:cNvSpPr>
+          <p:nvPr>
+            <p:ph type="title"/>
+          </p:nvPr>
+        </p:nvSpPr>
+        <p:spPr/>
+        <p:txBody>
+          <a:bodyPr/>
+          <a:lstStyle/>
+          <a:p>
+            <a:pPr algn="ctr"/>
+            <a:r>
+              <a:rPr lang="en-US" dirty="0"/>
+              <a:t>WIREMOCK WEBSITE</a:t>
+            </a:r>
+            <a:br>
+              <a:rPr lang="en-US" dirty="0"/>
+            </a:br>
+            <a:r>
+              <a:rPr lang="en-US" sz="2400" dirty="0"/>
+              <a:t>https://wiremock.org/</a:t>
+            </a:r>
+            <a:endParaRPr lang="en-IN" sz="2400" dirty="0"/>
+          </a:p>
+        </p:txBody>
+      </p:sp>
+      <p:pic>
+        <p:nvPicPr>
+          <p:cNvPr id="5" name="Picture 4">
+            <a:extLst>
+              <a:ext uri="{FF2B5EF4-FFF2-40B4-BE49-F238E27FC236}">
+                <a16:creationId xmlns:a16="http://schemas.microsoft.com/office/drawing/2014/main" id="{AC9CB49E-068D-B14C-C22B-E3D12E1363BF}"/>
+              </a:ext>
+            </a:extLst>
+          </p:cNvPr>
+          <p:cNvPicPr>
+            <a:picLocks noChangeAspect="1"/>
+          </p:cNvPicPr>
+          <p:nvPr/>
+        </p:nvPicPr>
+        <p:blipFill>
+          <a:blip r:embed="rId2">
+            <a:extLst>
+              <a:ext uri="{28A0092B-C50C-407E-A947-70E740481C1C}">
+                <a14:useLocalDpi xmlns:a14="http://schemas.microsoft.com/office/drawing/2010/main" val="0"/>
+              </a:ext>
+            </a:extLst>
+          </a:blip>
+          <a:stretch>
+            <a:fillRect/>
+          </a:stretch>
+        </p:blipFill>
+        <p:spPr>
+          <a:xfrm>
+            <a:off x="523782" y="1649416"/>
+            <a:ext cx="11144435" cy="4755866"/>
+          </a:xfrm>
+          <a:prstGeom prst="rect">
+            <a:avLst/>
+          </a:prstGeom>
+          <a:effectLst>
+            <a:innerShdw blurRad="63500" dist="50800" dir="8100000">
+              <a:prstClr val="black">
+                <a:alpha val="50000"/>
+              </a:prstClr>
+            </a:innerShdw>
+          </a:effectLst>
+        </p:spPr>
+      </p:pic>
+    </p:spTree>
+    <p:extLst>
+      <p:ext uri="{BB962C8B-B14F-4D97-AF65-F5344CB8AC3E}">
+        <p14:creationId xmlns:p14="http://schemas.microsoft.com/office/powerpoint/2010/main" val="1130242970"/>
+      </p:ext>
+    </p:extLst>
+  </p:cSld>
+  <p:clrMapOvr>
+    <a:masterClrMapping/>
+  </p:clrMapOvr>
+</p:sld>
+</file>
+
+<file path=ppt/slides/slide3.xml><?xml version="1.0" encoding="utf-8"?>
 <p:sld xmlns:a="http://schemas.openxmlformats.org/drawingml/2006/main" xmlns:r="http://schemas.openxmlformats.org/officeDocument/2006/relationships" xmlns:p="http://schemas.openxmlformats.org/presentationml/2006/main">
   <p:cSld>
     <p:bg>
@@ -7234,8 +7769,8 @@
         </p:nvSpPr>
         <p:spPr>
           <a:xfrm>
-            <a:off x="648931" y="2548281"/>
-            <a:ext cx="5122606" cy="3658689"/>
+            <a:off x="648457" y="3580494"/>
+            <a:ext cx="5122606" cy="1597591"/>
           </a:xfrm>
         </p:spPr>
         <p:txBody>
@@ -7244,7 +7779,34 @@
           </a:bodyPr>
           <a:lstStyle/>
           <a:p>
-            <a:endParaRPr lang="en-US" dirty="0"/>
+            <a:pPr algn="just"/>
+            <a:r>
+              <a:rPr lang="en-US" sz="2800" dirty="0"/>
+              <a:t>A </a:t>
+            </a:r>
+            <a:r>
+              <a:rPr lang="en-US" sz="2800" b="1" dirty="0"/>
+              <a:t>TOOL</a:t>
+            </a:r>
+            <a:r>
+              <a:rPr lang="en-US" sz="2800" dirty="0"/>
+              <a:t> that can be used</a:t>
+            </a:r>
+            <a:br>
+              <a:rPr lang="en-US" sz="2800" dirty="0"/>
+            </a:br>
+            <a:r>
+              <a:rPr lang="en-US" sz="2800" dirty="0"/>
+              <a:t>for performing </a:t>
+            </a:r>
+            <a:r>
+              <a:rPr lang="en-US" sz="2800" b="1" dirty="0"/>
+              <a:t>Integration Testing</a:t>
+            </a:r>
+            <a:r>
+              <a:rPr lang="en-US" sz="2800" dirty="0"/>
+              <a:t> for Applications.</a:t>
+            </a:r>
           </a:p>
         </p:txBody>
       </p:sp>
@@ -7304,6 +7866,313 @@
   </p:cSld>
   <p:clrMapOvr>
     <a:overrideClrMapping bg1="lt1" tx1="dk1" bg2="lt2" tx2="dk2" accent1="accent1" accent2="accent2" accent3="accent3" accent4="accent4" accent5="accent5" accent6="accent6" hlink="hlink" folHlink="folHlink"/>
+  </p:clrMapOvr>
+</p:sld>
+</file>
+
+<file path=ppt/slides/slide4.xml><?xml version="1.0" encoding="utf-8"?>
+<p:sld xmlns:a="http://schemas.openxmlformats.org/drawingml/2006/main" xmlns:r="http://schemas.openxmlformats.org/officeDocument/2006/relationships" xmlns:p="http://schemas.openxmlformats.org/presentationml/2006/main">
+  <p:cSld>
+    <p:spTree>
+      <p:nvGrpSpPr>
+        <p:cNvPr id="1" name=""/>
+        <p:cNvGrpSpPr/>
+        <p:nvPr/>
+      </p:nvGrpSpPr>
+      <p:grpSpPr>
+        <a:xfrm>
+          <a:off x="0" y="0"/>
+          <a:ext cx="0" cy="0"/>
+          <a:chOff x="0" y="0"/>
+          <a:chExt cx="0" cy="0"/>
+        </a:xfrm>
+      </p:grpSpPr>
+      <p:sp>
+        <p:nvSpPr>
+          <p:cNvPr id="2" name="Title 1">
+            <a:extLst>
+              <a:ext uri="{FF2B5EF4-FFF2-40B4-BE49-F238E27FC236}">
+                <a16:creationId xmlns:a16="http://schemas.microsoft.com/office/drawing/2014/main" id="{926B18B0-4749-C248-6830-1E5137785637}"/>
+              </a:ext>
+            </a:extLst>
+          </p:cNvPr>
+          <p:cNvSpPr>
+            <a:spLocks noGrp="1"/>
+          </p:cNvSpPr>
+          <p:nvPr>
+            <p:ph type="title"/>
+          </p:nvPr>
+        </p:nvSpPr>
+        <p:spPr/>
+        <p:txBody>
+          <a:bodyPr/>
+          <a:lstStyle/>
+          <a:p>
+            <a:pPr algn="ctr"/>
+            <a:r>
+              <a:rPr lang="en-US" dirty="0"/>
+              <a:t>INTEGRATION TESTING</a:t>
+            </a:r>
+            <a:endParaRPr lang="en-IN" dirty="0"/>
+          </a:p>
+        </p:txBody>
+      </p:sp>
+      <p:pic>
+        <p:nvPicPr>
+          <p:cNvPr id="1034" name="Picture 10" descr="Microservices Architecture - Explained in Detail | Pro Code Guide">
+            <a:extLst>
+              <a:ext uri="{FF2B5EF4-FFF2-40B4-BE49-F238E27FC236}">
+                <a16:creationId xmlns:a16="http://schemas.microsoft.com/office/drawing/2014/main" id="{D65EB01A-5513-CC13-3CB6-48952089F78A}"/>
+              </a:ext>
+            </a:extLst>
+          </p:cNvPr>
+          <p:cNvPicPr>
+            <a:picLocks noChangeAspect="1" noChangeArrowheads="1"/>
+          </p:cNvPicPr>
+          <p:nvPr/>
+        </p:nvPicPr>
+        <p:blipFill>
+          <a:blip r:embed="rId2">
+            <a:extLst>
+              <a:ext uri="{28A0092B-C50C-407E-A947-70E740481C1C}">
+                <a14:useLocalDpi xmlns:a14="http://schemas.microsoft.com/office/drawing/2010/main" val="0"/>
+              </a:ext>
+            </a:extLst>
+          </a:blip>
+          <a:srcRect/>
+          <a:stretch>
+            <a:fillRect/>
+          </a:stretch>
+        </p:blipFill>
+        <p:spPr bwMode="auto">
+          <a:xfrm>
+            <a:off x="646111" y="1853248"/>
+            <a:ext cx="6490843" cy="3441319"/>
+          </a:xfrm>
+          <a:prstGeom prst="rect">
+            <a:avLst/>
+          </a:prstGeom>
+          <a:noFill/>
+          <a:extLst>
+            <a:ext uri="{909E8E84-426E-40DD-AFC4-6F175D3DCCD1}">
+              <a14:hiddenFill xmlns:a14="http://schemas.microsoft.com/office/drawing/2010/main">
+                <a:solidFill>
+                  <a:srgbClr val="FFFFFF"/>
+                </a:solidFill>
+              </a14:hiddenFill>
+            </a:ext>
+          </a:extLst>
+        </p:spPr>
+      </p:pic>
+      <p:sp>
+        <p:nvSpPr>
+          <p:cNvPr id="12" name="TextBox 11">
+            <a:extLst>
+              <a:ext uri="{FF2B5EF4-FFF2-40B4-BE49-F238E27FC236}">
+                <a16:creationId xmlns:a16="http://schemas.microsoft.com/office/drawing/2014/main" id="{B74479EF-BADB-1205-83CC-D949B0DEFA0E}"/>
+              </a:ext>
+            </a:extLst>
+          </p:cNvPr>
+          <p:cNvSpPr txBox="1"/>
+          <p:nvPr/>
+        </p:nvSpPr>
+        <p:spPr>
+          <a:xfrm>
+            <a:off x="2124876" y="5294567"/>
+            <a:ext cx="3533312" cy="369332"/>
+          </a:xfrm>
+          <a:prstGeom prst="rect">
+            <a:avLst/>
+          </a:prstGeom>
+          <a:noFill/>
+        </p:spPr>
+        <p:txBody>
+          <a:bodyPr wrap="square" rtlCol="0">
+            <a:spAutoFit/>
+          </a:bodyPr>
+          <a:lstStyle/>
+          <a:p>
+            <a:pPr algn="ctr"/>
+            <a:r>
+              <a:rPr lang="en-US" dirty="0"/>
+              <a:t>Microservice Layers</a:t>
+            </a:r>
+            <a:endParaRPr lang="en-IN" dirty="0"/>
+          </a:p>
+        </p:txBody>
+      </p:sp>
+      <p:sp>
+        <p:nvSpPr>
+          <p:cNvPr id="13" name="TextBox 12">
+            <a:extLst>
+              <a:ext uri="{FF2B5EF4-FFF2-40B4-BE49-F238E27FC236}">
+                <a16:creationId xmlns:a16="http://schemas.microsoft.com/office/drawing/2014/main" id="{9E38DF63-2744-6F10-106E-7DEB40B0F3F0}"/>
+              </a:ext>
+            </a:extLst>
+          </p:cNvPr>
+          <p:cNvSpPr txBox="1"/>
+          <p:nvPr/>
+        </p:nvSpPr>
+        <p:spPr>
+          <a:xfrm>
+            <a:off x="7890685" y="3158409"/>
+            <a:ext cx="4320298" cy="830997"/>
+          </a:xfrm>
+          <a:prstGeom prst="rect">
+            <a:avLst/>
+          </a:prstGeom>
+          <a:noFill/>
+        </p:spPr>
+        <p:txBody>
+          <a:bodyPr wrap="square" rtlCol="0">
+            <a:spAutoFit/>
+          </a:bodyPr>
+          <a:lstStyle/>
+          <a:p>
+            <a:r>
+              <a:rPr lang="en-US" sz="2400" dirty="0"/>
+              <a:t>Large Application consists dozens of Microservices</a:t>
+            </a:r>
+            <a:endParaRPr lang="en-IN" sz="2400" dirty="0"/>
+          </a:p>
+        </p:txBody>
+      </p:sp>
+    </p:spTree>
+    <p:extLst>
+      <p:ext uri="{BB962C8B-B14F-4D97-AF65-F5344CB8AC3E}">
+        <p14:creationId xmlns:p14="http://schemas.microsoft.com/office/powerpoint/2010/main" val="356510763"/>
+      </p:ext>
+    </p:extLst>
+  </p:cSld>
+  <p:clrMapOvr>
+    <a:masterClrMapping/>
+  </p:clrMapOvr>
+</p:sld>
+</file>
+
+<file path=ppt/slides/slide5.xml><?xml version="1.0" encoding="utf-8"?>
+<p:sld xmlns:a="http://schemas.openxmlformats.org/drawingml/2006/main" xmlns:r="http://schemas.openxmlformats.org/officeDocument/2006/relationships" xmlns:p="http://schemas.openxmlformats.org/presentationml/2006/main">
+  <p:cSld>
+    <p:spTree>
+      <p:nvGrpSpPr>
+        <p:cNvPr id="1" name=""/>
+        <p:cNvGrpSpPr/>
+        <p:nvPr/>
+      </p:nvGrpSpPr>
+      <p:grpSpPr>
+        <a:xfrm>
+          <a:off x="0" y="0"/>
+          <a:ext cx="0" cy="0"/>
+          <a:chOff x="0" y="0"/>
+          <a:chExt cx="0" cy="0"/>
+        </a:xfrm>
+      </p:grpSpPr>
+      <p:sp>
+        <p:nvSpPr>
+          <p:cNvPr id="2" name="Title 1">
+            <a:extLst>
+              <a:ext uri="{FF2B5EF4-FFF2-40B4-BE49-F238E27FC236}">
+                <a16:creationId xmlns:a16="http://schemas.microsoft.com/office/drawing/2014/main" id="{79D75796-C0D4-846E-D3C7-F7C92A47DF9D}"/>
+              </a:ext>
+            </a:extLst>
+          </p:cNvPr>
+          <p:cNvSpPr>
+            <a:spLocks noGrp="1"/>
+          </p:cNvSpPr>
+          <p:nvPr>
+            <p:ph type="title"/>
+          </p:nvPr>
+        </p:nvSpPr>
+        <p:spPr/>
+        <p:txBody>
+          <a:bodyPr/>
+          <a:lstStyle/>
+          <a:p>
+            <a:endParaRPr lang="en-IN"/>
+          </a:p>
+        </p:txBody>
+      </p:sp>
+      <p:sp>
+        <p:nvSpPr>
+          <p:cNvPr id="3" name="Content Placeholder 2">
+            <a:extLst>
+              <a:ext uri="{FF2B5EF4-FFF2-40B4-BE49-F238E27FC236}">
+                <a16:creationId xmlns:a16="http://schemas.microsoft.com/office/drawing/2014/main" id="{1352DA77-916C-A4C1-1A96-BAEB2D68F3FE}"/>
+              </a:ext>
+            </a:extLst>
+          </p:cNvPr>
+          <p:cNvSpPr>
+            <a:spLocks noGrp="1"/>
+          </p:cNvSpPr>
+          <p:nvPr>
+            <p:ph idx="1"/>
+          </p:nvPr>
+        </p:nvSpPr>
+        <p:spPr/>
+        <p:txBody>
+          <a:bodyPr/>
+          <a:lstStyle/>
+          <a:p>
+            <a:endParaRPr lang="en-IN"/>
+          </a:p>
+        </p:txBody>
+      </p:sp>
+      <p:pic>
+        <p:nvPicPr>
+          <p:cNvPr id="4" name="Picture 2" descr="Integration testing | Spring Batch Essentials">
+            <a:extLst>
+              <a:ext uri="{FF2B5EF4-FFF2-40B4-BE49-F238E27FC236}">
+                <a16:creationId xmlns:a16="http://schemas.microsoft.com/office/drawing/2014/main" id="{10566F17-4F8F-3C45-08A8-C05ED51AC347}"/>
+              </a:ext>
+            </a:extLst>
+          </p:cNvPr>
+          <p:cNvPicPr>
+            <a:picLocks noChangeAspect="1" noChangeArrowheads="1"/>
+          </p:cNvPicPr>
+          <p:nvPr/>
+        </p:nvPicPr>
+        <p:blipFill>
+          <a:blip r:embed="rId2">
+            <a:extLst>
+              <a:ext uri="{28A0092B-C50C-407E-A947-70E740481C1C}">
+                <a14:useLocalDpi xmlns:a14="http://schemas.microsoft.com/office/drawing/2010/main" val="0"/>
+              </a:ext>
+            </a:extLst>
+          </a:blip>
+          <a:srcRect/>
+          <a:stretch>
+            <a:fillRect/>
+          </a:stretch>
+        </p:blipFill>
+        <p:spPr bwMode="auto">
+          <a:xfrm>
+            <a:off x="5348472" y="1332040"/>
+            <a:ext cx="5715000" cy="3448050"/>
+          </a:xfrm>
+          <a:prstGeom prst="rect">
+            <a:avLst/>
+          </a:prstGeom>
+          <a:noFill/>
+          <a:extLst>
+            <a:ext uri="{909E8E84-426E-40DD-AFC4-6F175D3DCCD1}">
+              <a14:hiddenFill xmlns:a14="http://schemas.microsoft.com/office/drawing/2010/main">
+                <a:solidFill>
+                  <a:srgbClr val="FFFFFF"/>
+                </a:solidFill>
+              </a14:hiddenFill>
+            </a:ext>
+          </a:extLst>
+        </p:spPr>
+      </p:pic>
+    </p:spTree>
+    <p:extLst>
+      <p:ext uri="{BB962C8B-B14F-4D97-AF65-F5344CB8AC3E}">
+        <p14:creationId xmlns:p14="http://schemas.microsoft.com/office/powerpoint/2010/main" val="2572534027"/>
+      </p:ext>
+    </p:extLst>
+  </p:cSld>
+  <p:clrMapOvr>
+    <a:masterClrMapping/>
   </p:clrMapOvr>
 </p:sld>
 </file>
@@ -7572,4 +8441,299 @@
     </a:ext>
   </a:extLst>
 </a:theme>
+</file>
+
+<file path=ppt/theme/theme2.xml><?xml version="1.0" encoding="utf-8"?>
+<a:theme xmlns:a="http://schemas.openxmlformats.org/drawingml/2006/main" name="Office Theme">
+  <a:themeElements>
+    <a:clrScheme name="Office">
+      <a:dk1>
+        <a:sysClr val="windowText" lastClr="000000"/>
+      </a:dk1>
+      <a:lt1>
+        <a:sysClr val="window" lastClr="FFFFFF"/>
+      </a:lt1>
+      <a:dk2>
+        <a:srgbClr val="44546A"/>
+      </a:dk2>
+      <a:lt2>
+        <a:srgbClr val="E7E6E6"/>
+      </a:lt2>
+      <a:accent1>
+        <a:srgbClr val="4472C4"/>
+      </a:accent1>
+      <a:accent2>
+        <a:srgbClr val="ED7D31"/>
+      </a:accent2>
+      <a:accent3>
+        <a:srgbClr val="A5A5A5"/>
+      </a:accent3>
+      <a:accent4>
+        <a:srgbClr val="FFC000"/>
+      </a:accent4>
+      <a:accent5>
+        <a:srgbClr val="5B9BD5"/>
+      </a:accent5>
+      <a:accent6>
+        <a:srgbClr val="70AD47"/>
+      </a:accent6>
+      <a:hlink>
+        <a:srgbClr val="0563C1"/>
+      </a:hlink>
+      <a:folHlink>
+        <a:srgbClr val="954F72"/>
+      </a:folHlink>
+    </a:clrScheme>
+    <a:fontScheme name="Office">
+      <a:majorFont>
+        <a:latin typeface="Calibri Light" panose="020F0302020204030204"/>
+        <a:ea typeface=""/>
+        <a:cs typeface=""/>
+        <a:font script="Jpan" typeface="游ゴシック Light"/>
+        <a:font script="Hang" typeface="맑은 고딕"/>
+        <a:font script="Hans" typeface="等线 Light"/>
+        <a:font script="Hant" typeface="新細明體"/>
+        <a:font script="Arab" typeface="Times New Roman"/>
+        <a:font script="Hebr" typeface="Times New Roman"/>
+        <a:font script="Thai" typeface="Angsana New"/>
+        <a:font script="Ethi" typeface="Nyala"/>
+        <a:font script="Beng" typeface="Vrinda"/>
+        <a:font script="Gujr" typeface="Shruti"/>
+        <a:font script="Khmr" typeface="MoolBoran"/>
+        <a:font script="Knda" typeface="Tunga"/>
+        <a:font script="Guru" typeface="Raavi"/>
+        <a:font script="Cans" typeface="Euphemia"/>
+        <a:font script="Cher" typeface="Plantagenet Cherokee"/>
+        <a:font script="Yiii" typeface="Microsoft Yi Baiti"/>
+        <a:font script="Tibt" typeface="Microsoft Himalaya"/>
+        <a:font script="Thaa" typeface="MV Boli"/>
+        <a:font script="Deva" typeface="Mangal"/>
+        <a:font script="Telu" typeface="Gautami"/>
+        <a:font script="Taml" typeface="Latha"/>
+        <a:font script="Syrc" typeface="Estrangelo Edessa"/>
+        <a:font script="Orya" typeface="Kalinga"/>
+        <a:font script="Mlym" typeface="Kartika"/>
+        <a:font script="Laoo" typeface="DokChampa"/>
+        <a:font script="Sinh" typeface="Iskoola Pota"/>
+        <a:font script="Mong" typeface="Mongolian Baiti"/>
+        <a:font script="Viet" typeface="Times New Roman"/>
+        <a:font script="Uigh" typeface="Microsoft Uighur"/>
+        <a:font script="Geor" typeface="Sylfaen"/>
+        <a:font script="Armn" typeface="Arial"/>
+        <a:font script="Bugi" typeface="Leelawadee UI"/>
+        <a:font script="Bopo" typeface="Microsoft JhengHei"/>
+        <a:font script="Java" typeface="Javanese Text"/>
+        <a:font script="Lisu" typeface="Segoe UI"/>
+        <a:font script="Mymr" typeface="Myanmar Text"/>
+        <a:font script="Nkoo" typeface="Ebrima"/>
+        <a:font script="Olck" typeface="Nirmala UI"/>
+        <a:font script="Osma" typeface="Ebrima"/>
+        <a:font script="Phag" typeface="Phagspa"/>
+        <a:font script="Syrn" typeface="Estrangelo Edessa"/>
+        <a:font script="Syrj" typeface="Estrangelo Edessa"/>
+        <a:font script="Syre" typeface="Estrangelo Edessa"/>
+        <a:font script="Sora" typeface="Nirmala UI"/>
+        <a:font script="Tale" typeface="Microsoft Tai Le"/>
+        <a:font script="Talu" typeface="Microsoft New Tai Lue"/>
+        <a:font script="Tfng" typeface="Ebrima"/>
+      </a:majorFont>
+      <a:minorFont>
+        <a:latin typeface="Calibri" panose="020F0502020204030204"/>
+        <a:ea typeface=""/>
+        <a:cs typeface=""/>
+        <a:font script="Jpan" typeface="游ゴシック"/>
+        <a:font script="Hang" typeface="맑은 고딕"/>
+        <a:font script="Hans" typeface="等线"/>
+        <a:font script="Hant" typeface="新細明體"/>
+        <a:font script="Arab" typeface="Arial"/>
+        <a:font script="Hebr" typeface="Arial"/>
+        <a:font script="Thai" typeface="Cordia New"/>
+        <a:font script="Ethi" typeface="Nyala"/>
+        <a:font script="Beng" typeface="Vrinda"/>
+        <a:font script="Gujr" typeface="Shruti"/>
+        <a:font script="Khmr" typeface="DaunPenh"/>
+        <a:font script="Knda" typeface="Tunga"/>
+        <a:font script="Guru" typeface="Raavi"/>
+        <a:font script="Cans" typeface="Euphemia"/>
+        <a:font script="Cher" typeface="Plantagenet Cherokee"/>
+        <a:font script="Yiii" typeface="Microsoft Yi Baiti"/>
+        <a:font script="Tibt" typeface="Microsoft Himalaya"/>
+        <a:font script="Thaa" typeface="MV Boli"/>
+        <a:font script="Deva" typeface="Mangal"/>
+        <a:font script="Telu" typeface="Gautami"/>
+        <a:font script="Taml" typeface="Latha"/>
+        <a:font script="Syrc" typeface="Estrangelo Edessa"/>
+        <a:font script="Orya" typeface="Kalinga"/>
+        <a:font script="Mlym" typeface="Kartika"/>
+        <a:font script="Laoo" typeface="DokChampa"/>
+        <a:font script="Sinh" typeface="Iskoola Pota"/>
+        <a:font script="Mong" typeface="Mongolian Baiti"/>
+        <a:font script="Viet" typeface="Arial"/>
+        <a:font script="Uigh" typeface="Microsoft Uighur"/>
+        <a:font script="Geor" typeface="Sylfaen"/>
+        <a:font script="Armn" typeface="Arial"/>
+        <a:font script="Bugi" typeface="Leelawadee UI"/>
+        <a:font script="Bopo" typeface="Microsoft JhengHei"/>
+        <a:font script="Java" typeface="Javanese Text"/>
+        <a:font script="Lisu" typeface="Segoe UI"/>
+        <a:font script="Mymr" typeface="Myanmar Text"/>
+        <a:font script="Nkoo" typeface="Ebrima"/>
+        <a:font script="Olck" typeface="Nirmala UI"/>
+        <a:font script="Osma" typeface="Ebrima"/>
+        <a:font script="Phag" typeface="Phagspa"/>
+        <a:font script="Syrn" typeface="Estrangelo Edessa"/>
+        <a:font script="Syrj" typeface="Estrangelo Edessa"/>
+        <a:font script="Syre" typeface="Estrangelo Edessa"/>
+        <a:font script="Sora" typeface="Nirmala UI"/>
+        <a:font script="Tale" typeface="Microsoft Tai Le"/>
+        <a:font script="Talu" typeface="Microsoft New Tai Lue"/>
+        <a:font script="Tfng" typeface="Ebrima"/>
+      </a:minorFont>
+    </a:fontScheme>
+    <a:fmtScheme name="Office">
+      <a:fillStyleLst>
+        <a:solidFill>
+          <a:schemeClr val="phClr"/>
+        </a:solidFill>
+        <a:gradFill rotWithShape="1">
+          <a:gsLst>
+            <a:gs pos="0">
+              <a:schemeClr val="phClr">
+                <a:lumMod val="110000"/>
+                <a:satMod val="105000"/>
+                <a:tint val="67000"/>
+              </a:schemeClr>
+            </a:gs>
+            <a:gs pos="50000">
+              <a:schemeClr val="phClr">
+                <a:lumMod val="105000"/>
+                <a:satMod val="103000"/>
+                <a:tint val="73000"/>
+              </a:schemeClr>
+            </a:gs>
+            <a:gs pos="100000">
+              <a:schemeClr val="phClr">
+                <a:lumMod val="105000"/>
+                <a:satMod val="109000"/>
+                <a:tint val="81000"/>
+              </a:schemeClr>
+            </a:gs>
+          </a:gsLst>
+          <a:lin ang="5400000" scaled="0"/>
+        </a:gradFill>
+        <a:gradFill rotWithShape="1">
+          <a:gsLst>
+            <a:gs pos="0">
+              <a:schemeClr val="phClr">
+                <a:satMod val="103000"/>
+                <a:lumMod val="102000"/>
+                <a:tint val="94000"/>
+              </a:schemeClr>
+            </a:gs>
+            <a:gs pos="50000">
+              <a:schemeClr val="phClr">
+                <a:satMod val="110000"/>
+                <a:lumMod val="100000"/>
+                <a:shade val="100000"/>
+              </a:schemeClr>
+            </a:gs>
+            <a:gs pos="100000">
+              <a:schemeClr val="phClr">
+                <a:lumMod val="99000"/>
+                <a:satMod val="120000"/>
+                <a:shade val="78000"/>
+              </a:schemeClr>
+            </a:gs>
+          </a:gsLst>
+          <a:lin ang="5400000" scaled="0"/>
+        </a:gradFill>
+      </a:fillStyleLst>
+      <a:lnStyleLst>
+        <a:ln w="6350" cap="flat" cmpd="sng" algn="ctr">
+          <a:solidFill>
+            <a:schemeClr val="phClr"/>
+          </a:solidFill>
+          <a:prstDash val="solid"/>
+          <a:miter lim="800000"/>
+        </a:ln>
+        <a:ln w="12700" cap="flat" cmpd="sng" algn="ctr">
+          <a:solidFill>
+            <a:schemeClr val="phClr"/>
+          </a:solidFill>
+          <a:prstDash val="solid"/>
+          <a:miter lim="800000"/>
+        </a:ln>
+        <a:ln w="19050" cap="flat" cmpd="sng" algn="ctr">
+          <a:solidFill>
+            <a:schemeClr val="phClr"/>
+          </a:solidFill>
+          <a:prstDash val="solid"/>
+          <a:miter lim="800000"/>
+        </a:ln>
+      </a:lnStyleLst>
+      <a:effectStyleLst>
+        <a:effectStyle>
+          <a:effectLst/>
+        </a:effectStyle>
+        <a:effectStyle>
+          <a:effectLst/>
+        </a:effectStyle>
+        <a:effectStyle>
+          <a:effectLst>
+            <a:outerShdw blurRad="57150" dist="19050" dir="5400000" algn="ctr" rotWithShape="0">
+              <a:srgbClr val="000000">
+                <a:alpha val="63000"/>
+              </a:srgbClr>
+            </a:outerShdw>
+          </a:effectLst>
+        </a:effectStyle>
+      </a:effectStyleLst>
+      <a:bgFillStyleLst>
+        <a:solidFill>
+          <a:schemeClr val="phClr"/>
+        </a:solidFill>
+        <a:solidFill>
+          <a:schemeClr val="phClr">
+            <a:tint val="95000"/>
+            <a:satMod val="170000"/>
+          </a:schemeClr>
+        </a:solidFill>
+        <a:gradFill rotWithShape="1">
+          <a:gsLst>
+            <a:gs pos="0">
+              <a:schemeClr val="phClr">
+                <a:tint val="93000"/>
+                <a:satMod val="150000"/>
+                <a:shade val="98000"/>
+                <a:lumMod val="102000"/>
+              </a:schemeClr>
+            </a:gs>
+            <a:gs pos="50000">
+              <a:schemeClr val="phClr">
+                <a:tint val="98000"/>
+                <a:satMod val="130000"/>
+                <a:shade val="90000"/>
+                <a:lumMod val="103000"/>
+              </a:schemeClr>
+            </a:gs>
+            <a:gs pos="100000">
+              <a:schemeClr val="phClr">
+                <a:shade val="63000"/>
+                <a:satMod val="120000"/>
+              </a:schemeClr>
+            </a:gs>
+          </a:gsLst>
+          <a:lin ang="5400000" scaled="0"/>
+        </a:gradFill>
+      </a:bgFillStyleLst>
+    </a:fmtScheme>
+  </a:themeElements>
+  <a:objectDefaults/>
+  <a:extraClrSchemeLst/>
+  <a:extLst>
+    <a:ext uri="{05A4C25C-085E-4340-85A3-A5531E510DB2}">
+      <thm15:themeFamily xmlns:thm15="http://schemas.microsoft.com/office/thememl/2012/main" name="Office Theme" id="{62F939B6-93AF-4DB8-9C6B-D6C7DFDC589F}" vid="{4A3C46E8-61CC-4603-A589-7422A47A8E4A}"/>
+    </a:ext>
+  </a:extLst>
+</a:theme>
 </file>
--- a/WireMock_DFSSubhajitSaha.pptx
+++ b/WireMock_DFSSubhajitSaha.pptx
@@ -5,7 +5,7 @@
     <p:sldMasterId id="2147483672" r:id="rId1"/>
   </p:sldMasterIdLst>
   <p:notesMasterIdLst>
-    <p:notesMasterId r:id="rId21"/>
+    <p:notesMasterId r:id="rId25"/>
   </p:notesMasterIdLst>
   <p:sldIdLst>
     <p:sldId id="256" r:id="rId2"/>
@@ -27,6 +27,10 @@
     <p:sldId id="272" r:id="rId18"/>
     <p:sldId id="273" r:id="rId19"/>
     <p:sldId id="274" r:id="rId20"/>
+    <p:sldId id="275" r:id="rId21"/>
+    <p:sldId id="276" r:id="rId22"/>
+    <p:sldId id="277" r:id="rId23"/>
+    <p:sldId id="278" r:id="rId24"/>
   </p:sldIdLst>
   <p:sldSz cx="12192000" cy="6858000"/>
   <p:notesSz cx="6858000" cy="9144000"/>
@@ -131,6 +135,351 @@
     </p:ext>
   </p:extLst>
 </p:presentation>
+</file>
+
+<file path=ppt/revisionInfo.xml><?xml version="1.0" encoding="utf-8"?>
+<p1510:revInfo xmlns:a="http://schemas.openxmlformats.org/drawingml/2006/main" xmlns:r="http://schemas.openxmlformats.org/officeDocument/2006/relationships" xmlns:p1510="http://schemas.microsoft.com/office/powerpoint/2015/10/main">
+  <p1510:revLst>
+    <p1510:client id="{BE74C066-18A4-4F5C-AEEC-1A6BF3EE4CC0}" v="21" dt="2023-05-25T10:29:26.385"/>
+  </p1510:revLst>
+</p1510:revInfo>
+</file>
+
+<file path=ppt/changesInfos/changesInfo1.xml><?xml version="1.0" encoding="utf-8"?>
+<pc:chgInfo xmlns:a="http://schemas.openxmlformats.org/drawingml/2006/main" xmlns:r="http://schemas.openxmlformats.org/officeDocument/2006/relationships" xmlns:ac="http://schemas.microsoft.com/office/drawing/2013/main/command" xmlns:pc="http://schemas.microsoft.com/office/powerpoint/2013/main/command">
+  <pc:docChgLst>
+    <pc:chgData name="Saha, Subhajit" userId="58443eb0-1513-479b-84a5-ee725aec16d7" providerId="ADAL" clId="{BE74C066-18A4-4F5C-AEEC-1A6BF3EE4CC0}"/>
+    <pc:docChg chg="undo redo custSel addSld modSld">
+      <pc:chgData name="Saha, Subhajit" userId="58443eb0-1513-479b-84a5-ee725aec16d7" providerId="ADAL" clId="{BE74C066-18A4-4F5C-AEEC-1A6BF3EE4CC0}" dt="2023-05-25T10:39:15.972" v="451" actId="20577"/>
+      <pc:docMkLst>
+        <pc:docMk/>
+      </pc:docMkLst>
+      <pc:sldChg chg="modSp mod">
+        <pc:chgData name="Saha, Subhajit" userId="58443eb0-1513-479b-84a5-ee725aec16d7" providerId="ADAL" clId="{BE74C066-18A4-4F5C-AEEC-1A6BF3EE4CC0}" dt="2023-05-25T10:39:15.972" v="451" actId="20577"/>
+        <pc:sldMkLst>
+          <pc:docMk/>
+          <pc:sldMk cId="3021780891" sldId="256"/>
+        </pc:sldMkLst>
+        <pc:spChg chg="mod">
+          <ac:chgData name="Saha, Subhajit" userId="58443eb0-1513-479b-84a5-ee725aec16d7" providerId="ADAL" clId="{BE74C066-18A4-4F5C-AEEC-1A6BF3EE4CC0}" dt="2023-05-25T10:39:15.972" v="451" actId="20577"/>
+          <ac:spMkLst>
+            <pc:docMk/>
+            <pc:sldMk cId="3021780891" sldId="256"/>
+            <ac:spMk id="3" creationId="{83F7FE21-158B-4110-2C89-25D6AFC555E5}"/>
+          </ac:spMkLst>
+        </pc:spChg>
+      </pc:sldChg>
+      <pc:sldChg chg="addSp delSp modSp new mod setBg setClrOvrMap">
+        <pc:chgData name="Saha, Subhajit" userId="58443eb0-1513-479b-84a5-ee725aec16d7" providerId="ADAL" clId="{BE74C066-18A4-4F5C-AEEC-1A6BF3EE4CC0}" dt="2023-05-25T10:30:00.086" v="449"/>
+        <pc:sldMkLst>
+          <pc:docMk/>
+          <pc:sldMk cId="2919269757" sldId="275"/>
+        </pc:sldMkLst>
+        <pc:spChg chg="mod">
+          <ac:chgData name="Saha, Subhajit" userId="58443eb0-1513-479b-84a5-ee725aec16d7" providerId="ADAL" clId="{BE74C066-18A4-4F5C-AEEC-1A6BF3EE4CC0}" dt="2023-05-25T10:18:59.526" v="49" actId="26606"/>
+          <ac:spMkLst>
+            <pc:docMk/>
+            <pc:sldMk cId="2919269757" sldId="275"/>
+            <ac:spMk id="2" creationId="{AD23F325-97DC-3467-1A02-676F3EA0A632}"/>
+          </ac:spMkLst>
+        </pc:spChg>
+        <pc:spChg chg="mod ord">
+          <ac:chgData name="Saha, Subhajit" userId="58443eb0-1513-479b-84a5-ee725aec16d7" providerId="ADAL" clId="{BE74C066-18A4-4F5C-AEEC-1A6BF3EE4CC0}" dt="2023-05-25T10:30:00.086" v="449"/>
+          <ac:spMkLst>
+            <pc:docMk/>
+            <pc:sldMk cId="2919269757" sldId="275"/>
+            <ac:spMk id="3" creationId="{35C9E55F-9659-BA5A-04AF-2C4535FFC51C}"/>
+          </ac:spMkLst>
+        </pc:spChg>
+        <pc:spChg chg="add del">
+          <ac:chgData name="Saha, Subhajit" userId="58443eb0-1513-479b-84a5-ee725aec16d7" providerId="ADAL" clId="{BE74C066-18A4-4F5C-AEEC-1A6BF3EE4CC0}" dt="2023-05-25T10:12:07.116" v="40"/>
+          <ac:spMkLst>
+            <pc:docMk/>
+            <pc:sldMk cId="2919269757" sldId="275"/>
+            <ac:spMk id="4" creationId="{15C2A2D2-DA28-3921-619B-966F7830EF88}"/>
+          </ac:spMkLst>
+        </pc:spChg>
+        <pc:spChg chg="add del">
+          <ac:chgData name="Saha, Subhajit" userId="58443eb0-1513-479b-84a5-ee725aec16d7" providerId="ADAL" clId="{BE74C066-18A4-4F5C-AEEC-1A6BF3EE4CC0}" dt="2023-05-25T10:12:13.570" v="42"/>
+          <ac:spMkLst>
+            <pc:docMk/>
+            <pc:sldMk cId="2919269757" sldId="275"/>
+            <ac:spMk id="5" creationId="{BCB1E31B-B921-9F03-563A-118345DF8826}"/>
+          </ac:spMkLst>
+        </pc:spChg>
+        <pc:spChg chg="add">
+          <ac:chgData name="Saha, Subhajit" userId="58443eb0-1513-479b-84a5-ee725aec16d7" providerId="ADAL" clId="{BE74C066-18A4-4F5C-AEEC-1A6BF3EE4CC0}" dt="2023-05-25T10:18:59.526" v="49" actId="26606"/>
+          <ac:spMkLst>
+            <pc:docMk/>
+            <pc:sldMk cId="2919269757" sldId="275"/>
+            <ac:spMk id="1033" creationId="{B4AAD3FD-83A5-4B89-9F8F-01B8870865BE}"/>
+          </ac:spMkLst>
+        </pc:spChg>
+        <pc:spChg chg="add">
+          <ac:chgData name="Saha, Subhajit" userId="58443eb0-1513-479b-84a5-ee725aec16d7" providerId="ADAL" clId="{BE74C066-18A4-4F5C-AEEC-1A6BF3EE4CC0}" dt="2023-05-25T10:18:59.526" v="49" actId="26606"/>
+          <ac:spMkLst>
+            <pc:docMk/>
+            <pc:sldMk cId="2919269757" sldId="275"/>
+            <ac:spMk id="1035" creationId="{61752F1D-FC0F-4103-9584-630E643CCDA6}"/>
+          </ac:spMkLst>
+        </pc:spChg>
+        <pc:spChg chg="add">
+          <ac:chgData name="Saha, Subhajit" userId="58443eb0-1513-479b-84a5-ee725aec16d7" providerId="ADAL" clId="{BE74C066-18A4-4F5C-AEEC-1A6BF3EE4CC0}" dt="2023-05-25T10:18:59.526" v="49" actId="26606"/>
+          <ac:spMkLst>
+            <pc:docMk/>
+            <pc:sldMk cId="2919269757" sldId="275"/>
+            <ac:spMk id="1037" creationId="{70151CB7-E7DE-4917-B831-01DF9CE01306}"/>
+          </ac:spMkLst>
+        </pc:spChg>
+        <pc:spChg chg="add">
+          <ac:chgData name="Saha, Subhajit" userId="58443eb0-1513-479b-84a5-ee725aec16d7" providerId="ADAL" clId="{BE74C066-18A4-4F5C-AEEC-1A6BF3EE4CC0}" dt="2023-05-25T10:18:59.526" v="49" actId="26606"/>
+          <ac:spMkLst>
+            <pc:docMk/>
+            <pc:sldMk cId="2919269757" sldId="275"/>
+            <ac:spMk id="1039" creationId="{A92A1116-1C84-41DF-B803-1F7B0883EC82}"/>
+          </ac:spMkLst>
+        </pc:spChg>
+        <pc:picChg chg="add mod">
+          <ac:chgData name="Saha, Subhajit" userId="58443eb0-1513-479b-84a5-ee725aec16d7" providerId="ADAL" clId="{BE74C066-18A4-4F5C-AEEC-1A6BF3EE4CC0}" dt="2023-05-25T10:29:17.151" v="441" actId="14100"/>
+          <ac:picMkLst>
+            <pc:docMk/>
+            <pc:sldMk cId="2919269757" sldId="275"/>
+            <ac:picMk id="1028" creationId="{9503E66E-8284-6A2F-BD7B-17AC2BB866D0}"/>
+          </ac:picMkLst>
+        </pc:picChg>
+      </pc:sldChg>
+      <pc:sldChg chg="addSp modSp new mod">
+        <pc:chgData name="Saha, Subhajit" userId="58443eb0-1513-479b-84a5-ee725aec16d7" providerId="ADAL" clId="{BE74C066-18A4-4F5C-AEEC-1A6BF3EE4CC0}" dt="2023-05-25T10:21:52.830" v="121"/>
+        <pc:sldMkLst>
+          <pc:docMk/>
+          <pc:sldMk cId="2124371814" sldId="276"/>
+        </pc:sldMkLst>
+        <pc:spChg chg="mod">
+          <ac:chgData name="Saha, Subhajit" userId="58443eb0-1513-479b-84a5-ee725aec16d7" providerId="ADAL" clId="{BE74C066-18A4-4F5C-AEEC-1A6BF3EE4CC0}" dt="2023-05-25T10:19:42.551" v="70" actId="20577"/>
+          <ac:spMkLst>
+            <pc:docMk/>
+            <pc:sldMk cId="2124371814" sldId="276"/>
+            <ac:spMk id="2" creationId="{DB53DDC8-E404-A494-29A6-E919A513B494}"/>
+          </ac:spMkLst>
+        </pc:spChg>
+        <pc:spChg chg="mod">
+          <ac:chgData name="Saha, Subhajit" userId="58443eb0-1513-479b-84a5-ee725aec16d7" providerId="ADAL" clId="{BE74C066-18A4-4F5C-AEEC-1A6BF3EE4CC0}" dt="2023-05-25T10:21:52.830" v="121"/>
+          <ac:spMkLst>
+            <pc:docMk/>
+            <pc:sldMk cId="2124371814" sldId="276"/>
+            <ac:spMk id="3" creationId="{B14ADB61-9397-6C97-F7DA-B47F2BF90654}"/>
+          </ac:spMkLst>
+        </pc:spChg>
+        <pc:picChg chg="add mod">
+          <ac:chgData name="Saha, Subhajit" userId="58443eb0-1513-479b-84a5-ee725aec16d7" providerId="ADAL" clId="{BE74C066-18A4-4F5C-AEEC-1A6BF3EE4CC0}" dt="2023-05-25T10:21:24.124" v="118" actId="1076"/>
+          <ac:picMkLst>
+            <pc:docMk/>
+            <pc:sldMk cId="2124371814" sldId="276"/>
+            <ac:picMk id="4" creationId="{28A9B7E6-FFDC-4000-9540-7A7E604B6BF5}"/>
+          </ac:picMkLst>
+        </pc:picChg>
+      </pc:sldChg>
+      <pc:sldChg chg="addSp delSp modSp new mod setBg setClrOvrMap">
+        <pc:chgData name="Saha, Subhajit" userId="58443eb0-1513-479b-84a5-ee725aec16d7" providerId="ADAL" clId="{BE74C066-18A4-4F5C-AEEC-1A6BF3EE4CC0}" dt="2023-05-25T10:26:32.335" v="345" actId="26606"/>
+        <pc:sldMkLst>
+          <pc:docMk/>
+          <pc:sldMk cId="2148289819" sldId="277"/>
+        </pc:sldMkLst>
+        <pc:spChg chg="mod">
+          <ac:chgData name="Saha, Subhajit" userId="58443eb0-1513-479b-84a5-ee725aec16d7" providerId="ADAL" clId="{BE74C066-18A4-4F5C-AEEC-1A6BF3EE4CC0}" dt="2023-05-25T10:26:32.335" v="345" actId="26606"/>
+          <ac:spMkLst>
+            <pc:docMk/>
+            <pc:sldMk cId="2148289819" sldId="277"/>
+            <ac:spMk id="2" creationId="{C805ABD0-5745-FDC3-8F96-4833708C1038}"/>
+          </ac:spMkLst>
+        </pc:spChg>
+        <pc:spChg chg="mod ord">
+          <ac:chgData name="Saha, Subhajit" userId="58443eb0-1513-479b-84a5-ee725aec16d7" providerId="ADAL" clId="{BE74C066-18A4-4F5C-AEEC-1A6BF3EE4CC0}" dt="2023-05-25T10:26:32.335" v="345" actId="26606"/>
+          <ac:spMkLst>
+            <pc:docMk/>
+            <pc:sldMk cId="2148289819" sldId="277"/>
+            <ac:spMk id="3" creationId="{5741D4AC-2140-7C84-2DD5-386C561F3D19}"/>
+          </ac:spMkLst>
+        </pc:spChg>
+        <pc:spChg chg="add del">
+          <ac:chgData name="Saha, Subhajit" userId="58443eb0-1513-479b-84a5-ee725aec16d7" providerId="ADAL" clId="{BE74C066-18A4-4F5C-AEEC-1A6BF3EE4CC0}" dt="2023-05-25T10:26:25.579" v="340" actId="26606"/>
+          <ac:spMkLst>
+            <pc:docMk/>
+            <pc:sldMk cId="2148289819" sldId="277"/>
+            <ac:spMk id="9" creationId="{EE4E366E-272A-409E-840F-9A6A64A9E3FF}"/>
+          </ac:spMkLst>
+        </pc:spChg>
+        <pc:spChg chg="add del">
+          <ac:chgData name="Saha, Subhajit" userId="58443eb0-1513-479b-84a5-ee725aec16d7" providerId="ADAL" clId="{BE74C066-18A4-4F5C-AEEC-1A6BF3EE4CC0}" dt="2023-05-25T10:26:25.579" v="340" actId="26606"/>
+          <ac:spMkLst>
+            <pc:docMk/>
+            <pc:sldMk cId="2148289819" sldId="277"/>
+            <ac:spMk id="11" creationId="{A721560C-E4AB-4287-A29C-3F6916794CB9}"/>
+          </ac:spMkLst>
+        </pc:spChg>
+        <pc:spChg chg="add del">
+          <ac:chgData name="Saha, Subhajit" userId="58443eb0-1513-479b-84a5-ee725aec16d7" providerId="ADAL" clId="{BE74C066-18A4-4F5C-AEEC-1A6BF3EE4CC0}" dt="2023-05-25T10:26:25.579" v="340" actId="26606"/>
+          <ac:spMkLst>
+            <pc:docMk/>
+            <pc:sldMk cId="2148289819" sldId="277"/>
+            <ac:spMk id="13" creationId="{DF6CFF07-D953-4F9C-9A0E-E0A6AACB6158}"/>
+          </ac:spMkLst>
+        </pc:spChg>
+        <pc:spChg chg="add del">
+          <ac:chgData name="Saha, Subhajit" userId="58443eb0-1513-479b-84a5-ee725aec16d7" providerId="ADAL" clId="{BE74C066-18A4-4F5C-AEEC-1A6BF3EE4CC0}" dt="2023-05-25T10:26:25.579" v="340" actId="26606"/>
+          <ac:spMkLst>
+            <pc:docMk/>
+            <pc:sldMk cId="2148289819" sldId="277"/>
+            <ac:spMk id="15" creationId="{DAA4FEEE-0B5F-41BF-825D-60F9FB089568}"/>
+          </ac:spMkLst>
+        </pc:spChg>
+        <pc:spChg chg="add del">
+          <ac:chgData name="Saha, Subhajit" userId="58443eb0-1513-479b-84a5-ee725aec16d7" providerId="ADAL" clId="{BE74C066-18A4-4F5C-AEEC-1A6BF3EE4CC0}" dt="2023-05-25T10:26:28.026" v="342" actId="26606"/>
+          <ac:spMkLst>
+            <pc:docMk/>
+            <pc:sldMk cId="2148289819" sldId="277"/>
+            <ac:spMk id="17" creationId="{5F3FC718-FDE3-4EF7-921E-A5F374EAF824}"/>
+          </ac:spMkLst>
+        </pc:spChg>
+        <pc:spChg chg="add del">
+          <ac:chgData name="Saha, Subhajit" userId="58443eb0-1513-479b-84a5-ee725aec16d7" providerId="ADAL" clId="{BE74C066-18A4-4F5C-AEEC-1A6BF3EE4CC0}" dt="2023-05-25T10:26:28.026" v="342" actId="26606"/>
+          <ac:spMkLst>
+            <pc:docMk/>
+            <pc:sldMk cId="2148289819" sldId="277"/>
+            <ac:spMk id="18" creationId="{FAA0F719-3DC8-4F08-AD8F-5A845658CB9D}"/>
+          </ac:spMkLst>
+        </pc:spChg>
+        <pc:spChg chg="add del">
+          <ac:chgData name="Saha, Subhajit" userId="58443eb0-1513-479b-84a5-ee725aec16d7" providerId="ADAL" clId="{BE74C066-18A4-4F5C-AEEC-1A6BF3EE4CC0}" dt="2023-05-25T10:26:28.026" v="342" actId="26606"/>
+          <ac:spMkLst>
+            <pc:docMk/>
+            <pc:sldMk cId="2148289819" sldId="277"/>
+            <ac:spMk id="19" creationId="{7DCB61BE-FA0F-4EFB-BE0E-268BAD8E30D6}"/>
+          </ac:spMkLst>
+        </pc:spChg>
+        <pc:spChg chg="add del">
+          <ac:chgData name="Saha, Subhajit" userId="58443eb0-1513-479b-84a5-ee725aec16d7" providerId="ADAL" clId="{BE74C066-18A4-4F5C-AEEC-1A6BF3EE4CC0}" dt="2023-05-25T10:26:28.026" v="342" actId="26606"/>
+          <ac:spMkLst>
+            <pc:docMk/>
+            <pc:sldMk cId="2148289819" sldId="277"/>
+            <ac:spMk id="20" creationId="{A4B31EAA-7423-46F7-9B90-4AB2B09C35C4}"/>
+          </ac:spMkLst>
+        </pc:spChg>
+        <pc:spChg chg="add del">
+          <ac:chgData name="Saha, Subhajit" userId="58443eb0-1513-479b-84a5-ee725aec16d7" providerId="ADAL" clId="{BE74C066-18A4-4F5C-AEEC-1A6BF3EE4CC0}" dt="2023-05-25T10:26:32.326" v="344" actId="26606"/>
+          <ac:spMkLst>
+            <pc:docMk/>
+            <pc:sldMk cId="2148289819" sldId="277"/>
+            <ac:spMk id="22" creationId="{A93A089E-0A16-452C-B341-0F769780D262}"/>
+          </ac:spMkLst>
+        </pc:spChg>
+        <pc:spChg chg="add">
+          <ac:chgData name="Saha, Subhajit" userId="58443eb0-1513-479b-84a5-ee725aec16d7" providerId="ADAL" clId="{BE74C066-18A4-4F5C-AEEC-1A6BF3EE4CC0}" dt="2023-05-25T10:26:32.335" v="345" actId="26606"/>
+          <ac:spMkLst>
+            <pc:docMk/>
+            <pc:sldMk cId="2148289819" sldId="277"/>
+            <ac:spMk id="24" creationId="{EE4E366E-272A-409E-840F-9A6A64A9E3FF}"/>
+          </ac:spMkLst>
+        </pc:spChg>
+        <pc:spChg chg="add">
+          <ac:chgData name="Saha, Subhajit" userId="58443eb0-1513-479b-84a5-ee725aec16d7" providerId="ADAL" clId="{BE74C066-18A4-4F5C-AEEC-1A6BF3EE4CC0}" dt="2023-05-25T10:26:32.335" v="345" actId="26606"/>
+          <ac:spMkLst>
+            <pc:docMk/>
+            <pc:sldMk cId="2148289819" sldId="277"/>
+            <ac:spMk id="25" creationId="{A721560C-E4AB-4287-A29C-3F6916794CB9}"/>
+          </ac:spMkLst>
+        </pc:spChg>
+        <pc:spChg chg="add">
+          <ac:chgData name="Saha, Subhajit" userId="58443eb0-1513-479b-84a5-ee725aec16d7" providerId="ADAL" clId="{BE74C066-18A4-4F5C-AEEC-1A6BF3EE4CC0}" dt="2023-05-25T10:26:32.335" v="345" actId="26606"/>
+          <ac:spMkLst>
+            <pc:docMk/>
+            <pc:sldMk cId="2148289819" sldId="277"/>
+            <ac:spMk id="26" creationId="{DF6CFF07-D953-4F9C-9A0E-E0A6AACB6158}"/>
+          </ac:spMkLst>
+        </pc:spChg>
+        <pc:spChg chg="add">
+          <ac:chgData name="Saha, Subhajit" userId="58443eb0-1513-479b-84a5-ee725aec16d7" providerId="ADAL" clId="{BE74C066-18A4-4F5C-AEEC-1A6BF3EE4CC0}" dt="2023-05-25T10:26:32.335" v="345" actId="26606"/>
+          <ac:spMkLst>
+            <pc:docMk/>
+            <pc:sldMk cId="2148289819" sldId="277"/>
+            <ac:spMk id="27" creationId="{DAA4FEEE-0B5F-41BF-825D-60F9FB089568}"/>
+          </ac:spMkLst>
+        </pc:spChg>
+        <pc:picChg chg="add mod">
+          <ac:chgData name="Saha, Subhajit" userId="58443eb0-1513-479b-84a5-ee725aec16d7" providerId="ADAL" clId="{BE74C066-18A4-4F5C-AEEC-1A6BF3EE4CC0}" dt="2023-05-25T10:26:32.335" v="345" actId="26606"/>
+          <ac:picMkLst>
+            <pc:docMk/>
+            <pc:sldMk cId="2148289819" sldId="277"/>
+            <ac:picMk id="4" creationId="{FEC42555-AE29-46AC-7EB3-46F86229A9D1}"/>
+          </ac:picMkLst>
+        </pc:picChg>
+      </pc:sldChg>
+      <pc:sldChg chg="addSp delSp modSp new mod setBg setClrOvrMap">
+        <pc:chgData name="Saha, Subhajit" userId="58443eb0-1513-479b-84a5-ee725aec16d7" providerId="ADAL" clId="{BE74C066-18A4-4F5C-AEEC-1A6BF3EE4CC0}" dt="2023-05-25T10:28:41.841" v="432" actId="1076"/>
+        <pc:sldMkLst>
+          <pc:docMk/>
+          <pc:sldMk cId="1134399635" sldId="278"/>
+        </pc:sldMkLst>
+        <pc:spChg chg="mod">
+          <ac:chgData name="Saha, Subhajit" userId="58443eb0-1513-479b-84a5-ee725aec16d7" providerId="ADAL" clId="{BE74C066-18A4-4F5C-AEEC-1A6BF3EE4CC0}" dt="2023-05-25T10:27:09.779" v="362" actId="1076"/>
+          <ac:spMkLst>
+            <pc:docMk/>
+            <pc:sldMk cId="1134399635" sldId="278"/>
+            <ac:spMk id="2" creationId="{A218845E-0253-9544-1D50-D29990B55754}"/>
+          </ac:spMkLst>
+        </pc:spChg>
+        <pc:spChg chg="del mod">
+          <ac:chgData name="Saha, Subhajit" userId="58443eb0-1513-479b-84a5-ee725aec16d7" providerId="ADAL" clId="{BE74C066-18A4-4F5C-AEEC-1A6BF3EE4CC0}" dt="2023-05-25T10:26:51.832" v="348" actId="478"/>
+          <ac:spMkLst>
+            <pc:docMk/>
+            <pc:sldMk cId="1134399635" sldId="278"/>
+            <ac:spMk id="3" creationId="{2B009B95-6670-AD17-62E3-CEF935A057CE}"/>
+          </ac:spMkLst>
+        </pc:spChg>
+        <pc:spChg chg="add mod">
+          <ac:chgData name="Saha, Subhajit" userId="58443eb0-1513-479b-84a5-ee725aec16d7" providerId="ADAL" clId="{BE74C066-18A4-4F5C-AEEC-1A6BF3EE4CC0}" dt="2023-05-25T10:28:41.841" v="432" actId="1076"/>
+          <ac:spMkLst>
+            <pc:docMk/>
+            <pc:sldMk cId="1134399635" sldId="278"/>
+            <ac:spMk id="4" creationId="{21358B1B-FEE4-F40E-23F9-A024589F1394}"/>
+          </ac:spMkLst>
+        </pc:spChg>
+        <pc:spChg chg="add">
+          <ac:chgData name="Saha, Subhajit" userId="58443eb0-1513-479b-84a5-ee725aec16d7" providerId="ADAL" clId="{BE74C066-18A4-4F5C-AEEC-1A6BF3EE4CC0}" dt="2023-05-25T10:26:48.451" v="347" actId="26606"/>
+          <ac:spMkLst>
+            <pc:docMk/>
+            <pc:sldMk cId="1134399635" sldId="278"/>
+            <ac:spMk id="8" creationId="{052BEFF1-896C-45B1-B02C-96A6A1BC389A}"/>
+          </ac:spMkLst>
+        </pc:spChg>
+        <pc:spChg chg="add">
+          <ac:chgData name="Saha, Subhajit" userId="58443eb0-1513-479b-84a5-ee725aec16d7" providerId="ADAL" clId="{BE74C066-18A4-4F5C-AEEC-1A6BF3EE4CC0}" dt="2023-05-25T10:26:48.451" v="347" actId="26606"/>
+          <ac:spMkLst>
+            <pc:docMk/>
+            <pc:sldMk cId="1134399635" sldId="278"/>
+            <ac:spMk id="10" creationId="{BB237A14-61B1-4C00-A670-5D8D68A8668E}"/>
+          </ac:spMkLst>
+        </pc:spChg>
+        <pc:spChg chg="add">
+          <ac:chgData name="Saha, Subhajit" userId="58443eb0-1513-479b-84a5-ee725aec16d7" providerId="ADAL" clId="{BE74C066-18A4-4F5C-AEEC-1A6BF3EE4CC0}" dt="2023-05-25T10:26:48.451" v="347" actId="26606"/>
+          <ac:spMkLst>
+            <pc:docMk/>
+            <pc:sldMk cId="1134399635" sldId="278"/>
+            <ac:spMk id="12" creationId="{8598F259-6F54-47A3-8D13-1603D786A328}"/>
+          </ac:spMkLst>
+        </pc:spChg>
+        <pc:spChg chg="add">
+          <ac:chgData name="Saha, Subhajit" userId="58443eb0-1513-479b-84a5-ee725aec16d7" providerId="ADAL" clId="{BE74C066-18A4-4F5C-AEEC-1A6BF3EE4CC0}" dt="2023-05-25T10:26:48.451" v="347" actId="26606"/>
+          <ac:spMkLst>
+            <pc:docMk/>
+            <pc:sldMk cId="1134399635" sldId="278"/>
+            <ac:spMk id="14" creationId="{0BA768A8-4FED-4ED8-9E46-6BE72188ECD2}"/>
+          </ac:spMkLst>
+        </pc:spChg>
+      </pc:sldChg>
+    </pc:docChg>
+  </pc:docChgLst>
+</pc:chgInfo>
 </file>
 
 <file path=ppt/diagrams/colors1.xml><?xml version="1.0" encoding="utf-8"?>
@@ -4681,7 +5030,7 @@
           <a:p>
             <a:fld id="{ECDD4449-031F-4E17-88B9-DAAF2A8954E4}" type="datetimeFigureOut">
               <a:rPr lang="en-IN" smtClean="0"/>
-              <a:t>24-05-2023</a:t>
+              <a:t>25-05-2023</a:t>
             </a:fld>
             <a:endParaRPr lang="en-IN"/>
           </a:p>
@@ -5135,7 +5484,7 @@
           <a:p>
             <a:fld id="{F6CCBF3A-D7FB-4B97-8FD5-6FFB20CB1E84}" type="datetimeFigureOut">
               <a:rPr lang="en-US" smtClean="0"/>
-              <a:t>5/24/2023</a:t>
+              <a:t>5/25/2023</a:t>
             </a:fld>
             <a:endParaRPr lang="en-US"/>
           </a:p>
@@ -5410,7 +5759,7 @@
           <a:p>
             <a:fld id="{F6CCBF3A-D7FB-4B97-8FD5-6FFB20CB1E84}" type="datetimeFigureOut">
               <a:rPr lang="en-US" smtClean="0"/>
-              <a:t>5/24/2023</a:t>
+              <a:t>5/25/2023</a:t>
             </a:fld>
             <a:endParaRPr lang="en-US"/>
           </a:p>
@@ -5604,7 +5953,7 @@
           <a:p>
             <a:fld id="{F6CCBF3A-D7FB-4B97-8FD5-6FFB20CB1E84}" type="datetimeFigureOut">
               <a:rPr lang="en-US" smtClean="0"/>
-              <a:t>5/24/2023</a:t>
+              <a:t>5/25/2023</a:t>
             </a:fld>
             <a:endParaRPr lang="en-US"/>
           </a:p>
@@ -5877,7 +6226,7 @@
           <a:p>
             <a:fld id="{F6CCBF3A-D7FB-4B97-8FD5-6FFB20CB1E84}" type="datetimeFigureOut">
               <a:rPr lang="en-US" smtClean="0"/>
-              <a:t>5/24/2023</a:t>
+              <a:t>5/25/2023</a:t>
             </a:fld>
             <a:endParaRPr lang="en-US"/>
           </a:p>
@@ -6218,7 +6567,7 @@
           <a:p>
             <a:fld id="{F6CCBF3A-D7FB-4B97-8FD5-6FFB20CB1E84}" type="datetimeFigureOut">
               <a:rPr lang="en-US" smtClean="0"/>
-              <a:t>5/24/2023</a:t>
+              <a:t>5/25/2023</a:t>
             </a:fld>
             <a:endParaRPr lang="en-US"/>
           </a:p>
@@ -6841,7 +7190,7 @@
           <a:p>
             <a:fld id="{F6CCBF3A-D7FB-4B97-8FD5-6FFB20CB1E84}" type="datetimeFigureOut">
               <a:rPr lang="en-US" smtClean="0"/>
-              <a:t>5/24/2023</a:t>
+              <a:t>5/25/2023</a:t>
             </a:fld>
             <a:endParaRPr lang="en-US"/>
           </a:p>
@@ -7701,7 +8050,7 @@
           <a:p>
             <a:fld id="{F6CCBF3A-D7FB-4B97-8FD5-6FFB20CB1E84}" type="datetimeFigureOut">
               <a:rPr lang="en-US" smtClean="0"/>
-              <a:t>5/24/2023</a:t>
+              <a:t>5/25/2023</a:t>
             </a:fld>
             <a:endParaRPr lang="en-US"/>
           </a:p>
@@ -7871,7 +8220,7 @@
           <a:p>
             <a:fld id="{F6CCBF3A-D7FB-4B97-8FD5-6FFB20CB1E84}" type="datetimeFigureOut">
               <a:rPr lang="en-US" smtClean="0"/>
-              <a:t>5/24/2023</a:t>
+              <a:t>5/25/2023</a:t>
             </a:fld>
             <a:endParaRPr lang="en-US"/>
           </a:p>
@@ -8051,7 +8400,7 @@
           <a:p>
             <a:fld id="{F6CCBF3A-D7FB-4B97-8FD5-6FFB20CB1E84}" type="datetimeFigureOut">
               <a:rPr lang="en-US" smtClean="0"/>
-              <a:t>5/24/2023</a:t>
+              <a:t>5/25/2023</a:t>
             </a:fld>
             <a:endParaRPr lang="en-US"/>
           </a:p>
@@ -8221,7 +8570,7 @@
           <a:p>
             <a:fld id="{F6CCBF3A-D7FB-4B97-8FD5-6FFB20CB1E84}" type="datetimeFigureOut">
               <a:rPr lang="en-US" smtClean="0"/>
-              <a:t>5/24/2023</a:t>
+              <a:t>5/25/2023</a:t>
             </a:fld>
             <a:endParaRPr lang="en-US"/>
           </a:p>
@@ -8468,7 +8817,7 @@
           <a:p>
             <a:fld id="{F6CCBF3A-D7FB-4B97-8FD5-6FFB20CB1E84}" type="datetimeFigureOut">
               <a:rPr lang="en-US" smtClean="0"/>
-              <a:t>5/24/2023</a:t>
+              <a:t>5/25/2023</a:t>
             </a:fld>
             <a:endParaRPr lang="en-US"/>
           </a:p>
@@ -8760,7 +9109,7 @@
           <a:p>
             <a:fld id="{F6CCBF3A-D7FB-4B97-8FD5-6FFB20CB1E84}" type="datetimeFigureOut">
               <a:rPr lang="en-US" smtClean="0"/>
-              <a:t>5/24/2023</a:t>
+              <a:t>5/25/2023</a:t>
             </a:fld>
             <a:endParaRPr lang="en-US"/>
           </a:p>
@@ -9204,7 +9553,7 @@
           <a:p>
             <a:fld id="{F6CCBF3A-D7FB-4B97-8FD5-6FFB20CB1E84}" type="datetimeFigureOut">
               <a:rPr lang="en-US" smtClean="0"/>
-              <a:t>5/24/2023</a:t>
+              <a:t>5/25/2023</a:t>
             </a:fld>
             <a:endParaRPr lang="en-US"/>
           </a:p>
@@ -9322,7 +9671,7 @@
           <a:p>
             <a:fld id="{F6CCBF3A-D7FB-4B97-8FD5-6FFB20CB1E84}" type="datetimeFigureOut">
               <a:rPr lang="en-US" smtClean="0"/>
-              <a:t>5/24/2023</a:t>
+              <a:t>5/25/2023</a:t>
             </a:fld>
             <a:endParaRPr lang="en-US"/>
           </a:p>
@@ -9417,7 +9766,7 @@
           <a:p>
             <a:fld id="{F6CCBF3A-D7FB-4B97-8FD5-6FFB20CB1E84}" type="datetimeFigureOut">
               <a:rPr lang="en-US" smtClean="0"/>
-              <a:t>5/24/2023</a:t>
+              <a:t>5/25/2023</a:t>
             </a:fld>
             <a:endParaRPr lang="en-US"/>
           </a:p>
@@ -9696,7 +10045,7 @@
           <a:p>
             <a:fld id="{F6CCBF3A-D7FB-4B97-8FD5-6FFB20CB1E84}" type="datetimeFigureOut">
               <a:rPr lang="en-US" smtClean="0"/>
-              <a:t>5/24/2023</a:t>
+              <a:t>5/25/2023</a:t>
             </a:fld>
             <a:endParaRPr lang="en-US"/>
           </a:p>
@@ -9971,7 +10320,7 @@
           <a:p>
             <a:fld id="{F6CCBF3A-D7FB-4B97-8FD5-6FFB20CB1E84}" type="datetimeFigureOut">
               <a:rPr lang="en-US" smtClean="0"/>
-              <a:t>5/24/2023</a:t>
+              <a:t>5/25/2023</a:t>
             </a:fld>
             <a:endParaRPr lang="en-US"/>
           </a:p>
@@ -10400,7 +10749,7 @@
           <a:p>
             <a:fld id="{F6CCBF3A-D7FB-4B97-8FD5-6FFB20CB1E84}" type="datetimeFigureOut">
               <a:rPr lang="en-US" smtClean="0"/>
-              <a:t>5/24/2023</a:t>
+              <a:t>5/25/2023</a:t>
             </a:fld>
             <a:endParaRPr lang="en-US"/>
           </a:p>
@@ -11098,7 +11447,7 @@
           <a:p>
             <a:r>
               <a:rPr lang="en-US" dirty="0"/>
-              <a:t>5/24/2023</a:t>
+              <a:t>5/25/2023</a:t>
             </a:r>
           </a:p>
         </p:txBody>
@@ -15724,6 +16073,3583 @@
   </p:cSld>
   <p:clrMapOvr>
     <a:masterClrMapping/>
+  </p:clrMapOvr>
+</p:sld>
+</file>
+
+<file path=ppt/slides/slide20.xml><?xml version="1.0" encoding="utf-8"?>
+<p:sld xmlns:a="http://schemas.openxmlformats.org/drawingml/2006/main" xmlns:r="http://schemas.openxmlformats.org/officeDocument/2006/relationships" xmlns:p="http://schemas.openxmlformats.org/presentationml/2006/main">
+  <p:cSld>
+    <p:bg>
+      <p:bgPr>
+        <a:solidFill>
+          <a:schemeClr val="bg1"/>
+        </a:solidFill>
+        <a:effectLst/>
+      </p:bgPr>
+    </p:bg>
+    <p:spTree>
+      <p:nvGrpSpPr>
+        <p:cNvPr id="1" name=""/>
+        <p:cNvGrpSpPr/>
+        <p:nvPr/>
+      </p:nvGrpSpPr>
+      <p:grpSpPr>
+        <a:xfrm>
+          <a:off x="0" y="0"/>
+          <a:ext cx="0" cy="0"/>
+          <a:chOff x="0" y="0"/>
+          <a:chExt cx="0" cy="0"/>
+        </a:xfrm>
+      </p:grpSpPr>
+      <p:sp>
+        <p:nvSpPr>
+          <p:cNvPr id="1033" name="Rectangle 1032">
+            <a:extLst>
+              <a:ext uri="{FF2B5EF4-FFF2-40B4-BE49-F238E27FC236}">
+                <a16:creationId xmlns:a16="http://schemas.microsoft.com/office/drawing/2014/main" id="{B4AAD3FD-83A5-4B89-9F8F-01B8870865BE}"/>
+              </a:ext>
+              <a:ext uri="{C183D7F6-B498-43B3-948B-1728B52AA6E4}">
+                <adec:decorative xmlns:adec="http://schemas.microsoft.com/office/drawing/2017/decorative" val="1"/>
+              </a:ext>
+            </a:extLst>
+          </p:cNvPr>
+          <p:cNvSpPr>
+            <a:spLocks noGrp="1" noRot="1" noChangeAspect="1" noMove="1" noResize="1" noEditPoints="1" noAdjustHandles="1" noChangeArrowheads="1" noChangeShapeType="1" noTextEdit="1"/>
+          </p:cNvSpPr>
+          <p:nvPr>
+            <p:extLst>
+              <p:ext uri="{386F3935-93C4-4BCD-93E2-E3B085C9AB24}">
+                <p16:designElem xmlns:p16="http://schemas.microsoft.com/office/powerpoint/2015/main" val="1"/>
+              </p:ext>
+            </p:extLst>
+          </p:nvPr>
+        </p:nvSpPr>
+        <p:spPr>
+          <a:xfrm>
+            <a:off x="0" y="0"/>
+            <a:ext cx="12192000" cy="6858000"/>
+          </a:xfrm>
+          <a:prstGeom prst="rect">
+            <a:avLst/>
+          </a:prstGeom>
+          <a:ln>
+            <a:noFill/>
+          </a:ln>
+        </p:spPr>
+        <p:style>
+          <a:lnRef idx="2">
+            <a:schemeClr val="accent1">
+              <a:shade val="50000"/>
+            </a:schemeClr>
+          </a:lnRef>
+          <a:fillRef idx="1003">
+            <a:schemeClr val="dk2"/>
+          </a:fillRef>
+          <a:effectRef idx="0">
+            <a:schemeClr val="accent1"/>
+          </a:effectRef>
+          <a:fontRef idx="minor">
+            <a:schemeClr val="lt1"/>
+          </a:fontRef>
+        </p:style>
+        <p:txBody>
+          <a:bodyPr rtlCol="0" anchor="ctr"/>
+          <a:lstStyle/>
+          <a:p>
+            <a:pPr algn="ctr"/>
+            <a:endParaRPr lang="en-US"/>
+          </a:p>
+        </p:txBody>
+      </p:sp>
+      <p:sp>
+        <p:nvSpPr>
+          <p:cNvPr id="2" name="Title 1">
+            <a:extLst>
+              <a:ext uri="{FF2B5EF4-FFF2-40B4-BE49-F238E27FC236}">
+                <a16:creationId xmlns:a16="http://schemas.microsoft.com/office/drawing/2014/main" id="{AD23F325-97DC-3467-1A02-676F3EA0A632}"/>
+              </a:ext>
+            </a:extLst>
+          </p:cNvPr>
+          <p:cNvSpPr>
+            <a:spLocks noGrp="1"/>
+          </p:cNvSpPr>
+          <p:nvPr>
+            <p:ph type="title"/>
+          </p:nvPr>
+        </p:nvSpPr>
+        <p:spPr>
+          <a:xfrm>
+            <a:off x="648931" y="629266"/>
+            <a:ext cx="4166510" cy="1622321"/>
+          </a:xfrm>
+        </p:spPr>
+        <p:txBody>
+          <a:bodyPr>
+            <a:normAutofit/>
+          </a:bodyPr>
+          <a:lstStyle/>
+          <a:p>
+            <a:r>
+              <a:rPr lang="en-US">
+                <a:solidFill>
+                  <a:srgbClr val="EBEBEB"/>
+                </a:solidFill>
+              </a:rPr>
+              <a:t>WIREMOCK</a:t>
+            </a:r>
+          </a:p>
+        </p:txBody>
+      </p:sp>
+      <p:sp>
+        <p:nvSpPr>
+          <p:cNvPr id="1035" name="Freeform 31">
+            <a:extLst>
+              <a:ext uri="{FF2B5EF4-FFF2-40B4-BE49-F238E27FC236}">
+                <a16:creationId xmlns:a16="http://schemas.microsoft.com/office/drawing/2014/main" id="{61752F1D-FC0F-4103-9584-630E643CCDA6}"/>
+              </a:ext>
+              <a:ext uri="{C183D7F6-B498-43B3-948B-1728B52AA6E4}">
+                <adec:decorative xmlns:adec="http://schemas.microsoft.com/office/drawing/2017/decorative" val="1"/>
+              </a:ext>
+            </a:extLst>
+          </p:cNvPr>
+          <p:cNvSpPr>
+            <a:spLocks noGrp="1" noRot="1" noChangeAspect="1" noMove="1" noResize="1" noEditPoints="1" noAdjustHandles="1" noChangeArrowheads="1" noChangeShapeType="1" noTextEdit="1"/>
+          </p:cNvSpPr>
+          <p:nvPr>
+            <p:extLst>
+              <p:ext uri="{386F3935-93C4-4BCD-93E2-E3B085C9AB24}">
+                <p16:designElem xmlns:p16="http://schemas.microsoft.com/office/powerpoint/2015/main" val="1"/>
+              </p:ext>
+            </p:extLst>
+          </p:nvPr>
+        </p:nvSpPr>
+        <p:spPr>
+          <a:xfrm>
+            <a:off x="4994020" y="-1"/>
+            <a:ext cx="559472" cy="3709642"/>
+          </a:xfrm>
+          <a:custGeom>
+            <a:avLst/>
+            <a:gdLst>
+              <a:gd name="connsiteX0" fmla="*/ 0 w 559472"/>
+              <a:gd name="connsiteY0" fmla="*/ 0 h 3709642"/>
+              <a:gd name="connsiteX1" fmla="*/ 473952 w 559472"/>
+              <a:gd name="connsiteY1" fmla="*/ 0 h 3709642"/>
+              <a:gd name="connsiteX2" fmla="*/ 485840 w 559472"/>
+              <a:gd name="connsiteY2" fmla="*/ 161194 h 3709642"/>
+              <a:gd name="connsiteX3" fmla="*/ 523949 w 559472"/>
+              <a:gd name="connsiteY3" fmla="*/ 3672197 h 3709642"/>
+              <a:gd name="connsiteX4" fmla="*/ 454748 w 559472"/>
+              <a:gd name="connsiteY4" fmla="*/ 3709642 h 3709642"/>
+              <a:gd name="connsiteX5" fmla="*/ 448224 w 559472"/>
+              <a:gd name="connsiteY5" fmla="*/ 3510471 h 3709642"/>
+              <a:gd name="connsiteX6" fmla="*/ 443564 w 559472"/>
+              <a:gd name="connsiteY6" fmla="*/ 3408563 h 3709642"/>
+              <a:gd name="connsiteX7" fmla="*/ 438902 w 559472"/>
+              <a:gd name="connsiteY7" fmla="*/ 3304407 h 3709642"/>
+              <a:gd name="connsiteX8" fmla="*/ 433941 w 559472"/>
+              <a:gd name="connsiteY8" fmla="*/ 3198777 h 3709642"/>
+              <a:gd name="connsiteX9" fmla="*/ 427584 w 559472"/>
+              <a:gd name="connsiteY9" fmla="*/ 3092510 h 3709642"/>
+              <a:gd name="connsiteX10" fmla="*/ 420988 w 559472"/>
+              <a:gd name="connsiteY10" fmla="*/ 2984390 h 3709642"/>
+              <a:gd name="connsiteX11" fmla="*/ 414330 w 559472"/>
+              <a:gd name="connsiteY11" fmla="*/ 2874401 h 3709642"/>
+              <a:gd name="connsiteX12" fmla="*/ 406840 w 559472"/>
+              <a:gd name="connsiteY12" fmla="*/ 2762980 h 3709642"/>
+              <a:gd name="connsiteX13" fmla="*/ 397745 w 559472"/>
+              <a:gd name="connsiteY13" fmla="*/ 2650566 h 3709642"/>
+              <a:gd name="connsiteX14" fmla="*/ 389154 w 559472"/>
+              <a:gd name="connsiteY14" fmla="*/ 2536612 h 3709642"/>
+              <a:gd name="connsiteX15" fmla="*/ 379225 w 559472"/>
+              <a:gd name="connsiteY15" fmla="*/ 2421642 h 3709642"/>
+              <a:gd name="connsiteX16" fmla="*/ 368316 w 559472"/>
+              <a:gd name="connsiteY16" fmla="*/ 2305627 h 3709642"/>
+              <a:gd name="connsiteX17" fmla="*/ 357466 w 559472"/>
+              <a:gd name="connsiteY17" fmla="*/ 2189233 h 3709642"/>
+              <a:gd name="connsiteX18" fmla="*/ 344982 w 559472"/>
+              <a:gd name="connsiteY18" fmla="*/ 2071473 h 3709642"/>
+              <a:gd name="connsiteX19" fmla="*/ 332466 w 559472"/>
+              <a:gd name="connsiteY19" fmla="*/ 1952216 h 3709642"/>
+              <a:gd name="connsiteX20" fmla="*/ 319121 w 559472"/>
+              <a:gd name="connsiteY20" fmla="*/ 1833776 h 3709642"/>
+              <a:gd name="connsiteX21" fmla="*/ 304408 w 559472"/>
+              <a:gd name="connsiteY21" fmla="*/ 1713948 h 3709642"/>
+              <a:gd name="connsiteX22" fmla="*/ 288685 w 559472"/>
+              <a:gd name="connsiteY22" fmla="*/ 1592703 h 3709642"/>
+              <a:gd name="connsiteX23" fmla="*/ 273050 w 559472"/>
+              <a:gd name="connsiteY23" fmla="*/ 1471451 h 3709642"/>
+              <a:gd name="connsiteX24" fmla="*/ 255813 w 559472"/>
+              <a:gd name="connsiteY24" fmla="*/ 1350328 h 3709642"/>
+              <a:gd name="connsiteX25" fmla="*/ 237060 w 559472"/>
+              <a:gd name="connsiteY25" fmla="*/ 1227080 h 3709642"/>
+              <a:gd name="connsiteX26" fmla="*/ 218488 w 559472"/>
+              <a:gd name="connsiteY26" fmla="*/ 1106065 h 3709642"/>
+              <a:gd name="connsiteX27" fmla="*/ 198221 w 559472"/>
+              <a:gd name="connsiteY27" fmla="*/ 982940 h 3709642"/>
+              <a:gd name="connsiteX28" fmla="*/ 177152 w 559472"/>
+              <a:gd name="connsiteY28" fmla="*/ 858755 h 3709642"/>
+              <a:gd name="connsiteX29" fmla="*/ 155551 w 559472"/>
+              <a:gd name="connsiteY29" fmla="*/ 736861 h 3709642"/>
+              <a:gd name="connsiteX30" fmla="*/ 131782 w 559472"/>
+              <a:gd name="connsiteY30" fmla="*/ 613645 h 3709642"/>
+              <a:gd name="connsiteX31" fmla="*/ 107123 w 559472"/>
+              <a:gd name="connsiteY31" fmla="*/ 490500 h 3709642"/>
+              <a:gd name="connsiteX32" fmla="*/ 82552 w 559472"/>
+              <a:gd name="connsiteY32" fmla="*/ 367348 h 3709642"/>
+              <a:gd name="connsiteX33" fmla="*/ 55608 w 559472"/>
+              <a:gd name="connsiteY33" fmla="*/ 244762 h 3709642"/>
+              <a:gd name="connsiteX34" fmla="*/ 28130 w 559472"/>
+              <a:gd name="connsiteY34" fmla="*/ 122220 h 3709642"/>
+              <a:gd name="connsiteX35" fmla="*/ 0 w 559472"/>
+              <a:gd name="connsiteY35" fmla="*/ 0 h 3709642"/>
+            </a:gdLst>
+            <a:ahLst/>
+            <a:cxnLst>
+              <a:cxn ang="0">
+                <a:pos x="connsiteX0" y="connsiteY0"/>
+              </a:cxn>
+              <a:cxn ang="0">
+                <a:pos x="connsiteX1" y="connsiteY1"/>
+              </a:cxn>
+              <a:cxn ang="0">
+                <a:pos x="connsiteX2" y="connsiteY2"/>
+              </a:cxn>
+              <a:cxn ang="0">
+                <a:pos x="connsiteX3" y="connsiteY3"/>
+              </a:cxn>
+              <a:cxn ang="0">
+                <a:pos x="connsiteX4" y="connsiteY4"/>
+              </a:cxn>
+              <a:cxn ang="0">
+                <a:pos x="connsiteX5" y="connsiteY5"/>
+              </a:cxn>
+              <a:cxn ang="0">
+                <a:pos x="connsiteX6" y="connsiteY6"/>
+              </a:cxn>
+              <a:cxn ang="0">
+                <a:pos x="connsiteX7" y="connsiteY7"/>
+              </a:cxn>
+              <a:cxn ang="0">
+                <a:pos x="connsiteX8" y="connsiteY8"/>
+              </a:cxn>
+              <a:cxn ang="0">
+                <a:pos x="connsiteX9" y="connsiteY9"/>
+              </a:cxn>
+              <a:cxn ang="0">
+                <a:pos x="connsiteX10" y="connsiteY10"/>
+              </a:cxn>
+              <a:cxn ang="0">
+                <a:pos x="connsiteX11" y="connsiteY11"/>
+              </a:cxn>
+              <a:cxn ang="0">
+                <a:pos x="connsiteX12" y="connsiteY12"/>
+              </a:cxn>
+              <a:cxn ang="0">
+                <a:pos x="connsiteX13" y="connsiteY13"/>
+              </a:cxn>
+              <a:cxn ang="0">
+                <a:pos x="connsiteX14" y="connsiteY14"/>
+              </a:cxn>
+              <a:cxn ang="0">
+                <a:pos x="connsiteX15" y="connsiteY15"/>
+              </a:cxn>
+              <a:cxn ang="0">
+                <a:pos x="connsiteX16" y="connsiteY16"/>
+              </a:cxn>
+              <a:cxn ang="0">
+                <a:pos x="connsiteX17" y="connsiteY17"/>
+              </a:cxn>
+              <a:cxn ang="0">
+                <a:pos x="connsiteX18" y="connsiteY18"/>
+              </a:cxn>
+              <a:cxn ang="0">
+                <a:pos x="connsiteX19" y="connsiteY19"/>
+              </a:cxn>
+              <a:cxn ang="0">
+                <a:pos x="connsiteX20" y="connsiteY20"/>
+              </a:cxn>
+              <a:cxn ang="0">
+                <a:pos x="connsiteX21" y="connsiteY21"/>
+              </a:cxn>
+              <a:cxn ang="0">
+                <a:pos x="connsiteX22" y="connsiteY22"/>
+              </a:cxn>
+              <a:cxn ang="0">
+                <a:pos x="connsiteX23" y="connsiteY23"/>
+              </a:cxn>
+              <a:cxn ang="0">
+                <a:pos x="connsiteX24" y="connsiteY24"/>
+              </a:cxn>
+              <a:cxn ang="0">
+                <a:pos x="connsiteX25" y="connsiteY25"/>
+              </a:cxn>
+              <a:cxn ang="0">
+                <a:pos x="connsiteX26" y="connsiteY26"/>
+              </a:cxn>
+              <a:cxn ang="0">
+                <a:pos x="connsiteX27" y="connsiteY27"/>
+              </a:cxn>
+              <a:cxn ang="0">
+                <a:pos x="connsiteX28" y="connsiteY28"/>
+              </a:cxn>
+              <a:cxn ang="0">
+                <a:pos x="connsiteX29" y="connsiteY29"/>
+              </a:cxn>
+              <a:cxn ang="0">
+                <a:pos x="connsiteX30" y="connsiteY30"/>
+              </a:cxn>
+              <a:cxn ang="0">
+                <a:pos x="connsiteX31" y="connsiteY31"/>
+              </a:cxn>
+              <a:cxn ang="0">
+                <a:pos x="connsiteX32" y="connsiteY32"/>
+              </a:cxn>
+              <a:cxn ang="0">
+                <a:pos x="connsiteX33" y="connsiteY33"/>
+              </a:cxn>
+              <a:cxn ang="0">
+                <a:pos x="connsiteX34" y="connsiteY34"/>
+              </a:cxn>
+              <a:cxn ang="0">
+                <a:pos x="connsiteX35" y="connsiteY35"/>
+              </a:cxn>
+            </a:cxnLst>
+            <a:rect l="l" t="t" r="r" b="b"/>
+            <a:pathLst>
+              <a:path w="559472" h="3709642">
+                <a:moveTo>
+                  <a:pt x="0" y="0"/>
+                </a:moveTo>
+                <a:lnTo>
+                  <a:pt x="473952" y="0"/>
+                </a:lnTo>
+                <a:lnTo>
+                  <a:pt x="485840" y="161194"/>
+                </a:lnTo>
+                <a:cubicBezTo>
+                  <a:pt x="552063" y="1147770"/>
+                  <a:pt x="592441" y="3086737"/>
+                  <a:pt x="523949" y="3672197"/>
+                </a:cubicBezTo>
+                <a:cubicBezTo>
+                  <a:pt x="500842" y="3684557"/>
+                  <a:pt x="477855" y="3697282"/>
+                  <a:pt x="454748" y="3709642"/>
+                </a:cubicBezTo>
+                <a:lnTo>
+                  <a:pt x="448224" y="3510471"/>
+                </a:lnTo>
+                <a:lnTo>
+                  <a:pt x="443564" y="3408563"/>
+                </a:lnTo>
+                <a:lnTo>
+                  <a:pt x="438902" y="3304407"/>
+                </a:lnTo>
+                <a:lnTo>
+                  <a:pt x="433941" y="3198777"/>
+                </a:lnTo>
+                <a:lnTo>
+                  <a:pt x="427584" y="3092510"/>
+                </a:lnTo>
+                <a:lnTo>
+                  <a:pt x="420988" y="2984390"/>
+                </a:lnTo>
+                <a:lnTo>
+                  <a:pt x="414330" y="2874401"/>
+                </a:lnTo>
+                <a:lnTo>
+                  <a:pt x="406840" y="2762980"/>
+                </a:lnTo>
+                <a:lnTo>
+                  <a:pt x="397745" y="2650566"/>
+                </a:lnTo>
+                <a:lnTo>
+                  <a:pt x="389154" y="2536612"/>
+                </a:lnTo>
+                <a:lnTo>
+                  <a:pt x="379225" y="2421642"/>
+                </a:lnTo>
+                <a:lnTo>
+                  <a:pt x="368316" y="2305627"/>
+                </a:lnTo>
+                <a:lnTo>
+                  <a:pt x="357466" y="2189233"/>
+                </a:lnTo>
+                <a:lnTo>
+                  <a:pt x="344982" y="2071473"/>
+                </a:lnTo>
+                <a:lnTo>
+                  <a:pt x="332466" y="1952216"/>
+                </a:lnTo>
+                <a:lnTo>
+                  <a:pt x="319121" y="1833776"/>
+                </a:lnTo>
+                <a:lnTo>
+                  <a:pt x="304408" y="1713948"/>
+                </a:lnTo>
+                <a:lnTo>
+                  <a:pt x="288685" y="1592703"/>
+                </a:lnTo>
+                <a:lnTo>
+                  <a:pt x="273050" y="1471451"/>
+                </a:lnTo>
+                <a:lnTo>
+                  <a:pt x="255813" y="1350328"/>
+                </a:lnTo>
+                <a:lnTo>
+                  <a:pt x="237060" y="1227080"/>
+                </a:lnTo>
+                <a:lnTo>
+                  <a:pt x="218488" y="1106065"/>
+                </a:lnTo>
+                <a:lnTo>
+                  <a:pt x="198221" y="982940"/>
+                </a:lnTo>
+                <a:lnTo>
+                  <a:pt x="177152" y="858755"/>
+                </a:lnTo>
+                <a:lnTo>
+                  <a:pt x="155551" y="736861"/>
+                </a:lnTo>
+                <a:lnTo>
+                  <a:pt x="131782" y="613645"/>
+                </a:lnTo>
+                <a:lnTo>
+                  <a:pt x="107123" y="490500"/>
+                </a:lnTo>
+                <a:lnTo>
+                  <a:pt x="82552" y="367348"/>
+                </a:lnTo>
+                <a:lnTo>
+                  <a:pt x="55608" y="244762"/>
+                </a:lnTo>
+                <a:lnTo>
+                  <a:pt x="28130" y="122220"/>
+                </a:lnTo>
+                <a:lnTo>
+                  <a:pt x="0" y="0"/>
+                </a:lnTo>
+                <a:close/>
+              </a:path>
+            </a:pathLst>
+          </a:custGeom>
+          <a:solidFill>
+            <a:schemeClr val="bg1">
+              <a:alpha val="20000"/>
+            </a:schemeClr>
+          </a:solidFill>
+          <a:ln>
+            <a:noFill/>
+          </a:ln>
+        </p:spPr>
+        <p:txBody>
+          <a:bodyPr rtlCol="0" anchor="ctr"/>
+          <a:lstStyle/>
+          <a:p>
+            <a:pPr algn="ctr"/>
+            <a:endParaRPr lang="en-US"/>
+          </a:p>
+        </p:txBody>
+      </p:sp>
+      <p:sp useBgFill="1">
+        <p:nvSpPr>
+          <p:cNvPr id="1037" name="Freeform: Shape 1036">
+            <a:extLst>
+              <a:ext uri="{FF2B5EF4-FFF2-40B4-BE49-F238E27FC236}">
+                <a16:creationId xmlns:a16="http://schemas.microsoft.com/office/drawing/2014/main" id="{70151CB7-E7DE-4917-B831-01DF9CE01306}"/>
+              </a:ext>
+              <a:ext uri="{C183D7F6-B498-43B3-948B-1728B52AA6E4}">
+                <adec:decorative xmlns:adec="http://schemas.microsoft.com/office/drawing/2017/decorative" val="1"/>
+              </a:ext>
+            </a:extLst>
+          </p:cNvPr>
+          <p:cNvSpPr>
+            <a:spLocks noGrp="1" noRot="1" noChangeAspect="1" noMove="1" noResize="1" noEditPoints="1" noAdjustHandles="1" noChangeArrowheads="1" noChangeShapeType="1" noTextEdit="1"/>
+          </p:cNvSpPr>
+          <p:nvPr>
+            <p:extLst>
+              <p:ext uri="{386F3935-93C4-4BCD-93E2-E3B085C9AB24}">
+                <p16:designElem xmlns:p16="http://schemas.microsoft.com/office/powerpoint/2015/main" val="1"/>
+              </p:ext>
+            </p:extLst>
+          </p:nvPr>
+        </p:nvSpPr>
+        <p:spPr bwMode="gray">
+          <a:xfrm rot="16200000">
+            <a:off x="5270819" y="-63600"/>
+            <a:ext cx="6858001" cy="6985200"/>
+          </a:xfrm>
+          <a:custGeom>
+            <a:avLst/>
+            <a:gdLst>
+              <a:gd name="connsiteX0" fmla="*/ 6858001 w 6858001"/>
+              <a:gd name="connsiteY0" fmla="*/ 1177 h 6985200"/>
+              <a:gd name="connsiteX1" fmla="*/ 6858001 w 6858001"/>
+              <a:gd name="connsiteY1" fmla="*/ 1344715 h 6985200"/>
+              <a:gd name="connsiteX2" fmla="*/ 6858000 w 6858001"/>
+              <a:gd name="connsiteY2" fmla="*/ 1344715 h 6985200"/>
+              <a:gd name="connsiteX3" fmla="*/ 6858000 w 6858001"/>
+              <a:gd name="connsiteY3" fmla="*/ 6985200 h 6985200"/>
+              <a:gd name="connsiteX4" fmla="*/ 0 w 6858001"/>
+              <a:gd name="connsiteY4" fmla="*/ 6985199 h 6985200"/>
+              <a:gd name="connsiteX5" fmla="*/ 0 w 6858001"/>
+              <a:gd name="connsiteY5" fmla="*/ 886772 h 6985200"/>
+              <a:gd name="connsiteX6" fmla="*/ 1 w 6858001"/>
+              <a:gd name="connsiteY6" fmla="*/ 886772 h 6985200"/>
+              <a:gd name="connsiteX7" fmla="*/ 1 w 6858001"/>
+              <a:gd name="connsiteY7" fmla="*/ 0 h 6985200"/>
+              <a:gd name="connsiteX8" fmla="*/ 40463 w 6858001"/>
+              <a:gd name="connsiteY8" fmla="*/ 5883 h 6985200"/>
+              <a:gd name="connsiteX9" fmla="*/ 159107 w 6858001"/>
+              <a:gd name="connsiteY9" fmla="*/ 23196 h 6985200"/>
+              <a:gd name="connsiteX10" fmla="*/ 245518 w 6858001"/>
+              <a:gd name="connsiteY10" fmla="*/ 35299 h 6985200"/>
+              <a:gd name="connsiteX11" fmla="*/ 348388 w 6858001"/>
+              <a:gd name="connsiteY11" fmla="*/ 48073 h 6985200"/>
+              <a:gd name="connsiteX12" fmla="*/ 470460 w 6858001"/>
+              <a:gd name="connsiteY12" fmla="*/ 63369 h 6985200"/>
+              <a:gd name="connsiteX13" fmla="*/ 605563 w 6858001"/>
+              <a:gd name="connsiteY13" fmla="*/ 79506 h 6985200"/>
+              <a:gd name="connsiteX14" fmla="*/ 757810 w 6858001"/>
+              <a:gd name="connsiteY14" fmla="*/ 96483 h 6985200"/>
+              <a:gd name="connsiteX15" fmla="*/ 923774 w 6858001"/>
+              <a:gd name="connsiteY15" fmla="*/ 114469 h 6985200"/>
+              <a:gd name="connsiteX16" fmla="*/ 1104139 w 6858001"/>
+              <a:gd name="connsiteY16" fmla="*/ 132454 h 6985200"/>
+              <a:gd name="connsiteX17" fmla="*/ 1296163 w 6858001"/>
+              <a:gd name="connsiteY17" fmla="*/ 150776 h 6985200"/>
+              <a:gd name="connsiteX18" fmla="*/ 1503275 w 6858001"/>
+              <a:gd name="connsiteY18" fmla="*/ 167753 h 6985200"/>
+              <a:gd name="connsiteX19" fmla="*/ 1719988 w 6858001"/>
+              <a:gd name="connsiteY19" fmla="*/ 184058 h 6985200"/>
+              <a:gd name="connsiteX20" fmla="*/ 1949045 w 6858001"/>
+              <a:gd name="connsiteY20" fmla="*/ 198849 h 6985200"/>
+              <a:gd name="connsiteX21" fmla="*/ 2187703 w 6858001"/>
+              <a:gd name="connsiteY21" fmla="*/ 212969 h 6985200"/>
+              <a:gd name="connsiteX22" fmla="*/ 2436649 w 6858001"/>
+              <a:gd name="connsiteY22" fmla="*/ 226248 h 6985200"/>
+              <a:gd name="connsiteX23" fmla="*/ 2564208 w 6858001"/>
+              <a:gd name="connsiteY23" fmla="*/ 230955 h 6985200"/>
+              <a:gd name="connsiteX24" fmla="*/ 2694509 w 6858001"/>
+              <a:gd name="connsiteY24" fmla="*/ 236165 h 6985200"/>
+              <a:gd name="connsiteX25" fmla="*/ 2826869 w 6858001"/>
+              <a:gd name="connsiteY25" fmla="*/ 241040 h 6985200"/>
+              <a:gd name="connsiteX26" fmla="*/ 2959914 w 6858001"/>
+              <a:gd name="connsiteY26" fmla="*/ 244234 h 6985200"/>
+              <a:gd name="connsiteX27" fmla="*/ 3095702 w 6858001"/>
+              <a:gd name="connsiteY27" fmla="*/ 247091 h 6985200"/>
+              <a:gd name="connsiteX28" fmla="*/ 3232862 w 6858001"/>
+              <a:gd name="connsiteY28" fmla="*/ 250117 h 6985200"/>
+              <a:gd name="connsiteX29" fmla="*/ 3372766 w 6858001"/>
+              <a:gd name="connsiteY29" fmla="*/ 252134 h 6985200"/>
+              <a:gd name="connsiteX30" fmla="*/ 3514040 w 6858001"/>
+              <a:gd name="connsiteY30" fmla="*/ 252134 h 6985200"/>
+              <a:gd name="connsiteX31" fmla="*/ 3656686 w 6858001"/>
+              <a:gd name="connsiteY31" fmla="*/ 253142 h 6985200"/>
+              <a:gd name="connsiteX32" fmla="*/ 3800705 w 6858001"/>
+              <a:gd name="connsiteY32" fmla="*/ 252134 h 6985200"/>
+              <a:gd name="connsiteX33" fmla="*/ 3946780 w 6858001"/>
+              <a:gd name="connsiteY33" fmla="*/ 250117 h 6985200"/>
+              <a:gd name="connsiteX34" fmla="*/ 4092856 w 6858001"/>
+              <a:gd name="connsiteY34" fmla="*/ 248268 h 6985200"/>
+              <a:gd name="connsiteX35" fmla="*/ 4240988 w 6858001"/>
+              <a:gd name="connsiteY35" fmla="*/ 244234 h 6985200"/>
+              <a:gd name="connsiteX36" fmla="*/ 4390492 w 6858001"/>
+              <a:gd name="connsiteY36" fmla="*/ 240032 h 6985200"/>
+              <a:gd name="connsiteX37" fmla="*/ 4539997 w 6858001"/>
+              <a:gd name="connsiteY37" fmla="*/ 235157 h 6985200"/>
+              <a:gd name="connsiteX38" fmla="*/ 4690873 w 6858001"/>
+              <a:gd name="connsiteY38" fmla="*/ 228266 h 6985200"/>
+              <a:gd name="connsiteX39" fmla="*/ 4843120 w 6858001"/>
+              <a:gd name="connsiteY39" fmla="*/ 220029 h 6985200"/>
+              <a:gd name="connsiteX40" fmla="*/ 4996054 w 6858001"/>
+              <a:gd name="connsiteY40" fmla="*/ 212129 h 6985200"/>
+              <a:gd name="connsiteX41" fmla="*/ 5148987 w 6858001"/>
+              <a:gd name="connsiteY41" fmla="*/ 202044 h 6985200"/>
+              <a:gd name="connsiteX42" fmla="*/ 5303978 w 6858001"/>
+              <a:gd name="connsiteY42" fmla="*/ 189941 h 6985200"/>
+              <a:gd name="connsiteX43" fmla="*/ 5456911 w 6858001"/>
+              <a:gd name="connsiteY43" fmla="*/ 177839 h 6985200"/>
+              <a:gd name="connsiteX44" fmla="*/ 5612588 w 6858001"/>
+              <a:gd name="connsiteY44" fmla="*/ 163887 h 6985200"/>
+              <a:gd name="connsiteX45" fmla="*/ 5768950 w 6858001"/>
+              <a:gd name="connsiteY45" fmla="*/ 148591 h 6985200"/>
+              <a:gd name="connsiteX46" fmla="*/ 5923255 w 6858001"/>
+              <a:gd name="connsiteY46" fmla="*/ 132455 h 6985200"/>
+              <a:gd name="connsiteX47" fmla="*/ 6079618 w 6858001"/>
+              <a:gd name="connsiteY47" fmla="*/ 113629 h 6985200"/>
+              <a:gd name="connsiteX48" fmla="*/ 6235294 w 6858001"/>
+              <a:gd name="connsiteY48" fmla="*/ 93458 h 6985200"/>
+              <a:gd name="connsiteX49" fmla="*/ 6391657 w 6858001"/>
+              <a:gd name="connsiteY49" fmla="*/ 73455 h 6985200"/>
+              <a:gd name="connsiteX50" fmla="*/ 6547333 w 6858001"/>
+              <a:gd name="connsiteY50" fmla="*/ 50091 h 6985200"/>
+              <a:gd name="connsiteX51" fmla="*/ 6702324 w 6858001"/>
+              <a:gd name="connsiteY51" fmla="*/ 26222 h 6985200"/>
+            </a:gdLst>
+            <a:ahLst/>
+            <a:cxnLst>
+              <a:cxn ang="0">
+                <a:pos x="connsiteX0" y="connsiteY0"/>
+              </a:cxn>
+              <a:cxn ang="0">
+                <a:pos x="connsiteX1" y="connsiteY1"/>
+              </a:cxn>
+              <a:cxn ang="0">
+                <a:pos x="connsiteX2" y="connsiteY2"/>
+              </a:cxn>
+              <a:cxn ang="0">
+                <a:pos x="connsiteX3" y="connsiteY3"/>
+              </a:cxn>
+              <a:cxn ang="0">
+                <a:pos x="connsiteX4" y="connsiteY4"/>
+              </a:cxn>
+              <a:cxn ang="0">
+                <a:pos x="connsiteX5" y="connsiteY5"/>
+              </a:cxn>
+              <a:cxn ang="0">
+                <a:pos x="connsiteX6" y="connsiteY6"/>
+              </a:cxn>
+              <a:cxn ang="0">
+                <a:pos x="connsiteX7" y="connsiteY7"/>
+              </a:cxn>
+              <a:cxn ang="0">
+                <a:pos x="connsiteX8" y="connsiteY8"/>
+              </a:cxn>
+              <a:cxn ang="0">
+                <a:pos x="connsiteX9" y="connsiteY9"/>
+              </a:cxn>
+              <a:cxn ang="0">
+                <a:pos x="connsiteX10" y="connsiteY10"/>
+              </a:cxn>
+              <a:cxn ang="0">
+                <a:pos x="connsiteX11" y="connsiteY11"/>
+              </a:cxn>
+              <a:cxn ang="0">
+                <a:pos x="connsiteX12" y="connsiteY12"/>
+              </a:cxn>
+              <a:cxn ang="0">
+                <a:pos x="connsiteX13" y="connsiteY13"/>
+              </a:cxn>
+              <a:cxn ang="0">
+                <a:pos x="connsiteX14" y="connsiteY14"/>
+              </a:cxn>
+              <a:cxn ang="0">
+                <a:pos x="connsiteX15" y="connsiteY15"/>
+              </a:cxn>
+              <a:cxn ang="0">
+                <a:pos x="connsiteX16" y="connsiteY16"/>
+              </a:cxn>
+              <a:cxn ang="0">
+                <a:pos x="connsiteX17" y="connsiteY17"/>
+              </a:cxn>
+              <a:cxn ang="0">
+                <a:pos x="connsiteX18" y="connsiteY18"/>
+              </a:cxn>
+              <a:cxn ang="0">
+                <a:pos x="connsiteX19" y="connsiteY19"/>
+              </a:cxn>
+              <a:cxn ang="0">
+                <a:pos x="connsiteX20" y="connsiteY20"/>
+              </a:cxn>
+              <a:cxn ang="0">
+                <a:pos x="connsiteX21" y="connsiteY21"/>
+              </a:cxn>
+              <a:cxn ang="0">
+                <a:pos x="connsiteX22" y="connsiteY22"/>
+              </a:cxn>
+              <a:cxn ang="0">
+                <a:pos x="connsiteX23" y="connsiteY23"/>
+              </a:cxn>
+              <a:cxn ang="0">
+                <a:pos x="connsiteX24" y="connsiteY24"/>
+              </a:cxn>
+              <a:cxn ang="0">
+                <a:pos x="connsiteX25" y="connsiteY25"/>
+              </a:cxn>
+              <a:cxn ang="0">
+                <a:pos x="connsiteX26" y="connsiteY26"/>
+              </a:cxn>
+              <a:cxn ang="0">
+                <a:pos x="connsiteX27" y="connsiteY27"/>
+              </a:cxn>
+              <a:cxn ang="0">
+                <a:pos x="connsiteX28" y="connsiteY28"/>
+              </a:cxn>
+              <a:cxn ang="0">
+                <a:pos x="connsiteX29" y="connsiteY29"/>
+              </a:cxn>
+              <a:cxn ang="0">
+                <a:pos x="connsiteX30" y="connsiteY30"/>
+              </a:cxn>
+              <a:cxn ang="0">
+                <a:pos x="connsiteX31" y="connsiteY31"/>
+              </a:cxn>
+              <a:cxn ang="0">
+                <a:pos x="connsiteX32" y="connsiteY32"/>
+              </a:cxn>
+              <a:cxn ang="0">
+                <a:pos x="connsiteX33" y="connsiteY33"/>
+              </a:cxn>
+              <a:cxn ang="0">
+                <a:pos x="connsiteX34" y="connsiteY34"/>
+              </a:cxn>
+              <a:cxn ang="0">
+                <a:pos x="connsiteX35" y="connsiteY35"/>
+              </a:cxn>
+              <a:cxn ang="0">
+                <a:pos x="connsiteX36" y="connsiteY36"/>
+              </a:cxn>
+              <a:cxn ang="0">
+                <a:pos x="connsiteX37" y="connsiteY37"/>
+              </a:cxn>
+              <a:cxn ang="0">
+                <a:pos x="connsiteX38" y="connsiteY38"/>
+              </a:cxn>
+              <a:cxn ang="0">
+                <a:pos x="connsiteX39" y="connsiteY39"/>
+              </a:cxn>
+              <a:cxn ang="0">
+                <a:pos x="connsiteX40" y="connsiteY40"/>
+              </a:cxn>
+              <a:cxn ang="0">
+                <a:pos x="connsiteX41" y="connsiteY41"/>
+              </a:cxn>
+              <a:cxn ang="0">
+                <a:pos x="connsiteX42" y="connsiteY42"/>
+              </a:cxn>
+              <a:cxn ang="0">
+                <a:pos x="connsiteX43" y="connsiteY43"/>
+              </a:cxn>
+              <a:cxn ang="0">
+                <a:pos x="connsiteX44" y="connsiteY44"/>
+              </a:cxn>
+              <a:cxn ang="0">
+                <a:pos x="connsiteX45" y="connsiteY45"/>
+              </a:cxn>
+              <a:cxn ang="0">
+                <a:pos x="connsiteX46" y="connsiteY46"/>
+              </a:cxn>
+              <a:cxn ang="0">
+                <a:pos x="connsiteX47" y="connsiteY47"/>
+              </a:cxn>
+              <a:cxn ang="0">
+                <a:pos x="connsiteX48" y="connsiteY48"/>
+              </a:cxn>
+              <a:cxn ang="0">
+                <a:pos x="connsiteX49" y="connsiteY49"/>
+              </a:cxn>
+              <a:cxn ang="0">
+                <a:pos x="connsiteX50" y="connsiteY50"/>
+              </a:cxn>
+              <a:cxn ang="0">
+                <a:pos x="connsiteX51" y="connsiteY51"/>
+              </a:cxn>
+            </a:cxnLst>
+            <a:rect l="l" t="t" r="r" b="b"/>
+            <a:pathLst>
+              <a:path w="6858001" h="6985200">
+                <a:moveTo>
+                  <a:pt x="6858001" y="1177"/>
+                </a:moveTo>
+                <a:lnTo>
+                  <a:pt x="6858001" y="1344715"/>
+                </a:lnTo>
+                <a:lnTo>
+                  <a:pt x="6858000" y="1344715"/>
+                </a:lnTo>
+                <a:lnTo>
+                  <a:pt x="6858000" y="6985200"/>
+                </a:lnTo>
+                <a:lnTo>
+                  <a:pt x="0" y="6985199"/>
+                </a:lnTo>
+                <a:lnTo>
+                  <a:pt x="0" y="886772"/>
+                </a:lnTo>
+                <a:lnTo>
+                  <a:pt x="1" y="886772"/>
+                </a:lnTo>
+                <a:lnTo>
+                  <a:pt x="1" y="0"/>
+                </a:lnTo>
+                <a:lnTo>
+                  <a:pt x="40463" y="5883"/>
+                </a:lnTo>
+                <a:lnTo>
+                  <a:pt x="159107" y="23196"/>
+                </a:lnTo>
+                <a:lnTo>
+                  <a:pt x="245518" y="35299"/>
+                </a:lnTo>
+                <a:lnTo>
+                  <a:pt x="348388" y="48073"/>
+                </a:lnTo>
+                <a:lnTo>
+                  <a:pt x="470460" y="63369"/>
+                </a:lnTo>
+                <a:lnTo>
+                  <a:pt x="605563" y="79506"/>
+                </a:lnTo>
+                <a:lnTo>
+                  <a:pt x="757810" y="96483"/>
+                </a:lnTo>
+                <a:lnTo>
+                  <a:pt x="923774" y="114469"/>
+                </a:lnTo>
+                <a:lnTo>
+                  <a:pt x="1104139" y="132454"/>
+                </a:lnTo>
+                <a:lnTo>
+                  <a:pt x="1296163" y="150776"/>
+                </a:lnTo>
+                <a:lnTo>
+                  <a:pt x="1503275" y="167753"/>
+                </a:lnTo>
+                <a:lnTo>
+                  <a:pt x="1719988" y="184058"/>
+                </a:lnTo>
+                <a:lnTo>
+                  <a:pt x="1949045" y="198849"/>
+                </a:lnTo>
+                <a:lnTo>
+                  <a:pt x="2187703" y="212969"/>
+                </a:lnTo>
+                <a:lnTo>
+                  <a:pt x="2436649" y="226248"/>
+                </a:lnTo>
+                <a:lnTo>
+                  <a:pt x="2564208" y="230955"/>
+                </a:lnTo>
+                <a:lnTo>
+                  <a:pt x="2694509" y="236165"/>
+                </a:lnTo>
+                <a:lnTo>
+                  <a:pt x="2826869" y="241040"/>
+                </a:lnTo>
+                <a:lnTo>
+                  <a:pt x="2959914" y="244234"/>
+                </a:lnTo>
+                <a:lnTo>
+                  <a:pt x="3095702" y="247091"/>
+                </a:lnTo>
+                <a:lnTo>
+                  <a:pt x="3232862" y="250117"/>
+                </a:lnTo>
+                <a:lnTo>
+                  <a:pt x="3372766" y="252134"/>
+                </a:lnTo>
+                <a:lnTo>
+                  <a:pt x="3514040" y="252134"/>
+                </a:lnTo>
+                <a:lnTo>
+                  <a:pt x="3656686" y="253142"/>
+                </a:lnTo>
+                <a:lnTo>
+                  <a:pt x="3800705" y="252134"/>
+                </a:lnTo>
+                <a:lnTo>
+                  <a:pt x="3946780" y="250117"/>
+                </a:lnTo>
+                <a:lnTo>
+                  <a:pt x="4092856" y="248268"/>
+                </a:lnTo>
+                <a:lnTo>
+                  <a:pt x="4240988" y="244234"/>
+                </a:lnTo>
+                <a:lnTo>
+                  <a:pt x="4390492" y="240032"/>
+                </a:lnTo>
+                <a:lnTo>
+                  <a:pt x="4539997" y="235157"/>
+                </a:lnTo>
+                <a:lnTo>
+                  <a:pt x="4690873" y="228266"/>
+                </a:lnTo>
+                <a:lnTo>
+                  <a:pt x="4843120" y="220029"/>
+                </a:lnTo>
+                <a:lnTo>
+                  <a:pt x="4996054" y="212129"/>
+                </a:lnTo>
+                <a:lnTo>
+                  <a:pt x="5148987" y="202044"/>
+                </a:lnTo>
+                <a:lnTo>
+                  <a:pt x="5303978" y="189941"/>
+                </a:lnTo>
+                <a:lnTo>
+                  <a:pt x="5456911" y="177839"/>
+                </a:lnTo>
+                <a:lnTo>
+                  <a:pt x="5612588" y="163887"/>
+                </a:lnTo>
+                <a:lnTo>
+                  <a:pt x="5768950" y="148591"/>
+                </a:lnTo>
+                <a:lnTo>
+                  <a:pt x="5923255" y="132455"/>
+                </a:lnTo>
+                <a:lnTo>
+                  <a:pt x="6079618" y="113629"/>
+                </a:lnTo>
+                <a:lnTo>
+                  <a:pt x="6235294" y="93458"/>
+                </a:lnTo>
+                <a:lnTo>
+                  <a:pt x="6391657" y="73455"/>
+                </a:lnTo>
+                <a:lnTo>
+                  <a:pt x="6547333" y="50091"/>
+                </a:lnTo>
+                <a:lnTo>
+                  <a:pt x="6702324" y="26222"/>
+                </a:lnTo>
+                <a:close/>
+              </a:path>
+            </a:pathLst>
+          </a:custGeom>
+          <a:ln>
+            <a:noFill/>
+          </a:ln>
+        </p:spPr>
+      </p:sp>
+      <p:pic>
+        <p:nvPicPr>
+          <p:cNvPr id="1028" name="Picture 4" descr="WireMock 让你轻松模拟API 2022-06-13 | Java North">
+            <a:extLst>
+              <a:ext uri="{FF2B5EF4-FFF2-40B4-BE49-F238E27FC236}">
+                <a16:creationId xmlns:a16="http://schemas.microsoft.com/office/drawing/2014/main" id="{9503E66E-8284-6A2F-BD7B-17AC2BB866D0}"/>
+              </a:ext>
+            </a:extLst>
+          </p:cNvPr>
+          <p:cNvPicPr>
+            <a:picLocks noChangeAspect="1" noChangeArrowheads="1"/>
+          </p:cNvPicPr>
+          <p:nvPr/>
+        </p:nvPicPr>
+        <p:blipFill>
+          <a:blip r:embed="rId2">
+            <a:extLst>
+              <a:ext uri="{28A0092B-C50C-407E-A947-70E740481C1C}">
+                <a14:useLocalDpi xmlns:a14="http://schemas.microsoft.com/office/drawing/2010/main" val="0"/>
+              </a:ext>
+            </a:extLst>
+          </a:blip>
+          <a:stretch>
+            <a:fillRect/>
+          </a:stretch>
+        </p:blipFill>
+        <p:spPr bwMode="auto">
+          <a:xfrm>
+            <a:off x="5900072" y="2223248"/>
+            <a:ext cx="5644230" cy="2537011"/>
+          </a:xfrm>
+          <a:prstGeom prst="rect">
+            <a:avLst/>
+          </a:prstGeom>
+          <a:noFill/>
+          <a:effectLst/>
+          <a:extLst>
+            <a:ext uri="{909E8E84-426E-40DD-AFC4-6F175D3DCCD1}">
+              <a14:hiddenFill xmlns:a14="http://schemas.microsoft.com/office/drawing/2010/main">
+                <a:solidFill>
+                  <a:srgbClr val="FFFFFF"/>
+                </a:solidFill>
+              </a14:hiddenFill>
+            </a:ext>
+          </a:extLst>
+        </p:spPr>
+      </p:pic>
+      <p:sp>
+        <p:nvSpPr>
+          <p:cNvPr id="1039" name="Rectangle 1038">
+            <a:extLst>
+              <a:ext uri="{FF2B5EF4-FFF2-40B4-BE49-F238E27FC236}">
+                <a16:creationId xmlns:a16="http://schemas.microsoft.com/office/drawing/2014/main" id="{A92A1116-1C84-41DF-B803-1F7B0883EC82}"/>
+              </a:ext>
+              <a:ext uri="{C183D7F6-B498-43B3-948B-1728B52AA6E4}">
+                <adec:decorative xmlns:adec="http://schemas.microsoft.com/office/drawing/2017/decorative" val="1"/>
+              </a:ext>
+            </a:extLst>
+          </p:cNvPr>
+          <p:cNvSpPr>
+            <a:spLocks noGrp="1" noRot="1" noChangeAspect="1" noMove="1" noResize="1" noEditPoints="1" noAdjustHandles="1" noChangeArrowheads="1" noChangeShapeType="1" noTextEdit="1"/>
+          </p:cNvSpPr>
+          <p:nvPr>
+            <p:extLst>
+              <p:ext uri="{386F3935-93C4-4BCD-93E2-E3B085C9AB24}">
+                <p16:designElem xmlns:p16="http://schemas.microsoft.com/office/powerpoint/2015/main" val="1"/>
+              </p:ext>
+            </p:extLst>
+          </p:nvPr>
+        </p:nvSpPr>
+        <p:spPr>
+          <a:xfrm>
+            <a:off x="10442448" y="0"/>
+            <a:ext cx="685800" cy="1143000"/>
+          </a:xfrm>
+          <a:prstGeom prst="rect">
+            <a:avLst/>
+          </a:prstGeom>
+          <a:solidFill>
+            <a:schemeClr val="accent1"/>
+          </a:solidFill>
+          <a:ln>
+            <a:noFill/>
+          </a:ln>
+        </p:spPr>
+        <p:style>
+          <a:lnRef idx="1">
+            <a:schemeClr val="accent1"/>
+          </a:lnRef>
+          <a:fillRef idx="3">
+            <a:schemeClr val="accent1"/>
+          </a:fillRef>
+          <a:effectRef idx="2">
+            <a:schemeClr val="accent1"/>
+          </a:effectRef>
+          <a:fontRef idx="minor">
+            <a:schemeClr val="lt1"/>
+          </a:fontRef>
+        </p:style>
+      </p:sp>
+      <p:sp>
+        <p:nvSpPr>
+          <p:cNvPr id="3" name="Content Placeholder 2">
+            <a:extLst>
+              <a:ext uri="{FF2B5EF4-FFF2-40B4-BE49-F238E27FC236}">
+                <a16:creationId xmlns:a16="http://schemas.microsoft.com/office/drawing/2014/main" id="{35C9E55F-9659-BA5A-04AF-2C4535FFC51C}"/>
+              </a:ext>
+            </a:extLst>
+          </p:cNvPr>
+          <p:cNvSpPr>
+            <a:spLocks noGrp="1"/>
+          </p:cNvSpPr>
+          <p:nvPr>
+            <p:ph idx="1"/>
+          </p:nvPr>
+        </p:nvSpPr>
+        <p:spPr>
+          <a:xfrm>
+            <a:off x="198436" y="2438400"/>
+            <a:ext cx="5449889" cy="3785419"/>
+          </a:xfrm>
+        </p:spPr>
+        <p:txBody>
+          <a:bodyPr>
+            <a:normAutofit/>
+          </a:bodyPr>
+          <a:lstStyle/>
+          <a:p>
+            <a:pPr marL="0" indent="0">
+              <a:buNone/>
+            </a:pPr>
+            <a:r>
+              <a:rPr lang="en-US" dirty="0">
+                <a:solidFill>
+                  <a:srgbClr val="EBEBEB"/>
+                </a:solidFill>
+              </a:rPr>
+              <a:t>As a standalone service :</a:t>
+            </a:r>
+            <a:br>
+              <a:rPr lang="en-US" dirty="0">
+                <a:solidFill>
+                  <a:srgbClr val="EBEBEB"/>
+                </a:solidFill>
+              </a:rPr>
+            </a:br>
+            <a:r>
+              <a:rPr lang="en-US" dirty="0">
+                <a:solidFill>
+                  <a:srgbClr val="EBEBEB"/>
+                </a:solidFill>
+              </a:rPr>
+              <a:t>Run-&gt;	</a:t>
+            </a:r>
+            <a:br>
+              <a:rPr lang="en-US" dirty="0">
+                <a:solidFill>
+                  <a:srgbClr val="EBEBEB"/>
+                </a:solidFill>
+              </a:rPr>
+            </a:br>
+            <a:r>
+              <a:rPr lang="en-US" dirty="0">
+                <a:solidFill>
+                  <a:srgbClr val="EBEBEB"/>
+                </a:solidFill>
+              </a:rPr>
+              <a:t>java -jar wiremock-jre8-standalone-2.35.0.jar</a:t>
+            </a:r>
+            <a:br>
+              <a:rPr lang="en-US" dirty="0">
+                <a:solidFill>
+                  <a:srgbClr val="EBEBEB"/>
+                </a:solidFill>
+              </a:rPr>
+            </a:br>
+            <a:br>
+              <a:rPr lang="en-US" dirty="0">
+                <a:solidFill>
+                  <a:srgbClr val="EBEBEB"/>
+                </a:solidFill>
+              </a:rPr>
+            </a:br>
+            <a:r>
+              <a:rPr lang="en-US" dirty="0">
+                <a:solidFill>
+                  <a:srgbClr val="EBEBEB"/>
+                </a:solidFill>
+                <a:hlinkClick r:id="rId3"/>
+              </a:rPr>
+              <a:t>http://localhost:8080/__admin/mappings</a:t>
+            </a:r>
+            <a:br>
+              <a:rPr lang="en-US" dirty="0">
+                <a:solidFill>
+                  <a:srgbClr val="EBEBEB"/>
+                </a:solidFill>
+              </a:rPr>
+            </a:br>
+            <a:br>
+              <a:rPr lang="en-US" dirty="0">
+                <a:solidFill>
+                  <a:srgbClr val="EBEBEB"/>
+                </a:solidFill>
+              </a:rPr>
+            </a:br>
+            <a:r>
+              <a:rPr lang="en-US" dirty="0">
+                <a:solidFill>
+                  <a:srgbClr val="EBEBEB"/>
+                </a:solidFill>
+              </a:rPr>
+              <a:t>http://localhost:8080/__admin/recorder/</a:t>
+            </a:r>
+          </a:p>
+        </p:txBody>
+      </p:sp>
+    </p:spTree>
+    <p:extLst>
+      <p:ext uri="{BB962C8B-B14F-4D97-AF65-F5344CB8AC3E}">
+        <p14:creationId xmlns:p14="http://schemas.microsoft.com/office/powerpoint/2010/main" val="2919269757"/>
+      </p:ext>
+    </p:extLst>
+  </p:cSld>
+  <p:clrMapOvr>
+    <a:overrideClrMapping bg1="lt1" tx1="dk1" bg2="lt2" tx2="dk2" accent1="accent1" accent2="accent2" accent3="accent3" accent4="accent4" accent5="accent5" accent6="accent6" hlink="hlink" folHlink="folHlink"/>
+  </p:clrMapOvr>
+</p:sld>
+</file>
+
+<file path=ppt/slides/slide21.xml><?xml version="1.0" encoding="utf-8"?>
+<p:sld xmlns:a="http://schemas.openxmlformats.org/drawingml/2006/main" xmlns:r="http://schemas.openxmlformats.org/officeDocument/2006/relationships" xmlns:p="http://schemas.openxmlformats.org/presentationml/2006/main">
+  <p:cSld>
+    <p:spTree>
+      <p:nvGrpSpPr>
+        <p:cNvPr id="1" name=""/>
+        <p:cNvGrpSpPr/>
+        <p:nvPr/>
+      </p:nvGrpSpPr>
+      <p:grpSpPr>
+        <a:xfrm>
+          <a:off x="0" y="0"/>
+          <a:ext cx="0" cy="0"/>
+          <a:chOff x="0" y="0"/>
+          <a:chExt cx="0" cy="0"/>
+        </a:xfrm>
+      </p:grpSpPr>
+      <p:sp>
+        <p:nvSpPr>
+          <p:cNvPr id="2" name="Title 1">
+            <a:extLst>
+              <a:ext uri="{FF2B5EF4-FFF2-40B4-BE49-F238E27FC236}">
+                <a16:creationId xmlns:a16="http://schemas.microsoft.com/office/drawing/2014/main" id="{DB53DDC8-E404-A494-29A6-E919A513B494}"/>
+              </a:ext>
+            </a:extLst>
+          </p:cNvPr>
+          <p:cNvSpPr>
+            <a:spLocks noGrp="1"/>
+          </p:cNvSpPr>
+          <p:nvPr>
+            <p:ph type="title"/>
+          </p:nvPr>
+        </p:nvSpPr>
+        <p:spPr/>
+        <p:txBody>
+          <a:bodyPr/>
+          <a:lstStyle/>
+          <a:p>
+            <a:r>
+              <a:rPr lang="en-US" dirty="0"/>
+              <a:t>WIREMOCK</a:t>
+            </a:r>
+          </a:p>
+        </p:txBody>
+      </p:sp>
+      <p:sp>
+        <p:nvSpPr>
+          <p:cNvPr id="3" name="Content Placeholder 2">
+            <a:extLst>
+              <a:ext uri="{FF2B5EF4-FFF2-40B4-BE49-F238E27FC236}">
+                <a16:creationId xmlns:a16="http://schemas.microsoft.com/office/drawing/2014/main" id="{B14ADB61-9397-6C97-F7DA-B47F2BF90654}"/>
+              </a:ext>
+            </a:extLst>
+          </p:cNvPr>
+          <p:cNvSpPr>
+            <a:spLocks noGrp="1"/>
+          </p:cNvSpPr>
+          <p:nvPr>
+            <p:ph idx="1"/>
+          </p:nvPr>
+        </p:nvSpPr>
+        <p:spPr>
+          <a:xfrm>
+            <a:off x="878542" y="2052918"/>
+            <a:ext cx="9171312" cy="4195481"/>
+          </a:xfrm>
+        </p:spPr>
+        <p:txBody>
+          <a:bodyPr/>
+          <a:lstStyle/>
+          <a:p>
+            <a:r>
+              <a:rPr lang="en-US" dirty="0"/>
+              <a:t>AS a JVM library in unit testing</a:t>
+            </a:r>
+            <a:br>
+              <a:rPr lang="en-US" dirty="0"/>
+            </a:br>
+            <a:br>
+              <a:rPr lang="en-US" dirty="0"/>
+            </a:br>
+            <a:r>
+              <a:rPr lang="en-US" dirty="0"/>
+              <a:t>testImplementation 'com.github.tomakehurst:wiremock:3.0.0-beta-8’</a:t>
+            </a:r>
+            <a:br>
+              <a:rPr lang="en-US" dirty="0"/>
+            </a:br>
+            <a:br>
+              <a:rPr lang="en-US" dirty="0"/>
+            </a:br>
+            <a:r>
+              <a:rPr lang="en-US" dirty="0"/>
+              <a:t>testImplementation 'junit:junit:4.13.2'</a:t>
+            </a:r>
+          </a:p>
+        </p:txBody>
+      </p:sp>
+      <p:pic>
+        <p:nvPicPr>
+          <p:cNvPr id="4" name="Picture 2" descr="Software testing Blog – Awesome Testing: Get rid of your external ...">
+            <a:extLst>
+              <a:ext uri="{FF2B5EF4-FFF2-40B4-BE49-F238E27FC236}">
+                <a16:creationId xmlns:a16="http://schemas.microsoft.com/office/drawing/2014/main" id="{28A9B7E6-FFDC-4000-9540-7A7E604B6BF5}"/>
+              </a:ext>
+            </a:extLst>
+          </p:cNvPr>
+          <p:cNvPicPr>
+            <a:picLocks noChangeAspect="1" noChangeArrowheads="1"/>
+          </p:cNvPicPr>
+          <p:nvPr/>
+        </p:nvPicPr>
+        <p:blipFill>
+          <a:blip r:embed="rId2">
+            <a:extLst>
+              <a:ext uri="{28A0092B-C50C-407E-A947-70E740481C1C}">
+                <a14:useLocalDpi xmlns:a14="http://schemas.microsoft.com/office/drawing/2010/main" val="0"/>
+              </a:ext>
+            </a:extLst>
+          </a:blip>
+          <a:stretch>
+            <a:fillRect/>
+          </a:stretch>
+        </p:blipFill>
+        <p:spPr bwMode="auto">
+          <a:xfrm>
+            <a:off x="6752524" y="3873484"/>
+            <a:ext cx="4229044" cy="2262538"/>
+          </a:xfrm>
+          <a:prstGeom prst="rect">
+            <a:avLst/>
+          </a:prstGeom>
+          <a:noFill/>
+          <a:ln>
+            <a:noFill/>
+          </a:ln>
+          <a:effectLst>
+            <a:outerShdw blurRad="190500" dist="228600" dir="2700000" algn="ctr">
+              <a:srgbClr val="000000">
+                <a:alpha val="30000"/>
+              </a:srgbClr>
+            </a:outerShdw>
+          </a:effectLst>
+          <a:scene3d>
+            <a:camera prst="orthographicFront">
+              <a:rot lat="0" lon="0" rev="0"/>
+            </a:camera>
+            <a:lightRig rig="glow" dir="t">
+              <a:rot lat="0" lon="0" rev="4800000"/>
+            </a:lightRig>
+          </a:scene3d>
+          <a:sp3d prstMaterial="matte">
+            <a:bevelT w="127000" h="63500"/>
+          </a:sp3d>
+          <a:extLst>
+            <a:ext uri="{909E8E84-426E-40DD-AFC4-6F175D3DCCD1}">
+              <a14:hiddenFill xmlns:a14="http://schemas.microsoft.com/office/drawing/2010/main">
+                <a:solidFill>
+                  <a:srgbClr val="FFFFFF"/>
+                </a:solidFill>
+              </a14:hiddenFill>
+            </a:ext>
+          </a:extLst>
+        </p:spPr>
+      </p:pic>
+    </p:spTree>
+    <p:extLst>
+      <p:ext uri="{BB962C8B-B14F-4D97-AF65-F5344CB8AC3E}">
+        <p14:creationId xmlns:p14="http://schemas.microsoft.com/office/powerpoint/2010/main" val="2124371814"/>
+      </p:ext>
+    </p:extLst>
+  </p:cSld>
+  <p:clrMapOvr>
+    <a:masterClrMapping/>
+  </p:clrMapOvr>
+</p:sld>
+</file>
+
+<file path=ppt/slides/slide22.xml><?xml version="1.0" encoding="utf-8"?>
+<p:sld xmlns:a="http://schemas.openxmlformats.org/drawingml/2006/main" xmlns:r="http://schemas.openxmlformats.org/officeDocument/2006/relationships" xmlns:p="http://schemas.openxmlformats.org/presentationml/2006/main">
+  <p:cSld>
+    <p:bg>
+      <p:bgPr>
+        <a:solidFill>
+          <a:schemeClr val="bg1"/>
+        </a:solidFill>
+        <a:effectLst/>
+      </p:bgPr>
+    </p:bg>
+    <p:spTree>
+      <p:nvGrpSpPr>
+        <p:cNvPr id="1" name=""/>
+        <p:cNvGrpSpPr/>
+        <p:nvPr/>
+      </p:nvGrpSpPr>
+      <p:grpSpPr>
+        <a:xfrm>
+          <a:off x="0" y="0"/>
+          <a:ext cx="0" cy="0"/>
+          <a:chOff x="0" y="0"/>
+          <a:chExt cx="0" cy="0"/>
+        </a:xfrm>
+      </p:grpSpPr>
+      <p:sp>
+        <p:nvSpPr>
+          <p:cNvPr id="24" name="Rectangle 8">
+            <a:extLst>
+              <a:ext uri="{FF2B5EF4-FFF2-40B4-BE49-F238E27FC236}">
+                <a16:creationId xmlns:a16="http://schemas.microsoft.com/office/drawing/2014/main" id="{EE4E366E-272A-409E-840F-9A6A64A9E3FF}"/>
+              </a:ext>
+              <a:ext uri="{C183D7F6-B498-43B3-948B-1728B52AA6E4}">
+                <adec:decorative xmlns:adec="http://schemas.microsoft.com/office/drawing/2017/decorative" val="1"/>
+              </a:ext>
+            </a:extLst>
+          </p:cNvPr>
+          <p:cNvSpPr>
+            <a:spLocks noGrp="1" noRot="1" noChangeAspect="1" noMove="1" noResize="1" noEditPoints="1" noAdjustHandles="1" noChangeArrowheads="1" noChangeShapeType="1" noTextEdit="1"/>
+          </p:cNvSpPr>
+          <p:nvPr>
+            <p:extLst>
+              <p:ext uri="{386F3935-93C4-4BCD-93E2-E3B085C9AB24}">
+                <p16:designElem xmlns:p16="http://schemas.microsoft.com/office/powerpoint/2015/main" val="1"/>
+              </p:ext>
+            </p:extLst>
+          </p:nvPr>
+        </p:nvSpPr>
+        <p:spPr>
+          <a:xfrm>
+            <a:off x="0" y="0"/>
+            <a:ext cx="12192000" cy="6858000"/>
+          </a:xfrm>
+          <a:prstGeom prst="rect">
+            <a:avLst/>
+          </a:prstGeom>
+          <a:ln>
+            <a:noFill/>
+          </a:ln>
+        </p:spPr>
+        <p:style>
+          <a:lnRef idx="2">
+            <a:schemeClr val="accent1">
+              <a:shade val="50000"/>
+            </a:schemeClr>
+          </a:lnRef>
+          <a:fillRef idx="1003">
+            <a:schemeClr val="dk2"/>
+          </a:fillRef>
+          <a:effectRef idx="0">
+            <a:schemeClr val="accent1"/>
+          </a:effectRef>
+          <a:fontRef idx="minor">
+            <a:schemeClr val="lt1"/>
+          </a:fontRef>
+        </p:style>
+        <p:txBody>
+          <a:bodyPr rtlCol="0" anchor="ctr"/>
+          <a:lstStyle/>
+          <a:p>
+            <a:pPr algn="ctr"/>
+            <a:endParaRPr lang="en-US"/>
+          </a:p>
+        </p:txBody>
+      </p:sp>
+      <p:sp>
+        <p:nvSpPr>
+          <p:cNvPr id="25" name="Rectangle 10">
+            <a:extLst>
+              <a:ext uri="{FF2B5EF4-FFF2-40B4-BE49-F238E27FC236}">
+                <a16:creationId xmlns:a16="http://schemas.microsoft.com/office/drawing/2014/main" id="{A721560C-E4AB-4287-A29C-3F6916794CB9}"/>
+              </a:ext>
+              <a:ext uri="{C183D7F6-B498-43B3-948B-1728B52AA6E4}">
+                <adec:decorative xmlns:adec="http://schemas.microsoft.com/office/drawing/2017/decorative" val="1"/>
+              </a:ext>
+            </a:extLst>
+          </p:cNvPr>
+          <p:cNvSpPr>
+            <a:spLocks noGrp="1" noRot="1" noChangeAspect="1" noMove="1" noResize="1" noEditPoints="1" noAdjustHandles="1" noChangeArrowheads="1" noChangeShapeType="1" noTextEdit="1"/>
+          </p:cNvSpPr>
+          <p:nvPr>
+            <p:extLst>
+              <p:ext uri="{386F3935-93C4-4BCD-93E2-E3B085C9AB24}">
+                <p16:designElem xmlns:p16="http://schemas.microsoft.com/office/powerpoint/2015/main" val="1"/>
+              </p:ext>
+            </p:extLst>
+          </p:nvPr>
+        </p:nvSpPr>
+        <p:spPr>
+          <a:xfrm>
+            <a:off x="10442448" y="0"/>
+            <a:ext cx="685800" cy="1143000"/>
+          </a:xfrm>
+          <a:prstGeom prst="rect">
+            <a:avLst/>
+          </a:prstGeom>
+          <a:solidFill>
+            <a:schemeClr val="accent1"/>
+          </a:solidFill>
+          <a:ln>
+            <a:noFill/>
+          </a:ln>
+        </p:spPr>
+        <p:style>
+          <a:lnRef idx="1">
+            <a:schemeClr val="accent1"/>
+          </a:lnRef>
+          <a:fillRef idx="3">
+            <a:schemeClr val="accent1"/>
+          </a:fillRef>
+          <a:effectRef idx="2">
+            <a:schemeClr val="accent1"/>
+          </a:effectRef>
+          <a:fontRef idx="minor">
+            <a:schemeClr val="lt1"/>
+          </a:fontRef>
+        </p:style>
+      </p:sp>
+      <p:sp>
+        <p:nvSpPr>
+          <p:cNvPr id="26" name="Freeform 7">
+            <a:extLst>
+              <a:ext uri="{FF2B5EF4-FFF2-40B4-BE49-F238E27FC236}">
+                <a16:creationId xmlns:a16="http://schemas.microsoft.com/office/drawing/2014/main" id="{DF6CFF07-D953-4F9C-9A0E-E0A6AACB6158}"/>
+              </a:ext>
+              <a:ext uri="{C183D7F6-B498-43B3-948B-1728B52AA6E4}">
+                <adec:decorative xmlns:adec="http://schemas.microsoft.com/office/drawing/2017/decorative" val="1"/>
+              </a:ext>
+            </a:extLst>
+          </p:cNvPr>
+          <p:cNvSpPr>
+            <a:spLocks noGrp="1" noRot="1" noChangeAspect="1" noMove="1" noResize="1" noEditPoints="1" noAdjustHandles="1" noChangeArrowheads="1" noChangeShapeType="1" noTextEdit="1"/>
+          </p:cNvSpPr>
+          <p:nvPr>
+            <p:extLst>
+              <p:ext uri="{386F3935-93C4-4BCD-93E2-E3B085C9AB24}">
+                <p16:designElem xmlns:p16="http://schemas.microsoft.com/office/powerpoint/2015/main" val="1"/>
+              </p:ext>
+            </p:extLst>
+          </p:nvPr>
+        </p:nvSpPr>
+        <p:spPr>
+          <a:xfrm>
+            <a:off x="8719939" y="1460230"/>
+            <a:ext cx="3472060" cy="825932"/>
+          </a:xfrm>
+          <a:custGeom>
+            <a:avLst/>
+            <a:gdLst>
+              <a:gd name="connsiteX0" fmla="*/ 3470310 w 3472060"/>
+              <a:gd name="connsiteY0" fmla="*/ 0 h 825932"/>
+              <a:gd name="connsiteX1" fmla="*/ 3472060 w 3472060"/>
+              <a:gd name="connsiteY1" fmla="*/ 12850 h 825932"/>
+              <a:gd name="connsiteX2" fmla="*/ 3472060 w 3472060"/>
+              <a:gd name="connsiteY2" fmla="*/ 480529 h 825932"/>
+              <a:gd name="connsiteX3" fmla="*/ 3363699 w 3472060"/>
+              <a:gd name="connsiteY3" fmla="*/ 498471 h 825932"/>
+              <a:gd name="connsiteX4" fmla="*/ 42060 w 3472060"/>
+              <a:gd name="connsiteY4" fmla="*/ 824486 h 825932"/>
+              <a:gd name="connsiteX5" fmla="*/ 0 w 3472060"/>
+              <a:gd name="connsiteY5" fmla="*/ 758452 h 825932"/>
+              <a:gd name="connsiteX6" fmla="*/ 188014 w 3472060"/>
+              <a:gd name="connsiteY6" fmla="*/ 735602 h 825932"/>
+              <a:gd name="connsiteX7" fmla="*/ 284087 w 3472060"/>
+              <a:gd name="connsiteY7" fmla="*/ 722590 h 825932"/>
+              <a:gd name="connsiteX8" fmla="*/ 382288 w 3472060"/>
+              <a:gd name="connsiteY8" fmla="*/ 709392 h 825932"/>
+              <a:gd name="connsiteX9" fmla="*/ 481858 w 3472060"/>
+              <a:gd name="connsiteY9" fmla="*/ 695774 h 825932"/>
+              <a:gd name="connsiteX10" fmla="*/ 581897 w 3472060"/>
+              <a:gd name="connsiteY10" fmla="*/ 680711 h 825932"/>
+              <a:gd name="connsiteX11" fmla="*/ 683670 w 3472060"/>
+              <a:gd name="connsiteY11" fmla="*/ 665256 h 825932"/>
+              <a:gd name="connsiteX12" fmla="*/ 787206 w 3472060"/>
+              <a:gd name="connsiteY12" fmla="*/ 649587 h 825932"/>
+              <a:gd name="connsiteX13" fmla="*/ 892019 w 3472060"/>
+              <a:gd name="connsiteY13" fmla="*/ 632968 h 825932"/>
+              <a:gd name="connsiteX14" fmla="*/ 997620 w 3472060"/>
+              <a:gd name="connsiteY14" fmla="*/ 614667 h 825932"/>
+              <a:gd name="connsiteX15" fmla="*/ 1104727 w 3472060"/>
+              <a:gd name="connsiteY15" fmla="*/ 596741 h 825932"/>
+              <a:gd name="connsiteX16" fmla="*/ 1212669 w 3472060"/>
+              <a:gd name="connsiteY16" fmla="*/ 577397 h 825932"/>
+              <a:gd name="connsiteX17" fmla="*/ 1321506 w 3472060"/>
+              <a:gd name="connsiteY17" fmla="*/ 556988 h 825932"/>
+              <a:gd name="connsiteX18" fmla="*/ 1430709 w 3472060"/>
+              <a:gd name="connsiteY18" fmla="*/ 536607 h 825932"/>
+              <a:gd name="connsiteX19" fmla="*/ 1541050 w 3472060"/>
+              <a:gd name="connsiteY19" fmla="*/ 514481 h 825932"/>
+              <a:gd name="connsiteX20" fmla="*/ 1652805 w 3472060"/>
+              <a:gd name="connsiteY20" fmla="*/ 492202 h 825932"/>
+              <a:gd name="connsiteX21" fmla="*/ 1763708 w 3472060"/>
+              <a:gd name="connsiteY21" fmla="*/ 469161 h 825932"/>
+              <a:gd name="connsiteX22" fmla="*/ 1875795 w 3472060"/>
+              <a:gd name="connsiteY22" fmla="*/ 444641 h 825932"/>
+              <a:gd name="connsiteX23" fmla="*/ 1989128 w 3472060"/>
+              <a:gd name="connsiteY23" fmla="*/ 418995 h 825932"/>
+              <a:gd name="connsiteX24" fmla="*/ 2102476 w 3472060"/>
+              <a:gd name="connsiteY24" fmla="*/ 393438 h 825932"/>
+              <a:gd name="connsiteX25" fmla="*/ 2215549 w 3472060"/>
+              <a:gd name="connsiteY25" fmla="*/ 366291 h 825932"/>
+              <a:gd name="connsiteX26" fmla="*/ 2330490 w 3472060"/>
+              <a:gd name="connsiteY26" fmla="*/ 337455 h 825932"/>
+              <a:gd name="connsiteX27" fmla="*/ 2443333 w 3472060"/>
+              <a:gd name="connsiteY27" fmla="*/ 308983 h 825932"/>
+              <a:gd name="connsiteX28" fmla="*/ 2558014 w 3472060"/>
+              <a:gd name="connsiteY28" fmla="*/ 278646 h 825932"/>
+              <a:gd name="connsiteX29" fmla="*/ 2673621 w 3472060"/>
+              <a:gd name="connsiteY29" fmla="*/ 247421 h 825932"/>
+              <a:gd name="connsiteX30" fmla="*/ 2787008 w 3472060"/>
+              <a:gd name="connsiteY30" fmla="*/ 215853 h 825932"/>
+              <a:gd name="connsiteX31" fmla="*/ 2901442 w 3472060"/>
+              <a:gd name="connsiteY31" fmla="*/ 182011 h 825932"/>
+              <a:gd name="connsiteX32" fmla="*/ 3015722 w 3472060"/>
+              <a:gd name="connsiteY32" fmla="*/ 147286 h 825932"/>
+              <a:gd name="connsiteX33" fmla="*/ 3130018 w 3472060"/>
+              <a:gd name="connsiteY33" fmla="*/ 112649 h 825932"/>
+              <a:gd name="connsiteX34" fmla="*/ 3243551 w 3472060"/>
+              <a:gd name="connsiteY34" fmla="*/ 75688 h 825932"/>
+              <a:gd name="connsiteX35" fmla="*/ 3356992 w 3472060"/>
+              <a:gd name="connsiteY35" fmla="*/ 38197 h 825932"/>
+              <a:gd name="connsiteX36" fmla="*/ 3470310 w 3472060"/>
+              <a:gd name="connsiteY36" fmla="*/ 0 h 825932"/>
+            </a:gdLst>
+            <a:ahLst/>
+            <a:cxnLst>
+              <a:cxn ang="0">
+                <a:pos x="connsiteX0" y="connsiteY0"/>
+              </a:cxn>
+              <a:cxn ang="0">
+                <a:pos x="connsiteX1" y="connsiteY1"/>
+              </a:cxn>
+              <a:cxn ang="0">
+                <a:pos x="connsiteX2" y="connsiteY2"/>
+              </a:cxn>
+              <a:cxn ang="0">
+                <a:pos x="connsiteX3" y="connsiteY3"/>
+              </a:cxn>
+              <a:cxn ang="0">
+                <a:pos x="connsiteX4" y="connsiteY4"/>
+              </a:cxn>
+              <a:cxn ang="0">
+                <a:pos x="connsiteX5" y="connsiteY5"/>
+              </a:cxn>
+              <a:cxn ang="0">
+                <a:pos x="connsiteX6" y="connsiteY6"/>
+              </a:cxn>
+              <a:cxn ang="0">
+                <a:pos x="connsiteX7" y="connsiteY7"/>
+              </a:cxn>
+              <a:cxn ang="0">
+                <a:pos x="connsiteX8" y="connsiteY8"/>
+              </a:cxn>
+              <a:cxn ang="0">
+                <a:pos x="connsiteX9" y="connsiteY9"/>
+              </a:cxn>
+              <a:cxn ang="0">
+                <a:pos x="connsiteX10" y="connsiteY10"/>
+              </a:cxn>
+              <a:cxn ang="0">
+                <a:pos x="connsiteX11" y="connsiteY11"/>
+              </a:cxn>
+              <a:cxn ang="0">
+                <a:pos x="connsiteX12" y="connsiteY12"/>
+              </a:cxn>
+              <a:cxn ang="0">
+                <a:pos x="connsiteX13" y="connsiteY13"/>
+              </a:cxn>
+              <a:cxn ang="0">
+                <a:pos x="connsiteX14" y="connsiteY14"/>
+              </a:cxn>
+              <a:cxn ang="0">
+                <a:pos x="connsiteX15" y="connsiteY15"/>
+              </a:cxn>
+              <a:cxn ang="0">
+                <a:pos x="connsiteX16" y="connsiteY16"/>
+              </a:cxn>
+              <a:cxn ang="0">
+                <a:pos x="connsiteX17" y="connsiteY17"/>
+              </a:cxn>
+              <a:cxn ang="0">
+                <a:pos x="connsiteX18" y="connsiteY18"/>
+              </a:cxn>
+              <a:cxn ang="0">
+                <a:pos x="connsiteX19" y="connsiteY19"/>
+              </a:cxn>
+              <a:cxn ang="0">
+                <a:pos x="connsiteX20" y="connsiteY20"/>
+              </a:cxn>
+              <a:cxn ang="0">
+                <a:pos x="connsiteX21" y="connsiteY21"/>
+              </a:cxn>
+              <a:cxn ang="0">
+                <a:pos x="connsiteX22" y="connsiteY22"/>
+              </a:cxn>
+              <a:cxn ang="0">
+                <a:pos x="connsiteX23" y="connsiteY23"/>
+              </a:cxn>
+              <a:cxn ang="0">
+                <a:pos x="connsiteX24" y="connsiteY24"/>
+              </a:cxn>
+              <a:cxn ang="0">
+                <a:pos x="connsiteX25" y="connsiteY25"/>
+              </a:cxn>
+              <a:cxn ang="0">
+                <a:pos x="connsiteX26" y="connsiteY26"/>
+              </a:cxn>
+              <a:cxn ang="0">
+                <a:pos x="connsiteX27" y="connsiteY27"/>
+              </a:cxn>
+              <a:cxn ang="0">
+                <a:pos x="connsiteX28" y="connsiteY28"/>
+              </a:cxn>
+              <a:cxn ang="0">
+                <a:pos x="connsiteX29" y="connsiteY29"/>
+              </a:cxn>
+              <a:cxn ang="0">
+                <a:pos x="connsiteX30" y="connsiteY30"/>
+              </a:cxn>
+              <a:cxn ang="0">
+                <a:pos x="connsiteX31" y="connsiteY31"/>
+              </a:cxn>
+              <a:cxn ang="0">
+                <a:pos x="connsiteX32" y="connsiteY32"/>
+              </a:cxn>
+              <a:cxn ang="0">
+                <a:pos x="connsiteX33" y="connsiteY33"/>
+              </a:cxn>
+              <a:cxn ang="0">
+                <a:pos x="connsiteX34" y="connsiteY34"/>
+              </a:cxn>
+              <a:cxn ang="0">
+                <a:pos x="connsiteX35" y="connsiteY35"/>
+              </a:cxn>
+              <a:cxn ang="0">
+                <a:pos x="connsiteX36" y="connsiteY36"/>
+              </a:cxn>
+            </a:cxnLst>
+            <a:rect l="l" t="t" r="r" b="b"/>
+            <a:pathLst>
+              <a:path w="3472060" h="825932">
+                <a:moveTo>
+                  <a:pt x="3470310" y="0"/>
+                </a:moveTo>
+                <a:lnTo>
+                  <a:pt x="3472060" y="12850"/>
+                </a:lnTo>
+                <a:lnTo>
+                  <a:pt x="3472060" y="480529"/>
+                </a:lnTo>
+                <a:lnTo>
+                  <a:pt x="3363699" y="498471"/>
+                </a:lnTo>
+                <a:cubicBezTo>
+                  <a:pt x="2435623" y="645518"/>
+                  <a:pt x="603076" y="844866"/>
+                  <a:pt x="42060" y="824486"/>
+                </a:cubicBezTo>
+                <a:cubicBezTo>
+                  <a:pt x="28151" y="802425"/>
+                  <a:pt x="13909" y="780513"/>
+                  <a:pt x="0" y="758452"/>
+                </a:cubicBezTo>
+                <a:lnTo>
+                  <a:pt x="188014" y="735602"/>
+                </a:lnTo>
+                <a:lnTo>
+                  <a:pt x="284087" y="722590"/>
+                </a:lnTo>
+                <a:lnTo>
+                  <a:pt x="382288" y="709392"/>
+                </a:lnTo>
+                <a:lnTo>
+                  <a:pt x="481858" y="695774"/>
+                </a:lnTo>
+                <a:lnTo>
+                  <a:pt x="581897" y="680711"/>
+                </a:lnTo>
+                <a:lnTo>
+                  <a:pt x="683670" y="665256"/>
+                </a:lnTo>
+                <a:lnTo>
+                  <a:pt x="787206" y="649587"/>
+                </a:lnTo>
+                <a:lnTo>
+                  <a:pt x="892019" y="632968"/>
+                </a:lnTo>
+                <a:lnTo>
+                  <a:pt x="997620" y="614667"/>
+                </a:lnTo>
+                <a:lnTo>
+                  <a:pt x="1104727" y="596741"/>
+                </a:lnTo>
+                <a:lnTo>
+                  <a:pt x="1212669" y="577397"/>
+                </a:lnTo>
+                <a:lnTo>
+                  <a:pt x="1321506" y="556988"/>
+                </a:lnTo>
+                <a:lnTo>
+                  <a:pt x="1430709" y="536607"/>
+                </a:lnTo>
+                <a:lnTo>
+                  <a:pt x="1541050" y="514481"/>
+                </a:lnTo>
+                <a:lnTo>
+                  <a:pt x="1652805" y="492202"/>
+                </a:lnTo>
+                <a:lnTo>
+                  <a:pt x="1763708" y="469161"/>
+                </a:lnTo>
+                <a:lnTo>
+                  <a:pt x="1875795" y="444641"/>
+                </a:lnTo>
+                <a:lnTo>
+                  <a:pt x="1989128" y="418995"/>
+                </a:lnTo>
+                <a:lnTo>
+                  <a:pt x="2102476" y="393438"/>
+                </a:lnTo>
+                <a:lnTo>
+                  <a:pt x="2215549" y="366291"/>
+                </a:lnTo>
+                <a:lnTo>
+                  <a:pt x="2330490" y="337455"/>
+                </a:lnTo>
+                <a:lnTo>
+                  <a:pt x="2443333" y="308983"/>
+                </a:lnTo>
+                <a:lnTo>
+                  <a:pt x="2558014" y="278646"/>
+                </a:lnTo>
+                <a:lnTo>
+                  <a:pt x="2673621" y="247421"/>
+                </a:lnTo>
+                <a:lnTo>
+                  <a:pt x="2787008" y="215853"/>
+                </a:lnTo>
+                <a:lnTo>
+                  <a:pt x="2901442" y="182011"/>
+                </a:lnTo>
+                <a:lnTo>
+                  <a:pt x="3015722" y="147286"/>
+                </a:lnTo>
+                <a:lnTo>
+                  <a:pt x="3130018" y="112649"/>
+                </a:lnTo>
+                <a:lnTo>
+                  <a:pt x="3243551" y="75688"/>
+                </a:lnTo>
+                <a:lnTo>
+                  <a:pt x="3356992" y="38197"/>
+                </a:lnTo>
+                <a:lnTo>
+                  <a:pt x="3470310" y="0"/>
+                </a:lnTo>
+                <a:close/>
+              </a:path>
+            </a:pathLst>
+          </a:custGeom>
+          <a:solidFill>
+            <a:schemeClr val="bg1">
+              <a:alpha val="20000"/>
+            </a:schemeClr>
+          </a:solidFill>
+          <a:ln>
+            <a:noFill/>
+          </a:ln>
+        </p:spPr>
+        <p:txBody>
+          <a:bodyPr rtlCol="0" anchor="ctr"/>
+          <a:lstStyle/>
+          <a:p>
+            <a:pPr algn="ctr"/>
+            <a:endParaRPr lang="en-US">
+              <a:solidFill>
+                <a:schemeClr val="tx1"/>
+              </a:solidFill>
+            </a:endParaRPr>
+          </a:p>
+        </p:txBody>
+      </p:sp>
+      <p:sp>
+        <p:nvSpPr>
+          <p:cNvPr id="2" name="Title 1">
+            <a:extLst>
+              <a:ext uri="{FF2B5EF4-FFF2-40B4-BE49-F238E27FC236}">
+                <a16:creationId xmlns:a16="http://schemas.microsoft.com/office/drawing/2014/main" id="{C805ABD0-5745-FDC3-8F96-4833708C1038}"/>
+              </a:ext>
+            </a:extLst>
+          </p:cNvPr>
+          <p:cNvSpPr>
+            <a:spLocks noGrp="1"/>
+          </p:cNvSpPr>
+          <p:nvPr>
+            <p:ph type="title"/>
+          </p:nvPr>
+        </p:nvSpPr>
+        <p:spPr>
+          <a:xfrm>
+            <a:off x="648930" y="629267"/>
+            <a:ext cx="9252154" cy="1016654"/>
+          </a:xfrm>
+        </p:spPr>
+        <p:txBody>
+          <a:bodyPr>
+            <a:normAutofit/>
+          </a:bodyPr>
+          <a:lstStyle/>
+          <a:p>
+            <a:r>
+              <a:rPr lang="en-US">
+                <a:solidFill>
+                  <a:srgbClr val="EBEBEB"/>
+                </a:solidFill>
+              </a:rPr>
+              <a:t>CONCLUSION</a:t>
+            </a:r>
+          </a:p>
+        </p:txBody>
+      </p:sp>
+      <p:sp useBgFill="1">
+        <p:nvSpPr>
+          <p:cNvPr id="27" name="Freeform: Shape 14">
+            <a:extLst>
+              <a:ext uri="{FF2B5EF4-FFF2-40B4-BE49-F238E27FC236}">
+                <a16:creationId xmlns:a16="http://schemas.microsoft.com/office/drawing/2014/main" id="{DAA4FEEE-0B5F-41BF-825D-60F9FB089568}"/>
+              </a:ext>
+              <a:ext uri="{C183D7F6-B498-43B3-948B-1728B52AA6E4}">
+                <adec:decorative xmlns:adec="http://schemas.microsoft.com/office/drawing/2017/decorative" val="1"/>
+              </a:ext>
+            </a:extLst>
+          </p:cNvPr>
+          <p:cNvSpPr>
+            <a:spLocks noGrp="1" noRot="1" noChangeAspect="1" noMove="1" noResize="1" noEditPoints="1" noAdjustHandles="1" noChangeArrowheads="1" noChangeShapeType="1" noTextEdit="1"/>
+          </p:cNvSpPr>
+          <p:nvPr>
+            <p:extLst>
+              <p:ext uri="{386F3935-93C4-4BCD-93E2-E3B085C9AB24}">
+                <p16:designElem xmlns:p16="http://schemas.microsoft.com/office/powerpoint/2015/main" val="1"/>
+              </p:ext>
+            </p:extLst>
+          </p:nvPr>
+        </p:nvSpPr>
+        <p:spPr bwMode="gray">
+          <a:xfrm>
+            <a:off x="1" y="1762067"/>
+            <a:ext cx="12192417" cy="5095933"/>
+          </a:xfrm>
+          <a:custGeom>
+            <a:avLst/>
+            <a:gdLst>
+              <a:gd name="connsiteX0" fmla="*/ 0 w 12192417"/>
+              <a:gd name="connsiteY0" fmla="*/ 0 h 5095933"/>
+              <a:gd name="connsiteX1" fmla="*/ 71931 w 12192417"/>
+              <a:gd name="connsiteY1" fmla="*/ 12261 h 5095933"/>
+              <a:gd name="connsiteX2" fmla="*/ 282848 w 12192417"/>
+              <a:gd name="connsiteY2" fmla="*/ 48343 h 5095933"/>
+              <a:gd name="connsiteX3" fmla="*/ 436463 w 12192417"/>
+              <a:gd name="connsiteY3" fmla="*/ 73565 h 5095933"/>
+              <a:gd name="connsiteX4" fmla="*/ 619338 w 12192417"/>
+              <a:gd name="connsiteY4" fmla="*/ 100188 h 5095933"/>
+              <a:gd name="connsiteX5" fmla="*/ 836350 w 12192417"/>
+              <a:gd name="connsiteY5" fmla="*/ 132066 h 5095933"/>
+              <a:gd name="connsiteX6" fmla="*/ 1076527 w 12192417"/>
+              <a:gd name="connsiteY6" fmla="*/ 165696 h 5095933"/>
+              <a:gd name="connsiteX7" fmla="*/ 1347183 w 12192417"/>
+              <a:gd name="connsiteY7" fmla="*/ 201077 h 5095933"/>
+              <a:gd name="connsiteX8" fmla="*/ 1642222 w 12192417"/>
+              <a:gd name="connsiteY8" fmla="*/ 238560 h 5095933"/>
+              <a:gd name="connsiteX9" fmla="*/ 1962863 w 12192417"/>
+              <a:gd name="connsiteY9" fmla="*/ 276043 h 5095933"/>
+              <a:gd name="connsiteX10" fmla="*/ 2304231 w 12192417"/>
+              <a:gd name="connsiteY10" fmla="*/ 314227 h 5095933"/>
+              <a:gd name="connsiteX11" fmla="*/ 2672420 w 12192417"/>
+              <a:gd name="connsiteY11" fmla="*/ 349608 h 5095933"/>
+              <a:gd name="connsiteX12" fmla="*/ 3057677 w 12192417"/>
+              <a:gd name="connsiteY12" fmla="*/ 383588 h 5095933"/>
+              <a:gd name="connsiteX13" fmla="*/ 3464880 w 12192417"/>
+              <a:gd name="connsiteY13" fmla="*/ 414415 h 5095933"/>
+              <a:gd name="connsiteX14" fmla="*/ 3889151 w 12192417"/>
+              <a:gd name="connsiteY14" fmla="*/ 443841 h 5095933"/>
+              <a:gd name="connsiteX15" fmla="*/ 4331709 w 12192417"/>
+              <a:gd name="connsiteY15" fmla="*/ 471515 h 5095933"/>
+              <a:gd name="connsiteX16" fmla="*/ 4558475 w 12192417"/>
+              <a:gd name="connsiteY16" fmla="*/ 481324 h 5095933"/>
+              <a:gd name="connsiteX17" fmla="*/ 4790117 w 12192417"/>
+              <a:gd name="connsiteY17" fmla="*/ 492183 h 5095933"/>
+              <a:gd name="connsiteX18" fmla="*/ 5025417 w 12192417"/>
+              <a:gd name="connsiteY18" fmla="*/ 502342 h 5095933"/>
+              <a:gd name="connsiteX19" fmla="*/ 5261936 w 12192417"/>
+              <a:gd name="connsiteY19" fmla="*/ 508998 h 5095933"/>
+              <a:gd name="connsiteX20" fmla="*/ 5503331 w 12192417"/>
+              <a:gd name="connsiteY20" fmla="*/ 514953 h 5095933"/>
+              <a:gd name="connsiteX21" fmla="*/ 5747166 w 12192417"/>
+              <a:gd name="connsiteY21" fmla="*/ 521259 h 5095933"/>
+              <a:gd name="connsiteX22" fmla="*/ 5995876 w 12192417"/>
+              <a:gd name="connsiteY22" fmla="*/ 525463 h 5095933"/>
+              <a:gd name="connsiteX23" fmla="*/ 6247025 w 12192417"/>
+              <a:gd name="connsiteY23" fmla="*/ 525463 h 5095933"/>
+              <a:gd name="connsiteX24" fmla="*/ 6500612 w 12192417"/>
+              <a:gd name="connsiteY24" fmla="*/ 527565 h 5095933"/>
+              <a:gd name="connsiteX25" fmla="*/ 6756638 w 12192417"/>
+              <a:gd name="connsiteY25" fmla="*/ 525463 h 5095933"/>
+              <a:gd name="connsiteX26" fmla="*/ 7016321 w 12192417"/>
+              <a:gd name="connsiteY26" fmla="*/ 521259 h 5095933"/>
+              <a:gd name="connsiteX27" fmla="*/ 7276004 w 12192417"/>
+              <a:gd name="connsiteY27" fmla="*/ 517406 h 5095933"/>
+              <a:gd name="connsiteX28" fmla="*/ 7539344 w 12192417"/>
+              <a:gd name="connsiteY28" fmla="*/ 508998 h 5095933"/>
+              <a:gd name="connsiteX29" fmla="*/ 7805123 w 12192417"/>
+              <a:gd name="connsiteY29" fmla="*/ 500241 h 5095933"/>
+              <a:gd name="connsiteX30" fmla="*/ 8070902 w 12192417"/>
+              <a:gd name="connsiteY30" fmla="*/ 490082 h 5095933"/>
+              <a:gd name="connsiteX31" fmla="*/ 8339120 w 12192417"/>
+              <a:gd name="connsiteY31" fmla="*/ 475719 h 5095933"/>
+              <a:gd name="connsiteX32" fmla="*/ 8609775 w 12192417"/>
+              <a:gd name="connsiteY32" fmla="*/ 458554 h 5095933"/>
+              <a:gd name="connsiteX33" fmla="*/ 8881650 w 12192417"/>
+              <a:gd name="connsiteY33" fmla="*/ 442089 h 5095933"/>
+              <a:gd name="connsiteX34" fmla="*/ 9153525 w 12192417"/>
+              <a:gd name="connsiteY34" fmla="*/ 421071 h 5095933"/>
+              <a:gd name="connsiteX35" fmla="*/ 9429057 w 12192417"/>
+              <a:gd name="connsiteY35" fmla="*/ 395849 h 5095933"/>
+              <a:gd name="connsiteX36" fmla="*/ 9700932 w 12192417"/>
+              <a:gd name="connsiteY36" fmla="*/ 370626 h 5095933"/>
+              <a:gd name="connsiteX37" fmla="*/ 9977683 w 12192417"/>
+              <a:gd name="connsiteY37" fmla="*/ 341551 h 5095933"/>
+              <a:gd name="connsiteX38" fmla="*/ 10255654 w 12192417"/>
+              <a:gd name="connsiteY38" fmla="*/ 309673 h 5095933"/>
+              <a:gd name="connsiteX39" fmla="*/ 10529967 w 12192417"/>
+              <a:gd name="connsiteY39" fmla="*/ 276043 h 5095933"/>
+              <a:gd name="connsiteX40" fmla="*/ 10807938 w 12192417"/>
+              <a:gd name="connsiteY40" fmla="*/ 236809 h 5095933"/>
+              <a:gd name="connsiteX41" fmla="*/ 11084689 w 12192417"/>
+              <a:gd name="connsiteY41" fmla="*/ 194772 h 5095933"/>
+              <a:gd name="connsiteX42" fmla="*/ 11362660 w 12192417"/>
+              <a:gd name="connsiteY42" fmla="*/ 153085 h 5095933"/>
+              <a:gd name="connsiteX43" fmla="*/ 11639411 w 12192417"/>
+              <a:gd name="connsiteY43" fmla="*/ 104392 h 5095933"/>
+              <a:gd name="connsiteX44" fmla="*/ 11914944 w 12192417"/>
+              <a:gd name="connsiteY44" fmla="*/ 54648 h 5095933"/>
+              <a:gd name="connsiteX45" fmla="*/ 12191695 w 12192417"/>
+              <a:gd name="connsiteY45" fmla="*/ 2452 h 5095933"/>
+              <a:gd name="connsiteX46" fmla="*/ 12191695 w 12192417"/>
+              <a:gd name="connsiteY46" fmla="*/ 2162231 h 5095933"/>
+              <a:gd name="connsiteX47" fmla="*/ 12192417 w 12192417"/>
+              <a:gd name="connsiteY47" fmla="*/ 2162231 h 5095933"/>
+              <a:gd name="connsiteX48" fmla="*/ 12192417 w 12192417"/>
+              <a:gd name="connsiteY48" fmla="*/ 5095933 h 5095933"/>
+              <a:gd name="connsiteX49" fmla="*/ 0 w 12192417"/>
+              <a:gd name="connsiteY49" fmla="*/ 5095933 h 5095933"/>
+              <a:gd name="connsiteX50" fmla="*/ 0 w 12192417"/>
+              <a:gd name="connsiteY50" fmla="*/ 2791958 h 5095933"/>
+              <a:gd name="connsiteX51" fmla="*/ 0 w 12192417"/>
+              <a:gd name="connsiteY51" fmla="*/ 2162231 h 5095933"/>
+            </a:gdLst>
+            <a:ahLst/>
+            <a:cxnLst>
+              <a:cxn ang="0">
+                <a:pos x="connsiteX0" y="connsiteY0"/>
+              </a:cxn>
+              <a:cxn ang="0">
+                <a:pos x="connsiteX1" y="connsiteY1"/>
+              </a:cxn>
+              <a:cxn ang="0">
+                <a:pos x="connsiteX2" y="connsiteY2"/>
+              </a:cxn>
+              <a:cxn ang="0">
+                <a:pos x="connsiteX3" y="connsiteY3"/>
+              </a:cxn>
+              <a:cxn ang="0">
+                <a:pos x="connsiteX4" y="connsiteY4"/>
+              </a:cxn>
+              <a:cxn ang="0">
+                <a:pos x="connsiteX5" y="connsiteY5"/>
+              </a:cxn>
+              <a:cxn ang="0">
+                <a:pos x="connsiteX6" y="connsiteY6"/>
+              </a:cxn>
+              <a:cxn ang="0">
+                <a:pos x="connsiteX7" y="connsiteY7"/>
+              </a:cxn>
+              <a:cxn ang="0">
+                <a:pos x="connsiteX8" y="connsiteY8"/>
+              </a:cxn>
+              <a:cxn ang="0">
+                <a:pos x="connsiteX9" y="connsiteY9"/>
+              </a:cxn>
+              <a:cxn ang="0">
+                <a:pos x="connsiteX10" y="connsiteY10"/>
+              </a:cxn>
+              <a:cxn ang="0">
+                <a:pos x="connsiteX11" y="connsiteY11"/>
+              </a:cxn>
+              <a:cxn ang="0">
+                <a:pos x="connsiteX12" y="connsiteY12"/>
+              </a:cxn>
+              <a:cxn ang="0">
+                <a:pos x="connsiteX13" y="connsiteY13"/>
+              </a:cxn>
+              <a:cxn ang="0">
+                <a:pos x="connsiteX14" y="connsiteY14"/>
+              </a:cxn>
+              <a:cxn ang="0">
+                <a:pos x="connsiteX15" y="connsiteY15"/>
+              </a:cxn>
+              <a:cxn ang="0">
+                <a:pos x="connsiteX16" y="connsiteY16"/>
+              </a:cxn>
+              <a:cxn ang="0">
+                <a:pos x="connsiteX17" y="connsiteY17"/>
+              </a:cxn>
+              <a:cxn ang="0">
+                <a:pos x="connsiteX18" y="connsiteY18"/>
+              </a:cxn>
+              <a:cxn ang="0">
+                <a:pos x="connsiteX19" y="connsiteY19"/>
+              </a:cxn>
+              <a:cxn ang="0">
+                <a:pos x="connsiteX20" y="connsiteY20"/>
+              </a:cxn>
+              <a:cxn ang="0">
+                <a:pos x="connsiteX21" y="connsiteY21"/>
+              </a:cxn>
+              <a:cxn ang="0">
+                <a:pos x="connsiteX22" y="connsiteY22"/>
+              </a:cxn>
+              <a:cxn ang="0">
+                <a:pos x="connsiteX23" y="connsiteY23"/>
+              </a:cxn>
+              <a:cxn ang="0">
+                <a:pos x="connsiteX24" y="connsiteY24"/>
+              </a:cxn>
+              <a:cxn ang="0">
+                <a:pos x="connsiteX25" y="connsiteY25"/>
+              </a:cxn>
+              <a:cxn ang="0">
+                <a:pos x="connsiteX26" y="connsiteY26"/>
+              </a:cxn>
+              <a:cxn ang="0">
+                <a:pos x="connsiteX27" y="connsiteY27"/>
+              </a:cxn>
+              <a:cxn ang="0">
+                <a:pos x="connsiteX28" y="connsiteY28"/>
+              </a:cxn>
+              <a:cxn ang="0">
+                <a:pos x="connsiteX29" y="connsiteY29"/>
+              </a:cxn>
+              <a:cxn ang="0">
+                <a:pos x="connsiteX30" y="connsiteY30"/>
+              </a:cxn>
+              <a:cxn ang="0">
+                <a:pos x="connsiteX31" y="connsiteY31"/>
+              </a:cxn>
+              <a:cxn ang="0">
+                <a:pos x="connsiteX32" y="connsiteY32"/>
+              </a:cxn>
+              <a:cxn ang="0">
+                <a:pos x="connsiteX33" y="connsiteY33"/>
+              </a:cxn>
+              <a:cxn ang="0">
+                <a:pos x="connsiteX34" y="connsiteY34"/>
+              </a:cxn>
+              <a:cxn ang="0">
+                <a:pos x="connsiteX35" y="connsiteY35"/>
+              </a:cxn>
+              <a:cxn ang="0">
+                <a:pos x="connsiteX36" y="connsiteY36"/>
+              </a:cxn>
+              <a:cxn ang="0">
+                <a:pos x="connsiteX37" y="connsiteY37"/>
+              </a:cxn>
+              <a:cxn ang="0">
+                <a:pos x="connsiteX38" y="connsiteY38"/>
+              </a:cxn>
+              <a:cxn ang="0">
+                <a:pos x="connsiteX39" y="connsiteY39"/>
+              </a:cxn>
+              <a:cxn ang="0">
+                <a:pos x="connsiteX40" y="connsiteY40"/>
+              </a:cxn>
+              <a:cxn ang="0">
+                <a:pos x="connsiteX41" y="connsiteY41"/>
+              </a:cxn>
+              <a:cxn ang="0">
+                <a:pos x="connsiteX42" y="connsiteY42"/>
+              </a:cxn>
+              <a:cxn ang="0">
+                <a:pos x="connsiteX43" y="connsiteY43"/>
+              </a:cxn>
+              <a:cxn ang="0">
+                <a:pos x="connsiteX44" y="connsiteY44"/>
+              </a:cxn>
+              <a:cxn ang="0">
+                <a:pos x="connsiteX45" y="connsiteY45"/>
+              </a:cxn>
+              <a:cxn ang="0">
+                <a:pos x="connsiteX46" y="connsiteY46"/>
+              </a:cxn>
+              <a:cxn ang="0">
+                <a:pos x="connsiteX47" y="connsiteY47"/>
+              </a:cxn>
+              <a:cxn ang="0">
+                <a:pos x="connsiteX48" y="connsiteY48"/>
+              </a:cxn>
+              <a:cxn ang="0">
+                <a:pos x="connsiteX49" y="connsiteY49"/>
+              </a:cxn>
+              <a:cxn ang="0">
+                <a:pos x="connsiteX50" y="connsiteY50"/>
+              </a:cxn>
+              <a:cxn ang="0">
+                <a:pos x="connsiteX51" y="connsiteY51"/>
+              </a:cxn>
+            </a:cxnLst>
+            <a:rect l="l" t="t" r="r" b="b"/>
+            <a:pathLst>
+              <a:path w="12192417" h="5095933">
+                <a:moveTo>
+                  <a:pt x="0" y="0"/>
+                </a:moveTo>
+                <a:lnTo>
+                  <a:pt x="71931" y="12261"/>
+                </a:lnTo>
+                <a:lnTo>
+                  <a:pt x="282848" y="48343"/>
+                </a:lnTo>
+                <a:lnTo>
+                  <a:pt x="436463" y="73565"/>
+                </a:lnTo>
+                <a:lnTo>
+                  <a:pt x="619338" y="100188"/>
+                </a:lnTo>
+                <a:lnTo>
+                  <a:pt x="836350" y="132066"/>
+                </a:lnTo>
+                <a:lnTo>
+                  <a:pt x="1076527" y="165696"/>
+                </a:lnTo>
+                <a:lnTo>
+                  <a:pt x="1347183" y="201077"/>
+                </a:lnTo>
+                <a:lnTo>
+                  <a:pt x="1642222" y="238560"/>
+                </a:lnTo>
+                <a:lnTo>
+                  <a:pt x="1962863" y="276043"/>
+                </a:lnTo>
+                <a:lnTo>
+                  <a:pt x="2304231" y="314227"/>
+                </a:lnTo>
+                <a:lnTo>
+                  <a:pt x="2672420" y="349608"/>
+                </a:lnTo>
+                <a:lnTo>
+                  <a:pt x="3057677" y="383588"/>
+                </a:lnTo>
+                <a:lnTo>
+                  <a:pt x="3464880" y="414415"/>
+                </a:lnTo>
+                <a:lnTo>
+                  <a:pt x="3889151" y="443841"/>
+                </a:lnTo>
+                <a:lnTo>
+                  <a:pt x="4331709" y="471515"/>
+                </a:lnTo>
+                <a:lnTo>
+                  <a:pt x="4558475" y="481324"/>
+                </a:lnTo>
+                <a:lnTo>
+                  <a:pt x="4790117" y="492183"/>
+                </a:lnTo>
+                <a:lnTo>
+                  <a:pt x="5025417" y="502342"/>
+                </a:lnTo>
+                <a:lnTo>
+                  <a:pt x="5261936" y="508998"/>
+                </a:lnTo>
+                <a:lnTo>
+                  <a:pt x="5503331" y="514953"/>
+                </a:lnTo>
+                <a:lnTo>
+                  <a:pt x="5747166" y="521259"/>
+                </a:lnTo>
+                <a:lnTo>
+                  <a:pt x="5995876" y="525463"/>
+                </a:lnTo>
+                <a:lnTo>
+                  <a:pt x="6247025" y="525463"/>
+                </a:lnTo>
+                <a:lnTo>
+                  <a:pt x="6500612" y="527565"/>
+                </a:lnTo>
+                <a:lnTo>
+                  <a:pt x="6756638" y="525463"/>
+                </a:lnTo>
+                <a:lnTo>
+                  <a:pt x="7016321" y="521259"/>
+                </a:lnTo>
+                <a:lnTo>
+                  <a:pt x="7276004" y="517406"/>
+                </a:lnTo>
+                <a:lnTo>
+                  <a:pt x="7539344" y="508998"/>
+                </a:lnTo>
+                <a:lnTo>
+                  <a:pt x="7805123" y="500241"/>
+                </a:lnTo>
+                <a:lnTo>
+                  <a:pt x="8070902" y="490082"/>
+                </a:lnTo>
+                <a:lnTo>
+                  <a:pt x="8339120" y="475719"/>
+                </a:lnTo>
+                <a:lnTo>
+                  <a:pt x="8609775" y="458554"/>
+                </a:lnTo>
+                <a:lnTo>
+                  <a:pt x="8881650" y="442089"/>
+                </a:lnTo>
+                <a:lnTo>
+                  <a:pt x="9153525" y="421071"/>
+                </a:lnTo>
+                <a:lnTo>
+                  <a:pt x="9429057" y="395849"/>
+                </a:lnTo>
+                <a:lnTo>
+                  <a:pt x="9700932" y="370626"/>
+                </a:lnTo>
+                <a:lnTo>
+                  <a:pt x="9977683" y="341551"/>
+                </a:lnTo>
+                <a:lnTo>
+                  <a:pt x="10255654" y="309673"/>
+                </a:lnTo>
+                <a:lnTo>
+                  <a:pt x="10529967" y="276043"/>
+                </a:lnTo>
+                <a:lnTo>
+                  <a:pt x="10807938" y="236809"/>
+                </a:lnTo>
+                <a:lnTo>
+                  <a:pt x="11084689" y="194772"/>
+                </a:lnTo>
+                <a:lnTo>
+                  <a:pt x="11362660" y="153085"/>
+                </a:lnTo>
+                <a:lnTo>
+                  <a:pt x="11639411" y="104392"/>
+                </a:lnTo>
+                <a:lnTo>
+                  <a:pt x="11914944" y="54648"/>
+                </a:lnTo>
+                <a:lnTo>
+                  <a:pt x="12191695" y="2452"/>
+                </a:lnTo>
+                <a:lnTo>
+                  <a:pt x="12191695" y="2162231"/>
+                </a:lnTo>
+                <a:lnTo>
+                  <a:pt x="12192417" y="2162231"/>
+                </a:lnTo>
+                <a:lnTo>
+                  <a:pt x="12192417" y="5095933"/>
+                </a:lnTo>
+                <a:lnTo>
+                  <a:pt x="0" y="5095933"/>
+                </a:lnTo>
+                <a:lnTo>
+                  <a:pt x="0" y="2791958"/>
+                </a:lnTo>
+                <a:lnTo>
+                  <a:pt x="0" y="2162231"/>
+                </a:lnTo>
+                <a:close/>
+              </a:path>
+            </a:pathLst>
+          </a:custGeom>
+          <a:ln>
+            <a:noFill/>
+          </a:ln>
+        </p:spPr>
+      </p:sp>
+      <p:sp>
+        <p:nvSpPr>
+          <p:cNvPr id="3" name="Content Placeholder 2">
+            <a:extLst>
+              <a:ext uri="{FF2B5EF4-FFF2-40B4-BE49-F238E27FC236}">
+                <a16:creationId xmlns:a16="http://schemas.microsoft.com/office/drawing/2014/main" id="{5741D4AC-2140-7C84-2DD5-386C561F3D19}"/>
+              </a:ext>
+            </a:extLst>
+          </p:cNvPr>
+          <p:cNvSpPr>
+            <a:spLocks noGrp="1"/>
+          </p:cNvSpPr>
+          <p:nvPr>
+            <p:ph idx="1"/>
+          </p:nvPr>
+        </p:nvSpPr>
+        <p:spPr>
+          <a:xfrm>
+            <a:off x="648931" y="2548281"/>
+            <a:ext cx="5122606" cy="3658689"/>
+          </a:xfrm>
+        </p:spPr>
+        <p:txBody>
+          <a:bodyPr>
+            <a:normAutofit/>
+          </a:bodyPr>
+          <a:lstStyle/>
+          <a:p>
+            <a:r>
+              <a:rPr lang="en-US"/>
+              <a:t>A very helpful tool to check REST API calls</a:t>
+            </a:r>
+            <a:br>
+              <a:rPr lang="en-US"/>
+            </a:br>
+            <a:endParaRPr lang="en-US"/>
+          </a:p>
+          <a:p>
+            <a:r>
+              <a:rPr lang="en-US"/>
+              <a:t>Independent of 3</a:t>
+            </a:r>
+            <a:r>
+              <a:rPr lang="en-US" baseline="30000"/>
+              <a:t>rd</a:t>
+            </a:r>
+            <a:r>
+              <a:rPr lang="en-US"/>
+              <a:t> party server</a:t>
+            </a:r>
+            <a:br>
+              <a:rPr lang="en-US"/>
+            </a:br>
+            <a:endParaRPr lang="en-US"/>
+          </a:p>
+          <a:p>
+            <a:r>
+              <a:rPr lang="en-US"/>
+              <a:t>You can record real world responses and add them to your mappings using Record feature</a:t>
+            </a:r>
+            <a:br>
+              <a:rPr lang="en-US"/>
+            </a:br>
+            <a:endParaRPr lang="en-US"/>
+          </a:p>
+          <a:p>
+            <a:r>
+              <a:rPr lang="en-US"/>
+              <a:t>Saves a lot of cost and time</a:t>
+            </a:r>
+            <a:endParaRPr lang="en-US" dirty="0"/>
+          </a:p>
+        </p:txBody>
+      </p:sp>
+      <p:pic>
+        <p:nvPicPr>
+          <p:cNvPr id="4" name="Picture 2" descr="Software testing Blog – Awesome Testing: Get rid of your external ...">
+            <a:extLst>
+              <a:ext uri="{FF2B5EF4-FFF2-40B4-BE49-F238E27FC236}">
+                <a16:creationId xmlns:a16="http://schemas.microsoft.com/office/drawing/2014/main" id="{FEC42555-AE29-46AC-7EB3-46F86229A9D1}"/>
+              </a:ext>
+            </a:extLst>
+          </p:cNvPr>
+          <p:cNvPicPr>
+            <a:picLocks noChangeAspect="1" noChangeArrowheads="1"/>
+          </p:cNvPicPr>
+          <p:nvPr/>
+        </p:nvPicPr>
+        <p:blipFill>
+          <a:blip r:embed="rId2">
+            <a:extLst>
+              <a:ext uri="{28A0092B-C50C-407E-A947-70E740481C1C}">
+                <a14:useLocalDpi xmlns:a14="http://schemas.microsoft.com/office/drawing/2010/main" val="0"/>
+              </a:ext>
+            </a:extLst>
+          </a:blip>
+          <a:stretch>
+            <a:fillRect/>
+          </a:stretch>
+        </p:blipFill>
+        <p:spPr bwMode="auto">
+          <a:xfrm>
+            <a:off x="6091916" y="2920980"/>
+            <a:ext cx="5451627" cy="2916620"/>
+          </a:xfrm>
+          <a:prstGeom prst="rect">
+            <a:avLst/>
+          </a:prstGeom>
+          <a:noFill/>
+          <a:effectLst/>
+          <a:scene3d>
+            <a:camera prst="orthographicFront">
+              <a:rot lat="0" lon="0" rev="0"/>
+            </a:camera>
+            <a:lightRig rig="glow" dir="t">
+              <a:rot lat="0" lon="0" rev="4800000"/>
+            </a:lightRig>
+          </a:scene3d>
+          <a:sp3d prstMaterial="matte">
+            <a:bevelT w="127000" h="63500"/>
+          </a:sp3d>
+          <a:extLst>
+            <a:ext uri="{909E8E84-426E-40DD-AFC4-6F175D3DCCD1}">
+              <a14:hiddenFill xmlns:a14="http://schemas.microsoft.com/office/drawing/2010/main">
+                <a:solidFill>
+                  <a:srgbClr val="FFFFFF"/>
+                </a:solidFill>
+              </a14:hiddenFill>
+            </a:ext>
+          </a:extLst>
+        </p:spPr>
+      </p:pic>
+    </p:spTree>
+    <p:extLst>
+      <p:ext uri="{BB962C8B-B14F-4D97-AF65-F5344CB8AC3E}">
+        <p14:creationId xmlns:p14="http://schemas.microsoft.com/office/powerpoint/2010/main" val="2148289819"/>
+      </p:ext>
+    </p:extLst>
+  </p:cSld>
+  <p:clrMapOvr>
+    <a:overrideClrMapping bg1="lt1" tx1="dk1" bg2="lt2" tx2="dk2" accent1="accent1" accent2="accent2" accent3="accent3" accent4="accent4" accent5="accent5" accent6="accent6" hlink="hlink" folHlink="folHlink"/>
+  </p:clrMapOvr>
+</p:sld>
+</file>
+
+<file path=ppt/slides/slide23.xml><?xml version="1.0" encoding="utf-8"?>
+<p:sld xmlns:a="http://schemas.openxmlformats.org/drawingml/2006/main" xmlns:r="http://schemas.openxmlformats.org/officeDocument/2006/relationships" xmlns:p="http://schemas.openxmlformats.org/presentationml/2006/main">
+  <p:cSld>
+    <p:bg>
+      <p:bgPr>
+        <a:solidFill>
+          <a:schemeClr val="bg2"/>
+        </a:solidFill>
+        <a:effectLst/>
+      </p:bgPr>
+    </p:bg>
+    <p:spTree>
+      <p:nvGrpSpPr>
+        <p:cNvPr id="1" name=""/>
+        <p:cNvGrpSpPr/>
+        <p:nvPr/>
+      </p:nvGrpSpPr>
+      <p:grpSpPr>
+        <a:xfrm>
+          <a:off x="0" y="0"/>
+          <a:ext cx="0" cy="0"/>
+          <a:chOff x="0" y="0"/>
+          <a:chExt cx="0" cy="0"/>
+        </a:xfrm>
+      </p:grpSpPr>
+      <p:sp useBgFill="1">
+        <p:nvSpPr>
+          <p:cNvPr id="8" name="Rectangle 7">
+            <a:extLst>
+              <a:ext uri="{FF2B5EF4-FFF2-40B4-BE49-F238E27FC236}">
+                <a16:creationId xmlns:a16="http://schemas.microsoft.com/office/drawing/2014/main" id="{052BEFF1-896C-45B1-B02C-96A6A1BC389A}"/>
+              </a:ext>
+              <a:ext uri="{C183D7F6-B498-43B3-948B-1728B52AA6E4}">
+                <adec:decorative xmlns:adec="http://schemas.microsoft.com/office/drawing/2017/decorative" val="1"/>
+              </a:ext>
+            </a:extLst>
+          </p:cNvPr>
+          <p:cNvSpPr>
+            <a:spLocks noGrp="1" noRot="1" noChangeAspect="1" noMove="1" noResize="1" noEditPoints="1" noAdjustHandles="1" noChangeArrowheads="1" noChangeShapeType="1" noTextEdit="1"/>
+          </p:cNvSpPr>
+          <p:nvPr>
+            <p:extLst>
+              <p:ext uri="{386F3935-93C4-4BCD-93E2-E3B085C9AB24}">
+                <p16:designElem xmlns:p16="http://schemas.microsoft.com/office/powerpoint/2015/main" val="1"/>
+              </p:ext>
+            </p:extLst>
+          </p:nvPr>
+        </p:nvSpPr>
+        <p:spPr>
+          <a:xfrm>
+            <a:off x="1" y="0"/>
+            <a:ext cx="12192000" cy="6858000"/>
+          </a:xfrm>
+          <a:prstGeom prst="rect">
+            <a:avLst/>
+          </a:prstGeom>
+          <a:ln>
+            <a:noFill/>
+          </a:ln>
+        </p:spPr>
+        <p:style>
+          <a:lnRef idx="2">
+            <a:schemeClr val="accent1">
+              <a:shade val="50000"/>
+            </a:schemeClr>
+          </a:lnRef>
+          <a:fillRef idx="1003">
+            <a:schemeClr val="dk2"/>
+          </a:fillRef>
+          <a:effectRef idx="0">
+            <a:schemeClr val="accent1"/>
+          </a:effectRef>
+          <a:fontRef idx="minor">
+            <a:schemeClr val="lt1"/>
+          </a:fontRef>
+        </p:style>
+        <p:txBody>
+          <a:bodyPr rtlCol="0" anchor="ctr"/>
+          <a:lstStyle/>
+          <a:p>
+            <a:pPr algn="ctr"/>
+            <a:endParaRPr lang="en-US"/>
+          </a:p>
+        </p:txBody>
+      </p:sp>
+      <p:sp>
+        <p:nvSpPr>
+          <p:cNvPr id="10" name="Freeform 36">
+            <a:extLst>
+              <a:ext uri="{FF2B5EF4-FFF2-40B4-BE49-F238E27FC236}">
+                <a16:creationId xmlns:a16="http://schemas.microsoft.com/office/drawing/2014/main" id="{BB237A14-61B1-4C00-A670-5D8D68A8668E}"/>
+              </a:ext>
+              <a:ext uri="{C183D7F6-B498-43B3-948B-1728B52AA6E4}">
+                <adec:decorative xmlns:adec="http://schemas.microsoft.com/office/drawing/2017/decorative" val="1"/>
+              </a:ext>
+            </a:extLst>
+          </p:cNvPr>
+          <p:cNvSpPr>
+            <a:spLocks noGrp="1" noRot="1" noChangeAspect="1" noMove="1" noResize="1" noEditPoints="1" noAdjustHandles="1" noChangeArrowheads="1" noChangeShapeType="1" noTextEdit="1"/>
+          </p:cNvSpPr>
+          <p:nvPr>
+            <p:extLst>
+              <p:ext uri="{386F3935-93C4-4BCD-93E2-E3B085C9AB24}">
+                <p16:designElem xmlns:p16="http://schemas.microsoft.com/office/powerpoint/2015/main" val="1"/>
+              </p:ext>
+            </p:extLst>
+          </p:nvPr>
+        </p:nvSpPr>
+        <p:spPr>
+          <a:xfrm flipH="1">
+            <a:off x="4644637" y="0"/>
+            <a:ext cx="559472" cy="3709642"/>
+          </a:xfrm>
+          <a:custGeom>
+            <a:avLst/>
+            <a:gdLst>
+              <a:gd name="connsiteX0" fmla="*/ 0 w 559472"/>
+              <a:gd name="connsiteY0" fmla="*/ 0 h 3709642"/>
+              <a:gd name="connsiteX1" fmla="*/ 473952 w 559472"/>
+              <a:gd name="connsiteY1" fmla="*/ 0 h 3709642"/>
+              <a:gd name="connsiteX2" fmla="*/ 485840 w 559472"/>
+              <a:gd name="connsiteY2" fmla="*/ 161194 h 3709642"/>
+              <a:gd name="connsiteX3" fmla="*/ 523949 w 559472"/>
+              <a:gd name="connsiteY3" fmla="*/ 3672197 h 3709642"/>
+              <a:gd name="connsiteX4" fmla="*/ 454748 w 559472"/>
+              <a:gd name="connsiteY4" fmla="*/ 3709642 h 3709642"/>
+              <a:gd name="connsiteX5" fmla="*/ 448224 w 559472"/>
+              <a:gd name="connsiteY5" fmla="*/ 3510471 h 3709642"/>
+              <a:gd name="connsiteX6" fmla="*/ 443564 w 559472"/>
+              <a:gd name="connsiteY6" fmla="*/ 3408563 h 3709642"/>
+              <a:gd name="connsiteX7" fmla="*/ 438902 w 559472"/>
+              <a:gd name="connsiteY7" fmla="*/ 3304407 h 3709642"/>
+              <a:gd name="connsiteX8" fmla="*/ 433941 w 559472"/>
+              <a:gd name="connsiteY8" fmla="*/ 3198777 h 3709642"/>
+              <a:gd name="connsiteX9" fmla="*/ 427584 w 559472"/>
+              <a:gd name="connsiteY9" fmla="*/ 3092510 h 3709642"/>
+              <a:gd name="connsiteX10" fmla="*/ 420988 w 559472"/>
+              <a:gd name="connsiteY10" fmla="*/ 2984390 h 3709642"/>
+              <a:gd name="connsiteX11" fmla="*/ 414330 w 559472"/>
+              <a:gd name="connsiteY11" fmla="*/ 2874401 h 3709642"/>
+              <a:gd name="connsiteX12" fmla="*/ 406840 w 559472"/>
+              <a:gd name="connsiteY12" fmla="*/ 2762980 h 3709642"/>
+              <a:gd name="connsiteX13" fmla="*/ 397745 w 559472"/>
+              <a:gd name="connsiteY13" fmla="*/ 2650566 h 3709642"/>
+              <a:gd name="connsiteX14" fmla="*/ 389154 w 559472"/>
+              <a:gd name="connsiteY14" fmla="*/ 2536612 h 3709642"/>
+              <a:gd name="connsiteX15" fmla="*/ 379225 w 559472"/>
+              <a:gd name="connsiteY15" fmla="*/ 2421642 h 3709642"/>
+              <a:gd name="connsiteX16" fmla="*/ 368316 w 559472"/>
+              <a:gd name="connsiteY16" fmla="*/ 2305627 h 3709642"/>
+              <a:gd name="connsiteX17" fmla="*/ 357466 w 559472"/>
+              <a:gd name="connsiteY17" fmla="*/ 2189233 h 3709642"/>
+              <a:gd name="connsiteX18" fmla="*/ 344982 w 559472"/>
+              <a:gd name="connsiteY18" fmla="*/ 2071473 h 3709642"/>
+              <a:gd name="connsiteX19" fmla="*/ 332466 w 559472"/>
+              <a:gd name="connsiteY19" fmla="*/ 1952216 h 3709642"/>
+              <a:gd name="connsiteX20" fmla="*/ 319121 w 559472"/>
+              <a:gd name="connsiteY20" fmla="*/ 1833776 h 3709642"/>
+              <a:gd name="connsiteX21" fmla="*/ 304408 w 559472"/>
+              <a:gd name="connsiteY21" fmla="*/ 1713948 h 3709642"/>
+              <a:gd name="connsiteX22" fmla="*/ 288685 w 559472"/>
+              <a:gd name="connsiteY22" fmla="*/ 1592703 h 3709642"/>
+              <a:gd name="connsiteX23" fmla="*/ 273050 w 559472"/>
+              <a:gd name="connsiteY23" fmla="*/ 1471451 h 3709642"/>
+              <a:gd name="connsiteX24" fmla="*/ 255813 w 559472"/>
+              <a:gd name="connsiteY24" fmla="*/ 1350328 h 3709642"/>
+              <a:gd name="connsiteX25" fmla="*/ 237060 w 559472"/>
+              <a:gd name="connsiteY25" fmla="*/ 1227080 h 3709642"/>
+              <a:gd name="connsiteX26" fmla="*/ 218488 w 559472"/>
+              <a:gd name="connsiteY26" fmla="*/ 1106065 h 3709642"/>
+              <a:gd name="connsiteX27" fmla="*/ 198221 w 559472"/>
+              <a:gd name="connsiteY27" fmla="*/ 982940 h 3709642"/>
+              <a:gd name="connsiteX28" fmla="*/ 177152 w 559472"/>
+              <a:gd name="connsiteY28" fmla="*/ 858755 h 3709642"/>
+              <a:gd name="connsiteX29" fmla="*/ 155551 w 559472"/>
+              <a:gd name="connsiteY29" fmla="*/ 736861 h 3709642"/>
+              <a:gd name="connsiteX30" fmla="*/ 131782 w 559472"/>
+              <a:gd name="connsiteY30" fmla="*/ 613645 h 3709642"/>
+              <a:gd name="connsiteX31" fmla="*/ 107123 w 559472"/>
+              <a:gd name="connsiteY31" fmla="*/ 490500 h 3709642"/>
+              <a:gd name="connsiteX32" fmla="*/ 82552 w 559472"/>
+              <a:gd name="connsiteY32" fmla="*/ 367348 h 3709642"/>
+              <a:gd name="connsiteX33" fmla="*/ 55608 w 559472"/>
+              <a:gd name="connsiteY33" fmla="*/ 244762 h 3709642"/>
+              <a:gd name="connsiteX34" fmla="*/ 28130 w 559472"/>
+              <a:gd name="connsiteY34" fmla="*/ 122220 h 3709642"/>
+              <a:gd name="connsiteX35" fmla="*/ 0 w 559472"/>
+              <a:gd name="connsiteY35" fmla="*/ 0 h 3709642"/>
+            </a:gdLst>
+            <a:ahLst/>
+            <a:cxnLst>
+              <a:cxn ang="0">
+                <a:pos x="connsiteX0" y="connsiteY0"/>
+              </a:cxn>
+              <a:cxn ang="0">
+                <a:pos x="connsiteX1" y="connsiteY1"/>
+              </a:cxn>
+              <a:cxn ang="0">
+                <a:pos x="connsiteX2" y="connsiteY2"/>
+              </a:cxn>
+              <a:cxn ang="0">
+                <a:pos x="connsiteX3" y="connsiteY3"/>
+              </a:cxn>
+              <a:cxn ang="0">
+                <a:pos x="connsiteX4" y="connsiteY4"/>
+              </a:cxn>
+              <a:cxn ang="0">
+                <a:pos x="connsiteX5" y="connsiteY5"/>
+              </a:cxn>
+              <a:cxn ang="0">
+                <a:pos x="connsiteX6" y="connsiteY6"/>
+              </a:cxn>
+              <a:cxn ang="0">
+                <a:pos x="connsiteX7" y="connsiteY7"/>
+              </a:cxn>
+              <a:cxn ang="0">
+                <a:pos x="connsiteX8" y="connsiteY8"/>
+              </a:cxn>
+              <a:cxn ang="0">
+                <a:pos x="connsiteX9" y="connsiteY9"/>
+              </a:cxn>
+              <a:cxn ang="0">
+                <a:pos x="connsiteX10" y="connsiteY10"/>
+              </a:cxn>
+              <a:cxn ang="0">
+                <a:pos x="connsiteX11" y="connsiteY11"/>
+              </a:cxn>
+              <a:cxn ang="0">
+                <a:pos x="connsiteX12" y="connsiteY12"/>
+              </a:cxn>
+              <a:cxn ang="0">
+                <a:pos x="connsiteX13" y="connsiteY13"/>
+              </a:cxn>
+              <a:cxn ang="0">
+                <a:pos x="connsiteX14" y="connsiteY14"/>
+              </a:cxn>
+              <a:cxn ang="0">
+                <a:pos x="connsiteX15" y="connsiteY15"/>
+              </a:cxn>
+              <a:cxn ang="0">
+                <a:pos x="connsiteX16" y="connsiteY16"/>
+              </a:cxn>
+              <a:cxn ang="0">
+                <a:pos x="connsiteX17" y="connsiteY17"/>
+              </a:cxn>
+              <a:cxn ang="0">
+                <a:pos x="connsiteX18" y="connsiteY18"/>
+              </a:cxn>
+              <a:cxn ang="0">
+                <a:pos x="connsiteX19" y="connsiteY19"/>
+              </a:cxn>
+              <a:cxn ang="0">
+                <a:pos x="connsiteX20" y="connsiteY20"/>
+              </a:cxn>
+              <a:cxn ang="0">
+                <a:pos x="connsiteX21" y="connsiteY21"/>
+              </a:cxn>
+              <a:cxn ang="0">
+                <a:pos x="connsiteX22" y="connsiteY22"/>
+              </a:cxn>
+              <a:cxn ang="0">
+                <a:pos x="connsiteX23" y="connsiteY23"/>
+              </a:cxn>
+              <a:cxn ang="0">
+                <a:pos x="connsiteX24" y="connsiteY24"/>
+              </a:cxn>
+              <a:cxn ang="0">
+                <a:pos x="connsiteX25" y="connsiteY25"/>
+              </a:cxn>
+              <a:cxn ang="0">
+                <a:pos x="connsiteX26" y="connsiteY26"/>
+              </a:cxn>
+              <a:cxn ang="0">
+                <a:pos x="connsiteX27" y="connsiteY27"/>
+              </a:cxn>
+              <a:cxn ang="0">
+                <a:pos x="connsiteX28" y="connsiteY28"/>
+              </a:cxn>
+              <a:cxn ang="0">
+                <a:pos x="connsiteX29" y="connsiteY29"/>
+              </a:cxn>
+              <a:cxn ang="0">
+                <a:pos x="connsiteX30" y="connsiteY30"/>
+              </a:cxn>
+              <a:cxn ang="0">
+                <a:pos x="connsiteX31" y="connsiteY31"/>
+              </a:cxn>
+              <a:cxn ang="0">
+                <a:pos x="connsiteX32" y="connsiteY32"/>
+              </a:cxn>
+              <a:cxn ang="0">
+                <a:pos x="connsiteX33" y="connsiteY33"/>
+              </a:cxn>
+              <a:cxn ang="0">
+                <a:pos x="connsiteX34" y="connsiteY34"/>
+              </a:cxn>
+              <a:cxn ang="0">
+                <a:pos x="connsiteX35" y="connsiteY35"/>
+              </a:cxn>
+            </a:cxnLst>
+            <a:rect l="l" t="t" r="r" b="b"/>
+            <a:pathLst>
+              <a:path w="559472" h="3709642">
+                <a:moveTo>
+                  <a:pt x="0" y="0"/>
+                </a:moveTo>
+                <a:lnTo>
+                  <a:pt x="473952" y="0"/>
+                </a:lnTo>
+                <a:lnTo>
+                  <a:pt x="485840" y="161194"/>
+                </a:lnTo>
+                <a:cubicBezTo>
+                  <a:pt x="552063" y="1147770"/>
+                  <a:pt x="592441" y="3086737"/>
+                  <a:pt x="523949" y="3672197"/>
+                </a:cubicBezTo>
+                <a:cubicBezTo>
+                  <a:pt x="500842" y="3684557"/>
+                  <a:pt x="477855" y="3697282"/>
+                  <a:pt x="454748" y="3709642"/>
+                </a:cubicBezTo>
+                <a:lnTo>
+                  <a:pt x="448224" y="3510471"/>
+                </a:lnTo>
+                <a:lnTo>
+                  <a:pt x="443564" y="3408563"/>
+                </a:lnTo>
+                <a:lnTo>
+                  <a:pt x="438902" y="3304407"/>
+                </a:lnTo>
+                <a:lnTo>
+                  <a:pt x="433941" y="3198777"/>
+                </a:lnTo>
+                <a:lnTo>
+                  <a:pt x="427584" y="3092510"/>
+                </a:lnTo>
+                <a:lnTo>
+                  <a:pt x="420988" y="2984390"/>
+                </a:lnTo>
+                <a:lnTo>
+                  <a:pt x="414330" y="2874401"/>
+                </a:lnTo>
+                <a:lnTo>
+                  <a:pt x="406840" y="2762980"/>
+                </a:lnTo>
+                <a:lnTo>
+                  <a:pt x="397745" y="2650566"/>
+                </a:lnTo>
+                <a:lnTo>
+                  <a:pt x="389154" y="2536612"/>
+                </a:lnTo>
+                <a:lnTo>
+                  <a:pt x="379225" y="2421642"/>
+                </a:lnTo>
+                <a:lnTo>
+                  <a:pt x="368316" y="2305627"/>
+                </a:lnTo>
+                <a:lnTo>
+                  <a:pt x="357466" y="2189233"/>
+                </a:lnTo>
+                <a:lnTo>
+                  <a:pt x="344982" y="2071473"/>
+                </a:lnTo>
+                <a:lnTo>
+                  <a:pt x="332466" y="1952216"/>
+                </a:lnTo>
+                <a:lnTo>
+                  <a:pt x="319121" y="1833776"/>
+                </a:lnTo>
+                <a:lnTo>
+                  <a:pt x="304408" y="1713948"/>
+                </a:lnTo>
+                <a:lnTo>
+                  <a:pt x="288685" y="1592703"/>
+                </a:lnTo>
+                <a:lnTo>
+                  <a:pt x="273050" y="1471451"/>
+                </a:lnTo>
+                <a:lnTo>
+                  <a:pt x="255813" y="1350328"/>
+                </a:lnTo>
+                <a:lnTo>
+                  <a:pt x="237060" y="1227080"/>
+                </a:lnTo>
+                <a:lnTo>
+                  <a:pt x="218488" y="1106065"/>
+                </a:lnTo>
+                <a:lnTo>
+                  <a:pt x="198221" y="982940"/>
+                </a:lnTo>
+                <a:lnTo>
+                  <a:pt x="177152" y="858755"/>
+                </a:lnTo>
+                <a:lnTo>
+                  <a:pt x="155551" y="736861"/>
+                </a:lnTo>
+                <a:lnTo>
+                  <a:pt x="131782" y="613645"/>
+                </a:lnTo>
+                <a:lnTo>
+                  <a:pt x="107123" y="490500"/>
+                </a:lnTo>
+                <a:lnTo>
+                  <a:pt x="82552" y="367348"/>
+                </a:lnTo>
+                <a:lnTo>
+                  <a:pt x="55608" y="244762"/>
+                </a:lnTo>
+                <a:lnTo>
+                  <a:pt x="28130" y="122220"/>
+                </a:lnTo>
+                <a:lnTo>
+                  <a:pt x="0" y="0"/>
+                </a:lnTo>
+                <a:close/>
+              </a:path>
+            </a:pathLst>
+          </a:custGeom>
+          <a:solidFill>
+            <a:schemeClr val="tx2">
+              <a:alpha val="20000"/>
+            </a:schemeClr>
+          </a:solidFill>
+          <a:ln>
+            <a:noFill/>
+          </a:ln>
+        </p:spPr>
+        <p:txBody>
+          <a:bodyPr rtlCol="0" anchor="ctr"/>
+          <a:lstStyle/>
+          <a:p>
+            <a:pPr algn="ctr"/>
+            <a:endParaRPr lang="en-US"/>
+          </a:p>
+        </p:txBody>
+      </p:sp>
+      <p:sp>
+        <p:nvSpPr>
+          <p:cNvPr id="12" name="Freeform: Shape 11">
+            <a:extLst>
+              <a:ext uri="{FF2B5EF4-FFF2-40B4-BE49-F238E27FC236}">
+                <a16:creationId xmlns:a16="http://schemas.microsoft.com/office/drawing/2014/main" id="{8598F259-6F54-47A3-8D13-1603D786A328}"/>
+              </a:ext>
+              <a:ext uri="{C183D7F6-B498-43B3-948B-1728B52AA6E4}">
+                <adec:decorative xmlns:adec="http://schemas.microsoft.com/office/drawing/2017/decorative" val="1"/>
+              </a:ext>
+            </a:extLst>
+          </p:cNvPr>
+          <p:cNvSpPr>
+            <a:spLocks noGrp="1" noRot="1" noChangeAspect="1" noMove="1" noResize="1" noEditPoints="1" noAdjustHandles="1" noChangeArrowheads="1" noChangeShapeType="1" noTextEdit="1"/>
+          </p:cNvSpPr>
+          <p:nvPr>
+            <p:extLst>
+              <p:ext uri="{386F3935-93C4-4BCD-93E2-E3B085C9AB24}">
+                <p16:designElem xmlns:p16="http://schemas.microsoft.com/office/powerpoint/2015/main" val="1"/>
+              </p:ext>
+            </p:extLst>
+          </p:nvPr>
+        </p:nvSpPr>
+        <p:spPr>
+          <a:xfrm>
+            <a:off x="1" y="1"/>
+            <a:ext cx="4990911" cy="6858001"/>
+          </a:xfrm>
+          <a:custGeom>
+            <a:avLst/>
+            <a:gdLst>
+              <a:gd name="connsiteX0" fmla="*/ 3646196 w 4990911"/>
+              <a:gd name="connsiteY0" fmla="*/ 0 h 6858001"/>
+              <a:gd name="connsiteX1" fmla="*/ 4989734 w 4990911"/>
+              <a:gd name="connsiteY1" fmla="*/ 0 h 6858001"/>
+              <a:gd name="connsiteX2" fmla="*/ 4964689 w 4990911"/>
+              <a:gd name="connsiteY2" fmla="*/ 155677 h 6858001"/>
+              <a:gd name="connsiteX3" fmla="*/ 4940820 w 4990911"/>
+              <a:gd name="connsiteY3" fmla="*/ 310668 h 6858001"/>
+              <a:gd name="connsiteX4" fmla="*/ 4917456 w 4990911"/>
+              <a:gd name="connsiteY4" fmla="*/ 466344 h 6858001"/>
+              <a:gd name="connsiteX5" fmla="*/ 4897453 w 4990911"/>
+              <a:gd name="connsiteY5" fmla="*/ 622707 h 6858001"/>
+              <a:gd name="connsiteX6" fmla="*/ 4877282 w 4990911"/>
+              <a:gd name="connsiteY6" fmla="*/ 778383 h 6858001"/>
+              <a:gd name="connsiteX7" fmla="*/ 4858456 w 4990911"/>
+              <a:gd name="connsiteY7" fmla="*/ 934746 h 6858001"/>
+              <a:gd name="connsiteX8" fmla="*/ 4842320 w 4990911"/>
+              <a:gd name="connsiteY8" fmla="*/ 1089051 h 6858001"/>
+              <a:gd name="connsiteX9" fmla="*/ 4827024 w 4990911"/>
+              <a:gd name="connsiteY9" fmla="*/ 1245413 h 6858001"/>
+              <a:gd name="connsiteX10" fmla="*/ 4813072 w 4990911"/>
+              <a:gd name="connsiteY10" fmla="*/ 1401090 h 6858001"/>
+              <a:gd name="connsiteX11" fmla="*/ 4800970 w 4990911"/>
+              <a:gd name="connsiteY11" fmla="*/ 1554023 h 6858001"/>
+              <a:gd name="connsiteX12" fmla="*/ 4788867 w 4990911"/>
+              <a:gd name="connsiteY12" fmla="*/ 1709014 h 6858001"/>
+              <a:gd name="connsiteX13" fmla="*/ 4778782 w 4990911"/>
+              <a:gd name="connsiteY13" fmla="*/ 1861947 h 6858001"/>
+              <a:gd name="connsiteX14" fmla="*/ 4770882 w 4990911"/>
+              <a:gd name="connsiteY14" fmla="*/ 2014881 h 6858001"/>
+              <a:gd name="connsiteX15" fmla="*/ 4762645 w 4990911"/>
+              <a:gd name="connsiteY15" fmla="*/ 2167128 h 6858001"/>
+              <a:gd name="connsiteX16" fmla="*/ 4755754 w 4990911"/>
+              <a:gd name="connsiteY16" fmla="*/ 2318004 h 6858001"/>
+              <a:gd name="connsiteX17" fmla="*/ 4750879 w 4990911"/>
+              <a:gd name="connsiteY17" fmla="*/ 2467509 h 6858001"/>
+              <a:gd name="connsiteX18" fmla="*/ 4746677 w 4990911"/>
+              <a:gd name="connsiteY18" fmla="*/ 2617013 h 6858001"/>
+              <a:gd name="connsiteX19" fmla="*/ 4742643 w 4990911"/>
+              <a:gd name="connsiteY19" fmla="*/ 2765146 h 6858001"/>
+              <a:gd name="connsiteX20" fmla="*/ 4740794 w 4990911"/>
+              <a:gd name="connsiteY20" fmla="*/ 2911221 h 6858001"/>
+              <a:gd name="connsiteX21" fmla="*/ 4738777 w 4990911"/>
+              <a:gd name="connsiteY21" fmla="*/ 3057297 h 6858001"/>
+              <a:gd name="connsiteX22" fmla="*/ 4737768 w 4990911"/>
+              <a:gd name="connsiteY22" fmla="*/ 3201315 h 6858001"/>
+              <a:gd name="connsiteX23" fmla="*/ 4738777 w 4990911"/>
+              <a:gd name="connsiteY23" fmla="*/ 3343961 h 6858001"/>
+              <a:gd name="connsiteX24" fmla="*/ 4738777 w 4990911"/>
+              <a:gd name="connsiteY24" fmla="*/ 3485236 h 6858001"/>
+              <a:gd name="connsiteX25" fmla="*/ 4740794 w 4990911"/>
+              <a:gd name="connsiteY25" fmla="*/ 3625139 h 6858001"/>
+              <a:gd name="connsiteX26" fmla="*/ 4743819 w 4990911"/>
+              <a:gd name="connsiteY26" fmla="*/ 3762299 h 6858001"/>
+              <a:gd name="connsiteX27" fmla="*/ 4746677 w 4990911"/>
+              <a:gd name="connsiteY27" fmla="*/ 3898087 h 6858001"/>
+              <a:gd name="connsiteX28" fmla="*/ 4749871 w 4990911"/>
+              <a:gd name="connsiteY28" fmla="*/ 4031133 h 6858001"/>
+              <a:gd name="connsiteX29" fmla="*/ 4754745 w 4990911"/>
+              <a:gd name="connsiteY29" fmla="*/ 4163492 h 6858001"/>
+              <a:gd name="connsiteX30" fmla="*/ 4759956 w 4990911"/>
+              <a:gd name="connsiteY30" fmla="*/ 4293793 h 6858001"/>
+              <a:gd name="connsiteX31" fmla="*/ 4764662 w 4990911"/>
+              <a:gd name="connsiteY31" fmla="*/ 4421352 h 6858001"/>
+              <a:gd name="connsiteX32" fmla="*/ 4777942 w 4990911"/>
+              <a:gd name="connsiteY32" fmla="*/ 4670298 h 6858001"/>
+              <a:gd name="connsiteX33" fmla="*/ 4792061 w 4990911"/>
+              <a:gd name="connsiteY33" fmla="*/ 4908956 h 6858001"/>
+              <a:gd name="connsiteX34" fmla="*/ 4806853 w 4990911"/>
+              <a:gd name="connsiteY34" fmla="*/ 5138013 h 6858001"/>
+              <a:gd name="connsiteX35" fmla="*/ 4823158 w 4990911"/>
+              <a:gd name="connsiteY35" fmla="*/ 5354726 h 6858001"/>
+              <a:gd name="connsiteX36" fmla="*/ 4840135 w 4990911"/>
+              <a:gd name="connsiteY36" fmla="*/ 5561838 h 6858001"/>
+              <a:gd name="connsiteX37" fmla="*/ 4858456 w 4990911"/>
+              <a:gd name="connsiteY37" fmla="*/ 5753862 h 6858001"/>
+              <a:gd name="connsiteX38" fmla="*/ 4876442 w 4990911"/>
+              <a:gd name="connsiteY38" fmla="*/ 5934227 h 6858001"/>
+              <a:gd name="connsiteX39" fmla="*/ 4894427 w 4990911"/>
+              <a:gd name="connsiteY39" fmla="*/ 6100191 h 6858001"/>
+              <a:gd name="connsiteX40" fmla="*/ 4911404 w 4990911"/>
+              <a:gd name="connsiteY40" fmla="*/ 6252438 h 6858001"/>
+              <a:gd name="connsiteX41" fmla="*/ 4927541 w 4990911"/>
+              <a:gd name="connsiteY41" fmla="*/ 6387541 h 6858001"/>
+              <a:gd name="connsiteX42" fmla="*/ 4942837 w 4990911"/>
+              <a:gd name="connsiteY42" fmla="*/ 6509613 h 6858001"/>
+              <a:gd name="connsiteX43" fmla="*/ 4955612 w 4990911"/>
+              <a:gd name="connsiteY43" fmla="*/ 6612483 h 6858001"/>
+              <a:gd name="connsiteX44" fmla="*/ 4967714 w 4990911"/>
+              <a:gd name="connsiteY44" fmla="*/ 6698894 h 6858001"/>
+              <a:gd name="connsiteX45" fmla="*/ 4985028 w 4990911"/>
+              <a:gd name="connsiteY45" fmla="*/ 6817538 h 6858001"/>
+              <a:gd name="connsiteX46" fmla="*/ 4990911 w 4990911"/>
+              <a:gd name="connsiteY46" fmla="*/ 6858000 h 6858001"/>
+              <a:gd name="connsiteX47" fmla="*/ 4085557 w 4990911"/>
+              <a:gd name="connsiteY47" fmla="*/ 6858000 h 6858001"/>
+              <a:gd name="connsiteX48" fmla="*/ 4085557 w 4990911"/>
+              <a:gd name="connsiteY48" fmla="*/ 6858001 h 6858001"/>
+              <a:gd name="connsiteX49" fmla="*/ 0 w 4990911"/>
+              <a:gd name="connsiteY49" fmla="*/ 6858001 h 6858001"/>
+              <a:gd name="connsiteX50" fmla="*/ 0 w 4990911"/>
+              <a:gd name="connsiteY50" fmla="*/ 1 h 6858001"/>
+              <a:gd name="connsiteX51" fmla="*/ 3646196 w 4990911"/>
+              <a:gd name="connsiteY51" fmla="*/ 1 h 6858001"/>
+            </a:gdLst>
+            <a:ahLst/>
+            <a:cxnLst>
+              <a:cxn ang="0">
+                <a:pos x="connsiteX0" y="connsiteY0"/>
+              </a:cxn>
+              <a:cxn ang="0">
+                <a:pos x="connsiteX1" y="connsiteY1"/>
+              </a:cxn>
+              <a:cxn ang="0">
+                <a:pos x="connsiteX2" y="connsiteY2"/>
+              </a:cxn>
+              <a:cxn ang="0">
+                <a:pos x="connsiteX3" y="connsiteY3"/>
+              </a:cxn>
+              <a:cxn ang="0">
+                <a:pos x="connsiteX4" y="connsiteY4"/>
+              </a:cxn>
+              <a:cxn ang="0">
+                <a:pos x="connsiteX5" y="connsiteY5"/>
+              </a:cxn>
+              <a:cxn ang="0">
+                <a:pos x="connsiteX6" y="connsiteY6"/>
+              </a:cxn>
+              <a:cxn ang="0">
+                <a:pos x="connsiteX7" y="connsiteY7"/>
+              </a:cxn>
+              <a:cxn ang="0">
+                <a:pos x="connsiteX8" y="connsiteY8"/>
+              </a:cxn>
+              <a:cxn ang="0">
+                <a:pos x="connsiteX9" y="connsiteY9"/>
+              </a:cxn>
+              <a:cxn ang="0">
+                <a:pos x="connsiteX10" y="connsiteY10"/>
+              </a:cxn>
+              <a:cxn ang="0">
+                <a:pos x="connsiteX11" y="connsiteY11"/>
+              </a:cxn>
+              <a:cxn ang="0">
+                <a:pos x="connsiteX12" y="connsiteY12"/>
+              </a:cxn>
+              <a:cxn ang="0">
+                <a:pos x="connsiteX13" y="connsiteY13"/>
+              </a:cxn>
+              <a:cxn ang="0">
+                <a:pos x="connsiteX14" y="connsiteY14"/>
+              </a:cxn>
+              <a:cxn ang="0">
+                <a:pos x="connsiteX15" y="connsiteY15"/>
+              </a:cxn>
+              <a:cxn ang="0">
+                <a:pos x="connsiteX16" y="connsiteY16"/>
+              </a:cxn>
+              <a:cxn ang="0">
+                <a:pos x="connsiteX17" y="connsiteY17"/>
+              </a:cxn>
+              <a:cxn ang="0">
+                <a:pos x="connsiteX18" y="connsiteY18"/>
+              </a:cxn>
+              <a:cxn ang="0">
+                <a:pos x="connsiteX19" y="connsiteY19"/>
+              </a:cxn>
+              <a:cxn ang="0">
+                <a:pos x="connsiteX20" y="connsiteY20"/>
+              </a:cxn>
+              <a:cxn ang="0">
+                <a:pos x="connsiteX21" y="connsiteY21"/>
+              </a:cxn>
+              <a:cxn ang="0">
+                <a:pos x="connsiteX22" y="connsiteY22"/>
+              </a:cxn>
+              <a:cxn ang="0">
+                <a:pos x="connsiteX23" y="connsiteY23"/>
+              </a:cxn>
+              <a:cxn ang="0">
+                <a:pos x="connsiteX24" y="connsiteY24"/>
+              </a:cxn>
+              <a:cxn ang="0">
+                <a:pos x="connsiteX25" y="connsiteY25"/>
+              </a:cxn>
+              <a:cxn ang="0">
+                <a:pos x="connsiteX26" y="connsiteY26"/>
+              </a:cxn>
+              <a:cxn ang="0">
+                <a:pos x="connsiteX27" y="connsiteY27"/>
+              </a:cxn>
+              <a:cxn ang="0">
+                <a:pos x="connsiteX28" y="connsiteY28"/>
+              </a:cxn>
+              <a:cxn ang="0">
+                <a:pos x="connsiteX29" y="connsiteY29"/>
+              </a:cxn>
+              <a:cxn ang="0">
+                <a:pos x="connsiteX30" y="connsiteY30"/>
+              </a:cxn>
+              <a:cxn ang="0">
+                <a:pos x="connsiteX31" y="connsiteY31"/>
+              </a:cxn>
+              <a:cxn ang="0">
+                <a:pos x="connsiteX32" y="connsiteY32"/>
+              </a:cxn>
+              <a:cxn ang="0">
+                <a:pos x="connsiteX33" y="connsiteY33"/>
+              </a:cxn>
+              <a:cxn ang="0">
+                <a:pos x="connsiteX34" y="connsiteY34"/>
+              </a:cxn>
+              <a:cxn ang="0">
+                <a:pos x="connsiteX35" y="connsiteY35"/>
+              </a:cxn>
+              <a:cxn ang="0">
+                <a:pos x="connsiteX36" y="connsiteY36"/>
+              </a:cxn>
+              <a:cxn ang="0">
+                <a:pos x="connsiteX37" y="connsiteY37"/>
+              </a:cxn>
+              <a:cxn ang="0">
+                <a:pos x="connsiteX38" y="connsiteY38"/>
+              </a:cxn>
+              <a:cxn ang="0">
+                <a:pos x="connsiteX39" y="connsiteY39"/>
+              </a:cxn>
+              <a:cxn ang="0">
+                <a:pos x="connsiteX40" y="connsiteY40"/>
+              </a:cxn>
+              <a:cxn ang="0">
+                <a:pos x="connsiteX41" y="connsiteY41"/>
+              </a:cxn>
+              <a:cxn ang="0">
+                <a:pos x="connsiteX42" y="connsiteY42"/>
+              </a:cxn>
+              <a:cxn ang="0">
+                <a:pos x="connsiteX43" y="connsiteY43"/>
+              </a:cxn>
+              <a:cxn ang="0">
+                <a:pos x="connsiteX44" y="connsiteY44"/>
+              </a:cxn>
+              <a:cxn ang="0">
+                <a:pos x="connsiteX45" y="connsiteY45"/>
+              </a:cxn>
+              <a:cxn ang="0">
+                <a:pos x="connsiteX46" y="connsiteY46"/>
+              </a:cxn>
+              <a:cxn ang="0">
+                <a:pos x="connsiteX47" y="connsiteY47"/>
+              </a:cxn>
+              <a:cxn ang="0">
+                <a:pos x="connsiteX48" y="connsiteY48"/>
+              </a:cxn>
+              <a:cxn ang="0">
+                <a:pos x="connsiteX49" y="connsiteY49"/>
+              </a:cxn>
+              <a:cxn ang="0">
+                <a:pos x="connsiteX50" y="connsiteY50"/>
+              </a:cxn>
+              <a:cxn ang="0">
+                <a:pos x="connsiteX51" y="connsiteY51"/>
+              </a:cxn>
+            </a:cxnLst>
+            <a:rect l="l" t="t" r="r" b="b"/>
+            <a:pathLst>
+              <a:path w="4990911" h="6858001">
+                <a:moveTo>
+                  <a:pt x="3646196" y="0"/>
+                </a:moveTo>
+                <a:lnTo>
+                  <a:pt x="4989734" y="0"/>
+                </a:lnTo>
+                <a:lnTo>
+                  <a:pt x="4964689" y="155677"/>
+                </a:lnTo>
+                <a:lnTo>
+                  <a:pt x="4940820" y="310668"/>
+                </a:lnTo>
+                <a:lnTo>
+                  <a:pt x="4917456" y="466344"/>
+                </a:lnTo>
+                <a:lnTo>
+                  <a:pt x="4897453" y="622707"/>
+                </a:lnTo>
+                <a:lnTo>
+                  <a:pt x="4877282" y="778383"/>
+                </a:lnTo>
+                <a:lnTo>
+                  <a:pt x="4858456" y="934746"/>
+                </a:lnTo>
+                <a:lnTo>
+                  <a:pt x="4842320" y="1089051"/>
+                </a:lnTo>
+                <a:lnTo>
+                  <a:pt x="4827024" y="1245413"/>
+                </a:lnTo>
+                <a:lnTo>
+                  <a:pt x="4813072" y="1401090"/>
+                </a:lnTo>
+                <a:lnTo>
+                  <a:pt x="4800970" y="1554023"/>
+                </a:lnTo>
+                <a:lnTo>
+                  <a:pt x="4788867" y="1709014"/>
+                </a:lnTo>
+                <a:lnTo>
+                  <a:pt x="4778782" y="1861947"/>
+                </a:lnTo>
+                <a:lnTo>
+                  <a:pt x="4770882" y="2014881"/>
+                </a:lnTo>
+                <a:lnTo>
+                  <a:pt x="4762645" y="2167128"/>
+                </a:lnTo>
+                <a:lnTo>
+                  <a:pt x="4755754" y="2318004"/>
+                </a:lnTo>
+                <a:lnTo>
+                  <a:pt x="4750879" y="2467509"/>
+                </a:lnTo>
+                <a:lnTo>
+                  <a:pt x="4746677" y="2617013"/>
+                </a:lnTo>
+                <a:lnTo>
+                  <a:pt x="4742643" y="2765146"/>
+                </a:lnTo>
+                <a:lnTo>
+                  <a:pt x="4740794" y="2911221"/>
+                </a:lnTo>
+                <a:lnTo>
+                  <a:pt x="4738777" y="3057297"/>
+                </a:lnTo>
+                <a:lnTo>
+                  <a:pt x="4737768" y="3201315"/>
+                </a:lnTo>
+                <a:lnTo>
+                  <a:pt x="4738777" y="3343961"/>
+                </a:lnTo>
+                <a:lnTo>
+                  <a:pt x="4738777" y="3485236"/>
+                </a:lnTo>
+                <a:lnTo>
+                  <a:pt x="4740794" y="3625139"/>
+                </a:lnTo>
+                <a:lnTo>
+                  <a:pt x="4743819" y="3762299"/>
+                </a:lnTo>
+                <a:lnTo>
+                  <a:pt x="4746677" y="3898087"/>
+                </a:lnTo>
+                <a:lnTo>
+                  <a:pt x="4749871" y="4031133"/>
+                </a:lnTo>
+                <a:lnTo>
+                  <a:pt x="4754745" y="4163492"/>
+                </a:lnTo>
+                <a:lnTo>
+                  <a:pt x="4759956" y="4293793"/>
+                </a:lnTo>
+                <a:lnTo>
+                  <a:pt x="4764662" y="4421352"/>
+                </a:lnTo>
+                <a:lnTo>
+                  <a:pt x="4777942" y="4670298"/>
+                </a:lnTo>
+                <a:lnTo>
+                  <a:pt x="4792061" y="4908956"/>
+                </a:lnTo>
+                <a:lnTo>
+                  <a:pt x="4806853" y="5138013"/>
+                </a:lnTo>
+                <a:lnTo>
+                  <a:pt x="4823158" y="5354726"/>
+                </a:lnTo>
+                <a:lnTo>
+                  <a:pt x="4840135" y="5561838"/>
+                </a:lnTo>
+                <a:lnTo>
+                  <a:pt x="4858456" y="5753862"/>
+                </a:lnTo>
+                <a:lnTo>
+                  <a:pt x="4876442" y="5934227"/>
+                </a:lnTo>
+                <a:lnTo>
+                  <a:pt x="4894427" y="6100191"/>
+                </a:lnTo>
+                <a:lnTo>
+                  <a:pt x="4911404" y="6252438"/>
+                </a:lnTo>
+                <a:lnTo>
+                  <a:pt x="4927541" y="6387541"/>
+                </a:lnTo>
+                <a:lnTo>
+                  <a:pt x="4942837" y="6509613"/>
+                </a:lnTo>
+                <a:lnTo>
+                  <a:pt x="4955612" y="6612483"/>
+                </a:lnTo>
+                <a:lnTo>
+                  <a:pt x="4967714" y="6698894"/>
+                </a:lnTo>
+                <a:lnTo>
+                  <a:pt x="4985028" y="6817538"/>
+                </a:lnTo>
+                <a:lnTo>
+                  <a:pt x="4990911" y="6858000"/>
+                </a:lnTo>
+                <a:lnTo>
+                  <a:pt x="4085557" y="6858000"/>
+                </a:lnTo>
+                <a:lnTo>
+                  <a:pt x="4085557" y="6858001"/>
+                </a:lnTo>
+                <a:lnTo>
+                  <a:pt x="0" y="6858001"/>
+                </a:lnTo>
+                <a:lnTo>
+                  <a:pt x="0" y="1"/>
+                </a:lnTo>
+                <a:lnTo>
+                  <a:pt x="3646196" y="1"/>
+                </a:lnTo>
+                <a:close/>
+              </a:path>
+            </a:pathLst>
+          </a:custGeom>
+          <a:ln>
+            <a:noFill/>
+          </a:ln>
+        </p:spPr>
+        <p:style>
+          <a:lnRef idx="2">
+            <a:schemeClr val="accent1">
+              <a:shade val="50000"/>
+            </a:schemeClr>
+          </a:lnRef>
+          <a:fillRef idx="1003">
+            <a:schemeClr val="dk2"/>
+          </a:fillRef>
+          <a:effectRef idx="0">
+            <a:schemeClr val="accent1"/>
+          </a:effectRef>
+          <a:fontRef idx="minor">
+            <a:schemeClr val="lt1"/>
+          </a:fontRef>
+        </p:style>
+        <p:txBody>
+          <a:bodyPr rtlCol="0" anchor="ctr"/>
+          <a:lstStyle/>
+          <a:p>
+            <a:pPr algn="ctr"/>
+            <a:endParaRPr lang="en-US"/>
+          </a:p>
+        </p:txBody>
+      </p:sp>
+      <p:sp>
+        <p:nvSpPr>
+          <p:cNvPr id="14" name="Rectangle 13">
+            <a:extLst>
+              <a:ext uri="{FF2B5EF4-FFF2-40B4-BE49-F238E27FC236}">
+                <a16:creationId xmlns:a16="http://schemas.microsoft.com/office/drawing/2014/main" id="{0BA768A8-4FED-4ED8-9E46-6BE72188ECD2}"/>
+              </a:ext>
+              <a:ext uri="{C183D7F6-B498-43B3-948B-1728B52AA6E4}">
+                <adec:decorative xmlns:adec="http://schemas.microsoft.com/office/drawing/2017/decorative" val="1"/>
+              </a:ext>
+            </a:extLst>
+          </p:cNvPr>
+          <p:cNvSpPr>
+            <a:spLocks noGrp="1" noRot="1" noChangeAspect="1" noMove="1" noResize="1" noEditPoints="1" noAdjustHandles="1" noChangeArrowheads="1" noChangeShapeType="1" noTextEdit="1"/>
+          </p:cNvSpPr>
+          <p:nvPr>
+            <p:extLst>
+              <p:ext uri="{386F3935-93C4-4BCD-93E2-E3B085C9AB24}">
+                <p16:designElem xmlns:p16="http://schemas.microsoft.com/office/powerpoint/2015/main" val="1"/>
+              </p:ext>
+            </p:extLst>
+          </p:nvPr>
+        </p:nvSpPr>
+        <p:spPr>
+          <a:xfrm>
+            <a:off x="10437812" y="0"/>
+            <a:ext cx="685800" cy="1143000"/>
+          </a:xfrm>
+          <a:prstGeom prst="rect">
+            <a:avLst/>
+          </a:prstGeom>
+          <a:solidFill>
+            <a:schemeClr val="accent1"/>
+          </a:solidFill>
+          <a:ln>
+            <a:noFill/>
+          </a:ln>
+        </p:spPr>
+        <p:style>
+          <a:lnRef idx="1">
+            <a:schemeClr val="accent1"/>
+          </a:lnRef>
+          <a:fillRef idx="3">
+            <a:schemeClr val="accent1"/>
+          </a:fillRef>
+          <a:effectRef idx="2">
+            <a:schemeClr val="accent1"/>
+          </a:effectRef>
+          <a:fontRef idx="minor">
+            <a:schemeClr val="lt1"/>
+          </a:fontRef>
+        </p:style>
+      </p:sp>
+      <p:sp>
+        <p:nvSpPr>
+          <p:cNvPr id="2" name="Title 1">
+            <a:extLst>
+              <a:ext uri="{FF2B5EF4-FFF2-40B4-BE49-F238E27FC236}">
+                <a16:creationId xmlns:a16="http://schemas.microsoft.com/office/drawing/2014/main" id="{A218845E-0253-9544-1D50-D29990B55754}"/>
+              </a:ext>
+            </a:extLst>
+          </p:cNvPr>
+          <p:cNvSpPr>
+            <a:spLocks noGrp="1"/>
+          </p:cNvSpPr>
+          <p:nvPr>
+            <p:ph type="title"/>
+          </p:nvPr>
+        </p:nvSpPr>
+        <p:spPr>
+          <a:xfrm>
+            <a:off x="173137" y="3134447"/>
+            <a:ext cx="4644637" cy="2149373"/>
+          </a:xfrm>
+        </p:spPr>
+        <p:txBody>
+          <a:bodyPr>
+            <a:normAutofit/>
+          </a:bodyPr>
+          <a:lstStyle/>
+          <a:p>
+            <a:pPr algn="ctr"/>
+            <a:r>
+              <a:rPr lang="en-US" dirty="0">
+                <a:solidFill>
+                  <a:srgbClr val="FFFFFF"/>
+                </a:solidFill>
+              </a:rPr>
+              <a:t>THANK YOU</a:t>
+            </a:r>
+          </a:p>
+        </p:txBody>
+      </p:sp>
+      <p:sp>
+        <p:nvSpPr>
+          <p:cNvPr id="4" name="TextBox 3">
+            <a:extLst>
+              <a:ext uri="{FF2B5EF4-FFF2-40B4-BE49-F238E27FC236}">
+                <a16:creationId xmlns:a16="http://schemas.microsoft.com/office/drawing/2014/main" id="{21358B1B-FEE4-F40E-23F9-A024589F1394}"/>
+              </a:ext>
+            </a:extLst>
+          </p:cNvPr>
+          <p:cNvSpPr txBox="1"/>
+          <p:nvPr/>
+        </p:nvSpPr>
+        <p:spPr>
+          <a:xfrm>
+            <a:off x="6488859" y="2982724"/>
+            <a:ext cx="4634753" cy="892552"/>
+          </a:xfrm>
+          <a:prstGeom prst="rect">
+            <a:avLst/>
+          </a:prstGeom>
+          <a:noFill/>
+        </p:spPr>
+        <p:txBody>
+          <a:bodyPr wrap="square" rtlCol="0">
+            <a:spAutoFit/>
+          </a:bodyPr>
+          <a:lstStyle/>
+          <a:p>
+            <a:pPr algn="r"/>
+            <a:r>
+              <a:rPr lang="en-US" sz="1400" dirty="0"/>
+              <a:t>Presented by:</a:t>
+            </a:r>
+            <a:br>
+              <a:rPr lang="en-US" sz="1400" dirty="0"/>
+            </a:br>
+            <a:r>
+              <a:rPr lang="en-US" sz="2000" b="1" dirty="0"/>
+              <a:t>Subhajit Saha</a:t>
+            </a:r>
+            <a:br>
+              <a:rPr lang="en-US" dirty="0"/>
+            </a:br>
+            <a:r>
+              <a:rPr lang="en-US" sz="1600" dirty="0"/>
+              <a:t>Software Engineer, Capgemini</a:t>
+            </a:r>
+            <a:endParaRPr lang="en-US" dirty="0"/>
+          </a:p>
+        </p:txBody>
+      </p:sp>
+    </p:spTree>
+    <p:extLst>
+      <p:ext uri="{BB962C8B-B14F-4D97-AF65-F5344CB8AC3E}">
+        <p14:creationId xmlns:p14="http://schemas.microsoft.com/office/powerpoint/2010/main" val="1134399635"/>
+      </p:ext>
+    </p:extLst>
+  </p:cSld>
+  <p:clrMapOvr>
+    <a:overrideClrMapping bg1="lt1" tx1="dk1" bg2="lt2" tx2="dk2" accent1="accent1" accent2="accent2" accent3="accent3" accent4="accent4" accent5="accent5" accent6="accent6" hlink="hlink" folHlink="folHlink"/>
   </p:clrMapOvr>
 </p:sld>
 </file>
